--- a/Presentación ejecutiva.pptx
+++ b/Presentación ejecutiva.pptx
@@ -5,48 +5,49 @@
     <p:sldMasterId id="2147483675" r:id="rId1"/>
   </p:sldMasterIdLst>
   <p:notesMasterIdLst>
-    <p:notesMasterId r:id="rId12"/>
+    <p:notesMasterId r:id="rId13"/>
   </p:notesMasterIdLst>
   <p:sldIdLst>
     <p:sldId id="256" r:id="rId2"/>
     <p:sldId id="261" r:id="rId3"/>
-    <p:sldId id="311" r:id="rId4"/>
-    <p:sldId id="312" r:id="rId5"/>
-    <p:sldId id="313" r:id="rId6"/>
-    <p:sldId id="314" r:id="rId7"/>
-    <p:sldId id="315" r:id="rId8"/>
-    <p:sldId id="266" r:id="rId9"/>
-    <p:sldId id="284" r:id="rId10"/>
-    <p:sldId id="290" r:id="rId11"/>
+    <p:sldId id="316" r:id="rId4"/>
+    <p:sldId id="311" r:id="rId5"/>
+    <p:sldId id="312" r:id="rId6"/>
+    <p:sldId id="313" r:id="rId7"/>
+    <p:sldId id="314" r:id="rId8"/>
+    <p:sldId id="315" r:id="rId9"/>
+    <p:sldId id="266" r:id="rId10"/>
+    <p:sldId id="284" r:id="rId11"/>
+    <p:sldId id="290" r:id="rId12"/>
   </p:sldIdLst>
   <p:sldSz cx="9144000" cy="5143500" type="screen16x9"/>
   <p:notesSz cx="6858000" cy="9144000"/>
   <p:embeddedFontLst>
     <p:embeddedFont>
       <p:font typeface="Montserrat" panose="00000500000000000000" pitchFamily="2" charset="0"/>
-      <p:regular r:id="rId13"/>
-      <p:bold r:id="rId14"/>
-      <p:italic r:id="rId15"/>
-      <p:boldItalic r:id="rId16"/>
+      <p:regular r:id="rId14"/>
+      <p:bold r:id="rId15"/>
+      <p:italic r:id="rId16"/>
+      <p:boldItalic r:id="rId17"/>
     </p:embeddedFont>
     <p:embeddedFont>
       <p:font typeface="Montserrat SemiBold" panose="00000700000000000000" pitchFamily="2" charset="0"/>
-      <p:regular r:id="rId17"/>
-      <p:bold r:id="rId18"/>
-      <p:italic r:id="rId19"/>
-      <p:boldItalic r:id="rId20"/>
+      <p:regular r:id="rId18"/>
+      <p:bold r:id="rId19"/>
+      <p:italic r:id="rId20"/>
+      <p:boldItalic r:id="rId21"/>
     </p:embeddedFont>
     <p:embeddedFont>
       <p:font typeface="Raleway" pitchFamily="2" charset="0"/>
-      <p:regular r:id="rId21"/>
-      <p:bold r:id="rId22"/>
-      <p:italic r:id="rId23"/>
-      <p:boldItalic r:id="rId24"/>
+      <p:regular r:id="rId22"/>
+      <p:bold r:id="rId23"/>
+      <p:italic r:id="rId24"/>
+      <p:boldItalic r:id="rId25"/>
     </p:embeddedFont>
     <p:embeddedFont>
       <p:font typeface="Raleway ExtraBold" pitchFamily="2" charset="0"/>
-      <p:bold r:id="rId25"/>
-      <p:boldItalic r:id="rId26"/>
+      <p:bold r:id="rId26"/>
+      <p:boldItalic r:id="rId27"/>
     </p:embeddedFont>
   </p:embeddedFontLst>
   <p:defaultTextStyle>
@@ -278,6 +279,11 @@
       </a:defRPr>
     </a:lvl9pPr>
   </p:defaultTextStyle>
+  <p:extLst>
+    <p:ext uri="{EFAFB233-063F-42B5-8137-9DF3F51BA10A}">
+      <p15:sldGuideLst xmlns:p15="http://schemas.microsoft.com/office/powerpoint/2012/main"/>
+    </p:ext>
+  </p:extLst>
 </p:presentation>
 </file>
 
@@ -831,6 +837,110 @@
   <p:cSld>
     <p:spTree>
       <p:nvGrpSpPr>
+        <p:cNvPr id="1" name="Shape 1743"/>
+        <p:cNvGrpSpPr/>
+        <p:nvPr/>
+      </p:nvGrpSpPr>
+      <p:grpSpPr>
+        <a:xfrm>
+          <a:off x="0" y="0"/>
+          <a:ext cx="0" cy="0"/>
+          <a:chOff x="0" y="0"/>
+          <a:chExt cx="0" cy="0"/>
+        </a:xfrm>
+      </p:grpSpPr>
+      <p:sp>
+        <p:nvSpPr>
+          <p:cNvPr id="1744" name="Google Shape;1744;g54dda1946d_4_2720:notes"/>
+          <p:cNvSpPr>
+            <a:spLocks noGrp="1" noRot="1" noChangeAspect="1"/>
+          </p:cNvSpPr>
+          <p:nvPr>
+            <p:ph type="sldImg" idx="2"/>
+          </p:nvPr>
+        </p:nvSpPr>
+        <p:spPr>
+          <a:xfrm>
+            <a:off x="381000" y="685800"/>
+            <a:ext cx="6096000" cy="3429000"/>
+          </a:xfrm>
+          <a:custGeom>
+            <a:avLst/>
+            <a:gdLst/>
+            <a:ahLst/>
+            <a:cxnLst/>
+            <a:rect l="l" t="t" r="r" b="b"/>
+            <a:pathLst>
+              <a:path w="120000" h="120000" extrusionOk="0">
+                <a:moveTo>
+                  <a:pt x="0" y="0"/>
+                </a:moveTo>
+                <a:lnTo>
+                  <a:pt x="120000" y="0"/>
+                </a:lnTo>
+                <a:lnTo>
+                  <a:pt x="120000" y="120000"/>
+                </a:lnTo>
+                <a:lnTo>
+                  <a:pt x="0" y="120000"/>
+                </a:lnTo>
+                <a:close/>
+              </a:path>
+            </a:pathLst>
+          </a:custGeom>
+        </p:spPr>
+      </p:sp>
+      <p:sp>
+        <p:nvSpPr>
+          <p:cNvPr id="1745" name="Google Shape;1745;g54dda1946d_4_2720:notes"/>
+          <p:cNvSpPr txBox="1">
+            <a:spLocks noGrp="1"/>
+          </p:cNvSpPr>
+          <p:nvPr>
+            <p:ph type="body" idx="1"/>
+          </p:nvPr>
+        </p:nvSpPr>
+        <p:spPr>
+          <a:xfrm>
+            <a:off x="685800" y="4343400"/>
+            <a:ext cx="5486400" cy="4114800"/>
+          </a:xfrm>
+          <a:prstGeom prst="rect">
+            <a:avLst/>
+          </a:prstGeom>
+        </p:spPr>
+        <p:txBody>
+          <a:bodyPr spcFirstLastPara="1" wrap="square" lIns="91425" tIns="91425" rIns="91425" bIns="91425" anchor="t" anchorCtr="0">
+            <a:noAutofit/>
+          </a:bodyPr>
+          <a:lstStyle/>
+          <a:p>
+            <a:pPr marL="0" lvl="0" indent="0" algn="l" rtl="0">
+              <a:spcBef>
+                <a:spcPts val="0"/>
+              </a:spcBef>
+              <a:spcAft>
+                <a:spcPts val="0"/>
+              </a:spcAft>
+              <a:buNone/>
+            </a:pPr>
+            <a:endParaRPr/>
+          </a:p>
+        </p:txBody>
+      </p:sp>
+    </p:spTree>
+  </p:cSld>
+  <p:clrMapOvr>
+    <a:masterClrMapping/>
+  </p:clrMapOvr>
+</p:notes>
+</file>
+
+<file path=ppt/notesSlides/notesSlide11.xml><?xml version="1.0" encoding="utf-8"?>
+<p:notes xmlns:a="http://schemas.openxmlformats.org/drawingml/2006/main" xmlns:r="http://schemas.openxmlformats.org/officeDocument/2006/relationships" xmlns:p="http://schemas.openxmlformats.org/presentationml/2006/main" showMasterSp="0" showMasterPhAnim="0">
+  <p:cSld>
+    <p:spTree>
+      <p:nvGrpSpPr>
         <p:cNvPr id="1" name="Shape 2059"/>
         <p:cNvGrpSpPr/>
         <p:nvPr/>
@@ -1035,6 +1145,133 @@
 </file>
 
 <file path=ppt/notesSlides/notesSlide3.xml><?xml version="1.0" encoding="utf-8"?>
+<p:notes xmlns:a="http://schemas.openxmlformats.org/drawingml/2006/main" xmlns:r="http://schemas.openxmlformats.org/officeDocument/2006/relationships" xmlns:p="http://schemas.openxmlformats.org/presentationml/2006/main" showMasterSp="0" showMasterPhAnim="0">
+  <p:cSld>
+    <p:spTree>
+      <p:nvGrpSpPr>
+        <p:cNvPr id="1" name="Shape 631">
+          <a:extLst>
+            <a:ext uri="{FF2B5EF4-FFF2-40B4-BE49-F238E27FC236}">
+              <a16:creationId xmlns:a16="http://schemas.microsoft.com/office/drawing/2014/main" id="{7DDEC58A-1105-52BD-53BD-E00D6576B0E5}"/>
+            </a:ext>
+          </a:extLst>
+        </p:cNvPr>
+        <p:cNvGrpSpPr/>
+        <p:nvPr/>
+      </p:nvGrpSpPr>
+      <p:grpSpPr>
+        <a:xfrm>
+          <a:off x="0" y="0"/>
+          <a:ext cx="0" cy="0"/>
+          <a:chOff x="0" y="0"/>
+          <a:chExt cx="0" cy="0"/>
+        </a:xfrm>
+      </p:grpSpPr>
+      <p:sp>
+        <p:nvSpPr>
+          <p:cNvPr id="632" name="Google Shape;632;g14072739ea5_12_0:notes">
+            <a:extLst>
+              <a:ext uri="{FF2B5EF4-FFF2-40B4-BE49-F238E27FC236}">
+                <a16:creationId xmlns:a16="http://schemas.microsoft.com/office/drawing/2014/main" id="{CAF1A2F8-10FC-DDE3-C1EF-9AA4F10559F6}"/>
+              </a:ext>
+            </a:extLst>
+          </p:cNvPr>
+          <p:cNvSpPr>
+            <a:spLocks noGrp="1" noRot="1" noChangeAspect="1"/>
+          </p:cNvSpPr>
+          <p:nvPr>
+            <p:ph type="sldImg" idx="2"/>
+          </p:nvPr>
+        </p:nvSpPr>
+        <p:spPr>
+          <a:xfrm>
+            <a:off x="381000" y="685800"/>
+            <a:ext cx="6096000" cy="3429000"/>
+          </a:xfrm>
+          <a:custGeom>
+            <a:avLst/>
+            <a:gdLst/>
+            <a:ahLst/>
+            <a:cxnLst/>
+            <a:rect l="l" t="t" r="r" b="b"/>
+            <a:pathLst>
+              <a:path w="120000" h="120000" extrusionOk="0">
+                <a:moveTo>
+                  <a:pt x="0" y="0"/>
+                </a:moveTo>
+                <a:lnTo>
+                  <a:pt x="120000" y="0"/>
+                </a:lnTo>
+                <a:lnTo>
+                  <a:pt x="120000" y="120000"/>
+                </a:lnTo>
+                <a:lnTo>
+                  <a:pt x="0" y="120000"/>
+                </a:lnTo>
+                <a:close/>
+              </a:path>
+            </a:pathLst>
+          </a:custGeom>
+        </p:spPr>
+      </p:sp>
+      <p:sp>
+        <p:nvSpPr>
+          <p:cNvPr id="633" name="Google Shape;633;g14072739ea5_12_0:notes">
+            <a:extLst>
+              <a:ext uri="{FF2B5EF4-FFF2-40B4-BE49-F238E27FC236}">
+                <a16:creationId xmlns:a16="http://schemas.microsoft.com/office/drawing/2014/main" id="{B92DE46D-A0AF-EBD6-C1DE-06778FE44B56}"/>
+              </a:ext>
+            </a:extLst>
+          </p:cNvPr>
+          <p:cNvSpPr txBox="1">
+            <a:spLocks noGrp="1"/>
+          </p:cNvSpPr>
+          <p:nvPr>
+            <p:ph type="body" idx="1"/>
+          </p:nvPr>
+        </p:nvSpPr>
+        <p:spPr>
+          <a:xfrm>
+            <a:off x="685800" y="4343400"/>
+            <a:ext cx="5486400" cy="4114800"/>
+          </a:xfrm>
+          <a:prstGeom prst="rect">
+            <a:avLst/>
+          </a:prstGeom>
+        </p:spPr>
+        <p:txBody>
+          <a:bodyPr spcFirstLastPara="1" wrap="square" lIns="91425" tIns="91425" rIns="91425" bIns="91425" anchor="t" anchorCtr="0">
+            <a:noAutofit/>
+          </a:bodyPr>
+          <a:lstStyle/>
+          <a:p>
+            <a:pPr marL="0" lvl="0" indent="0" algn="l" rtl="0">
+              <a:spcBef>
+                <a:spcPts val="0"/>
+              </a:spcBef>
+              <a:spcAft>
+                <a:spcPts val="0"/>
+              </a:spcAft>
+              <a:buNone/>
+            </a:pPr>
+            <a:endParaRPr/>
+          </a:p>
+        </p:txBody>
+      </p:sp>
+    </p:spTree>
+    <p:extLst>
+      <p:ext uri="{BB962C8B-B14F-4D97-AF65-F5344CB8AC3E}">
+        <p14:creationId xmlns:p14="http://schemas.microsoft.com/office/powerpoint/2010/main" val="530820164"/>
+      </p:ext>
+    </p:extLst>
+  </p:cSld>
+  <p:clrMapOvr>
+    <a:masterClrMapping/>
+  </p:clrMapOvr>
+</p:notes>
+</file>
+
+<file path=ppt/notesSlides/notesSlide4.xml><?xml version="1.0" encoding="utf-8"?>
 <p:notes xmlns:a="http://schemas.openxmlformats.org/drawingml/2006/main" xmlns:r="http://schemas.openxmlformats.org/officeDocument/2006/relationships" xmlns:p="http://schemas.openxmlformats.org/presentationml/2006/main" showMasterSp="0" showMasterPhAnim="0">
   <p:cSld>
     <p:spTree>
@@ -1161,7 +1398,7 @@
 </p:notes>
 </file>
 
-<file path=ppt/notesSlides/notesSlide4.xml><?xml version="1.0" encoding="utf-8"?>
+<file path=ppt/notesSlides/notesSlide5.xml><?xml version="1.0" encoding="utf-8"?>
 <p:notes xmlns:a="http://schemas.openxmlformats.org/drawingml/2006/main" xmlns:r="http://schemas.openxmlformats.org/officeDocument/2006/relationships" xmlns:p="http://schemas.openxmlformats.org/presentationml/2006/main" showMasterSp="0" showMasterPhAnim="0">
   <p:cSld>
     <p:spTree>
@@ -1288,7 +1525,7 @@
 </p:notes>
 </file>
 
-<file path=ppt/notesSlides/notesSlide5.xml><?xml version="1.0" encoding="utf-8"?>
+<file path=ppt/notesSlides/notesSlide6.xml><?xml version="1.0" encoding="utf-8"?>
 <p:notes xmlns:a="http://schemas.openxmlformats.org/drawingml/2006/main" xmlns:r="http://schemas.openxmlformats.org/officeDocument/2006/relationships" xmlns:p="http://schemas.openxmlformats.org/presentationml/2006/main" showMasterSp="0" showMasterPhAnim="0">
   <p:cSld>
     <p:spTree>
@@ -1415,7 +1652,7 @@
 </p:notes>
 </file>
 
-<file path=ppt/notesSlides/notesSlide6.xml><?xml version="1.0" encoding="utf-8"?>
+<file path=ppt/notesSlides/notesSlide7.xml><?xml version="1.0" encoding="utf-8"?>
 <p:notes xmlns:a="http://schemas.openxmlformats.org/drawingml/2006/main" xmlns:r="http://schemas.openxmlformats.org/officeDocument/2006/relationships" xmlns:p="http://schemas.openxmlformats.org/presentationml/2006/main" showMasterSp="0" showMasterPhAnim="0">
   <p:cSld>
     <p:spTree>
@@ -1542,7 +1779,7 @@
 </p:notes>
 </file>
 
-<file path=ppt/notesSlides/notesSlide7.xml><?xml version="1.0" encoding="utf-8"?>
+<file path=ppt/notesSlides/notesSlide8.xml><?xml version="1.0" encoding="utf-8"?>
 <p:notes xmlns:a="http://schemas.openxmlformats.org/drawingml/2006/main" xmlns:r="http://schemas.openxmlformats.org/officeDocument/2006/relationships" xmlns:p="http://schemas.openxmlformats.org/presentationml/2006/main" showMasterSp="0" showMasterPhAnim="0">
   <p:cSld>
     <p:spTree>
@@ -1669,7 +1906,7 @@
 </p:notes>
 </file>
 
-<file path=ppt/notesSlides/notesSlide8.xml><?xml version="1.0" encoding="utf-8"?>
+<file path=ppt/notesSlides/notesSlide9.xml><?xml version="1.0" encoding="utf-8"?>
 <p:notes xmlns:a="http://schemas.openxmlformats.org/drawingml/2006/main" xmlns:r="http://schemas.openxmlformats.org/officeDocument/2006/relationships" xmlns:p="http://schemas.openxmlformats.org/presentationml/2006/main" showMasterSp="0" showMasterPhAnim="0">
   <p:cSld>
     <p:spTree>
@@ -1730,110 +1967,6 @@
       <p:sp>
         <p:nvSpPr>
           <p:cNvPr id="883" name="Google Shape;883;g54dda1946d_4_2738:notes"/>
-          <p:cNvSpPr txBox="1">
-            <a:spLocks noGrp="1"/>
-          </p:cNvSpPr>
-          <p:nvPr>
-            <p:ph type="body" idx="1"/>
-          </p:nvPr>
-        </p:nvSpPr>
-        <p:spPr>
-          <a:xfrm>
-            <a:off x="685800" y="4343400"/>
-            <a:ext cx="5486400" cy="4114800"/>
-          </a:xfrm>
-          <a:prstGeom prst="rect">
-            <a:avLst/>
-          </a:prstGeom>
-        </p:spPr>
-        <p:txBody>
-          <a:bodyPr spcFirstLastPara="1" wrap="square" lIns="91425" tIns="91425" rIns="91425" bIns="91425" anchor="t" anchorCtr="0">
-            <a:noAutofit/>
-          </a:bodyPr>
-          <a:lstStyle/>
-          <a:p>
-            <a:pPr marL="0" lvl="0" indent="0" algn="l" rtl="0">
-              <a:spcBef>
-                <a:spcPts val="0"/>
-              </a:spcBef>
-              <a:spcAft>
-                <a:spcPts val="0"/>
-              </a:spcAft>
-              <a:buNone/>
-            </a:pPr>
-            <a:endParaRPr/>
-          </a:p>
-        </p:txBody>
-      </p:sp>
-    </p:spTree>
-  </p:cSld>
-  <p:clrMapOvr>
-    <a:masterClrMapping/>
-  </p:clrMapOvr>
-</p:notes>
-</file>
-
-<file path=ppt/notesSlides/notesSlide9.xml><?xml version="1.0" encoding="utf-8"?>
-<p:notes xmlns:a="http://schemas.openxmlformats.org/drawingml/2006/main" xmlns:r="http://schemas.openxmlformats.org/officeDocument/2006/relationships" xmlns:p="http://schemas.openxmlformats.org/presentationml/2006/main" showMasterSp="0" showMasterPhAnim="0">
-  <p:cSld>
-    <p:spTree>
-      <p:nvGrpSpPr>
-        <p:cNvPr id="1" name="Shape 1743"/>
-        <p:cNvGrpSpPr/>
-        <p:nvPr/>
-      </p:nvGrpSpPr>
-      <p:grpSpPr>
-        <a:xfrm>
-          <a:off x="0" y="0"/>
-          <a:ext cx="0" cy="0"/>
-          <a:chOff x="0" y="0"/>
-          <a:chExt cx="0" cy="0"/>
-        </a:xfrm>
-      </p:grpSpPr>
-      <p:sp>
-        <p:nvSpPr>
-          <p:cNvPr id="1744" name="Google Shape;1744;g54dda1946d_4_2720:notes"/>
-          <p:cNvSpPr>
-            <a:spLocks noGrp="1" noRot="1" noChangeAspect="1"/>
-          </p:cNvSpPr>
-          <p:nvPr>
-            <p:ph type="sldImg" idx="2"/>
-          </p:nvPr>
-        </p:nvSpPr>
-        <p:spPr>
-          <a:xfrm>
-            <a:off x="381000" y="685800"/>
-            <a:ext cx="6096000" cy="3429000"/>
-          </a:xfrm>
-          <a:custGeom>
-            <a:avLst/>
-            <a:gdLst/>
-            <a:ahLst/>
-            <a:cxnLst/>
-            <a:rect l="l" t="t" r="r" b="b"/>
-            <a:pathLst>
-              <a:path w="120000" h="120000" extrusionOk="0">
-                <a:moveTo>
-                  <a:pt x="0" y="0"/>
-                </a:moveTo>
-                <a:lnTo>
-                  <a:pt x="120000" y="0"/>
-                </a:lnTo>
-                <a:lnTo>
-                  <a:pt x="120000" y="120000"/>
-                </a:lnTo>
-                <a:lnTo>
-                  <a:pt x="0" y="120000"/>
-                </a:lnTo>
-                <a:close/>
-              </a:path>
-            </a:pathLst>
-          </a:custGeom>
-        </p:spPr>
-      </p:sp>
-      <p:sp>
-        <p:nvSpPr>
-          <p:cNvPr id="1745" name="Google Shape;1745;g54dda1946d_4_2720:notes"/>
           <p:cNvSpPr txBox="1">
             <a:spLocks noGrp="1"/>
           </p:cNvSpPr>
@@ -14200,6 +14333,3157 @@
 </file>
 
 <file path=ppt/slides/slide10.xml><?xml version="1.0" encoding="utf-8"?>
+<p:sld xmlns:a="http://schemas.openxmlformats.org/drawingml/2006/main" xmlns:r="http://schemas.openxmlformats.org/officeDocument/2006/relationships" xmlns:p="http://schemas.openxmlformats.org/presentationml/2006/main">
+  <p:cSld>
+    <p:spTree>
+      <p:nvGrpSpPr>
+        <p:cNvPr id="1" name="Shape 1746"/>
+        <p:cNvGrpSpPr/>
+        <p:nvPr/>
+      </p:nvGrpSpPr>
+      <p:grpSpPr>
+        <a:xfrm>
+          <a:off x="0" y="0"/>
+          <a:ext cx="0" cy="0"/>
+          <a:chOff x="0" y="0"/>
+          <a:chExt cx="0" cy="0"/>
+        </a:xfrm>
+      </p:grpSpPr>
+      <p:sp>
+        <p:nvSpPr>
+          <p:cNvPr id="1747" name="Google Shape;1747;p58"/>
+          <p:cNvSpPr txBox="1">
+            <a:spLocks noGrp="1"/>
+          </p:cNvSpPr>
+          <p:nvPr>
+            <p:ph type="title"/>
+          </p:nvPr>
+        </p:nvSpPr>
+        <p:spPr>
+          <a:xfrm>
+            <a:off x="720000" y="445025"/>
+            <a:ext cx="7704000" cy="572700"/>
+          </a:xfrm>
+          <a:prstGeom prst="rect">
+            <a:avLst/>
+          </a:prstGeom>
+        </p:spPr>
+        <p:txBody>
+          <a:bodyPr spcFirstLastPara="1" wrap="square" lIns="91425" tIns="91425" rIns="91425" bIns="91425" anchor="t" anchorCtr="0">
+            <a:noAutofit/>
+          </a:bodyPr>
+          <a:lstStyle/>
+          <a:p>
+            <a:pPr marL="0" lvl="0" indent="0" algn="r" rtl="0">
+              <a:spcBef>
+                <a:spcPts val="0"/>
+              </a:spcBef>
+              <a:spcAft>
+                <a:spcPts val="0"/>
+              </a:spcAft>
+              <a:buNone/>
+            </a:pPr>
+            <a:r>
+              <a:rPr lang="en" dirty="0"/>
+              <a:t>Próximos pasos</a:t>
+            </a:r>
+            <a:endParaRPr dirty="0"/>
+          </a:p>
+        </p:txBody>
+      </p:sp>
+      <p:sp>
+        <p:nvSpPr>
+          <p:cNvPr id="1748" name="Google Shape;1748;p58"/>
+          <p:cNvSpPr/>
+          <p:nvPr/>
+        </p:nvSpPr>
+        <p:spPr>
+          <a:xfrm>
+            <a:off x="138" y="4334400"/>
+            <a:ext cx="9144000" cy="809100"/>
+          </a:xfrm>
+          <a:prstGeom prst="rect">
+            <a:avLst/>
+          </a:prstGeom>
+          <a:solidFill>
+            <a:schemeClr val="dk2"/>
+          </a:solidFill>
+          <a:ln>
+            <a:noFill/>
+          </a:ln>
+        </p:spPr>
+        <p:txBody>
+          <a:bodyPr spcFirstLastPara="1" wrap="square" lIns="91425" tIns="91425" rIns="91425" bIns="91425" anchor="ctr" anchorCtr="0">
+            <a:noAutofit/>
+          </a:bodyPr>
+          <a:lstStyle/>
+          <a:p>
+            <a:pPr marL="0" lvl="0" indent="0" algn="ctr" rtl="0">
+              <a:spcBef>
+                <a:spcPts val="0"/>
+              </a:spcBef>
+              <a:spcAft>
+                <a:spcPts val="0"/>
+              </a:spcAft>
+              <a:buNone/>
+            </a:pPr>
+            <a:endParaRPr>
+              <a:latin typeface="Montserrat"/>
+              <a:ea typeface="Montserrat"/>
+              <a:cs typeface="Montserrat"/>
+              <a:sym typeface="Montserrat"/>
+            </a:endParaRPr>
+          </a:p>
+        </p:txBody>
+      </p:sp>
+      <p:sp>
+        <p:nvSpPr>
+          <p:cNvPr id="1749" name="Google Shape;1749;p58"/>
+          <p:cNvSpPr txBox="1"/>
+          <p:nvPr/>
+        </p:nvSpPr>
+        <p:spPr>
+          <a:xfrm flipH="1">
+            <a:off x="2835883" y="2466302"/>
+            <a:ext cx="1641300" cy="1581432"/>
+          </a:xfrm>
+          <a:prstGeom prst="rect">
+            <a:avLst/>
+          </a:prstGeom>
+          <a:solidFill>
+            <a:schemeClr val="accent1">
+              <a:lumMod val="40000"/>
+              <a:lumOff val="60000"/>
+            </a:schemeClr>
+          </a:solidFill>
+          <a:ln w="9525" cap="flat" cmpd="sng">
+            <a:solidFill>
+              <a:schemeClr val="dk1"/>
+            </a:solidFill>
+            <a:prstDash val="solid"/>
+            <a:round/>
+            <a:headEnd type="none" w="sm" len="sm"/>
+            <a:tailEnd type="none" w="sm" len="sm"/>
+          </a:ln>
+          <a:effectLst>
+            <a:outerShdw dist="47625" dir="3180000" algn="bl" rotWithShape="0">
+              <a:schemeClr val="dk1"/>
+            </a:outerShdw>
+          </a:effectLst>
+        </p:spPr>
+        <p:txBody>
+          <a:bodyPr spcFirstLastPara="1" wrap="square" lIns="91425" tIns="91425" rIns="91425" bIns="91425" anchor="b" anchorCtr="0">
+            <a:noAutofit/>
+          </a:bodyPr>
+          <a:lstStyle/>
+          <a:p>
+            <a:pPr marL="0" lvl="0" indent="0" algn="ctr" rtl="0">
+              <a:spcBef>
+                <a:spcPts val="0"/>
+              </a:spcBef>
+              <a:spcAft>
+                <a:spcPts val="0"/>
+              </a:spcAft>
+              <a:buNone/>
+            </a:pPr>
+            <a:r>
+              <a:rPr lang="en" sz="2000" b="1" dirty="0">
+                <a:solidFill>
+                  <a:schemeClr val="dk1"/>
+                </a:solidFill>
+                <a:latin typeface="Raleway"/>
+                <a:ea typeface="Raleway"/>
+                <a:cs typeface="Raleway"/>
+                <a:sym typeface="Raleway"/>
+              </a:rPr>
+              <a:t>Dashboard Interactivo de consulta de stock</a:t>
+            </a:r>
+            <a:endParaRPr sz="2000" b="1" dirty="0">
+              <a:solidFill>
+                <a:schemeClr val="dk1"/>
+              </a:solidFill>
+              <a:latin typeface="Raleway"/>
+              <a:ea typeface="Raleway"/>
+              <a:cs typeface="Raleway"/>
+              <a:sym typeface="Raleway"/>
+            </a:endParaRPr>
+          </a:p>
+        </p:txBody>
+      </p:sp>
+      <p:sp>
+        <p:nvSpPr>
+          <p:cNvPr id="1751" name="Google Shape;1751;p58"/>
+          <p:cNvSpPr txBox="1"/>
+          <p:nvPr/>
+        </p:nvSpPr>
+        <p:spPr>
+          <a:xfrm flipH="1">
+            <a:off x="6497750" y="2466301"/>
+            <a:ext cx="1641300" cy="1350661"/>
+          </a:xfrm>
+          <a:prstGeom prst="rect">
+            <a:avLst/>
+          </a:prstGeom>
+          <a:solidFill>
+            <a:schemeClr val="bg1">
+              <a:lumMod val="85000"/>
+            </a:schemeClr>
+          </a:solidFill>
+          <a:ln w="9525" cap="flat" cmpd="sng">
+            <a:solidFill>
+              <a:schemeClr val="dk1"/>
+            </a:solidFill>
+            <a:prstDash val="solid"/>
+            <a:round/>
+            <a:headEnd type="none" w="sm" len="sm"/>
+            <a:tailEnd type="none" w="sm" len="sm"/>
+          </a:ln>
+          <a:effectLst>
+            <a:outerShdw dist="47625" dir="3180000" algn="bl" rotWithShape="0">
+              <a:schemeClr val="dk1"/>
+            </a:outerShdw>
+          </a:effectLst>
+        </p:spPr>
+        <p:txBody>
+          <a:bodyPr spcFirstLastPara="1" wrap="square" lIns="91425" tIns="91425" rIns="91425" bIns="91425" anchor="b" anchorCtr="0">
+            <a:noAutofit/>
+          </a:bodyPr>
+          <a:lstStyle/>
+          <a:p>
+            <a:pPr marL="0" lvl="0" indent="0" algn="ctr" rtl="0">
+              <a:spcBef>
+                <a:spcPts val="0"/>
+              </a:spcBef>
+              <a:spcAft>
+                <a:spcPts val="0"/>
+              </a:spcAft>
+              <a:buNone/>
+            </a:pPr>
+            <a:r>
+              <a:rPr lang="en" sz="2000" b="1" dirty="0">
+                <a:solidFill>
+                  <a:schemeClr val="dk1"/>
+                </a:solidFill>
+                <a:latin typeface="Raleway"/>
+                <a:ea typeface="Raleway"/>
+                <a:cs typeface="Raleway"/>
+                <a:sym typeface="Raleway"/>
+              </a:rPr>
+              <a:t>Pase a producción y monitoreo</a:t>
+            </a:r>
+            <a:endParaRPr sz="2000" b="1" dirty="0">
+              <a:solidFill>
+                <a:schemeClr val="dk1"/>
+              </a:solidFill>
+              <a:latin typeface="Raleway"/>
+              <a:ea typeface="Raleway"/>
+              <a:cs typeface="Raleway"/>
+              <a:sym typeface="Raleway"/>
+            </a:endParaRPr>
+          </a:p>
+        </p:txBody>
+      </p:sp>
+      <p:sp>
+        <p:nvSpPr>
+          <p:cNvPr id="1753" name="Google Shape;1753;p58"/>
+          <p:cNvSpPr txBox="1"/>
+          <p:nvPr/>
+        </p:nvSpPr>
+        <p:spPr>
+          <a:xfrm flipH="1">
+            <a:off x="4606620" y="2466301"/>
+            <a:ext cx="1757053" cy="1620377"/>
+          </a:xfrm>
+          <a:prstGeom prst="rect">
+            <a:avLst/>
+          </a:prstGeom>
+          <a:solidFill>
+            <a:schemeClr val="bg2">
+              <a:lumMod val="90000"/>
+            </a:schemeClr>
+          </a:solidFill>
+          <a:ln w="9525" cap="flat" cmpd="sng">
+            <a:solidFill>
+              <a:schemeClr val="dk1"/>
+            </a:solidFill>
+            <a:prstDash val="solid"/>
+            <a:round/>
+            <a:headEnd type="none" w="sm" len="sm"/>
+            <a:tailEnd type="none" w="sm" len="sm"/>
+          </a:ln>
+          <a:effectLst>
+            <a:outerShdw dist="47625" dir="3180000" algn="bl" rotWithShape="0">
+              <a:schemeClr val="dk1"/>
+            </a:outerShdw>
+          </a:effectLst>
+        </p:spPr>
+        <p:txBody>
+          <a:bodyPr spcFirstLastPara="1" wrap="square" lIns="91425" tIns="91425" rIns="91425" bIns="91425" anchor="b" anchorCtr="0">
+            <a:noAutofit/>
+          </a:bodyPr>
+          <a:lstStyle/>
+          <a:p>
+            <a:pPr marL="0" lvl="0" indent="0" algn="ctr" rtl="0">
+              <a:spcBef>
+                <a:spcPts val="0"/>
+              </a:spcBef>
+              <a:spcAft>
+                <a:spcPts val="0"/>
+              </a:spcAft>
+              <a:buNone/>
+            </a:pPr>
+            <a:r>
+              <a:rPr lang="en" sz="2000" b="1" dirty="0">
+                <a:solidFill>
+                  <a:schemeClr val="dk1"/>
+                </a:solidFill>
+                <a:latin typeface="Raleway"/>
+                <a:ea typeface="Raleway"/>
+                <a:cs typeface="Raleway"/>
+                <a:sym typeface="Raleway"/>
+              </a:rPr>
+              <a:t>Servicios para compras a proveedores</a:t>
+            </a:r>
+            <a:endParaRPr sz="2000" b="1" dirty="0">
+              <a:solidFill>
+                <a:schemeClr val="dk1"/>
+              </a:solidFill>
+              <a:latin typeface="Raleway"/>
+              <a:ea typeface="Raleway"/>
+              <a:cs typeface="Raleway"/>
+              <a:sym typeface="Raleway"/>
+            </a:endParaRPr>
+          </a:p>
+        </p:txBody>
+      </p:sp>
+      <p:sp>
+        <p:nvSpPr>
+          <p:cNvPr id="1755" name="Google Shape;1755;p58"/>
+          <p:cNvSpPr txBox="1"/>
+          <p:nvPr/>
+        </p:nvSpPr>
+        <p:spPr>
+          <a:xfrm flipH="1">
+            <a:off x="1004950" y="2466302"/>
+            <a:ext cx="1641300" cy="1583232"/>
+          </a:xfrm>
+          <a:prstGeom prst="rect">
+            <a:avLst/>
+          </a:prstGeom>
+          <a:solidFill>
+            <a:schemeClr val="tx2">
+              <a:lumMod val="40000"/>
+              <a:lumOff val="60000"/>
+            </a:schemeClr>
+          </a:solidFill>
+          <a:ln w="9525" cap="flat" cmpd="sng">
+            <a:solidFill>
+              <a:schemeClr val="dk1"/>
+            </a:solidFill>
+            <a:prstDash val="solid"/>
+            <a:round/>
+            <a:headEnd type="none" w="sm" len="sm"/>
+            <a:tailEnd type="none" w="sm" len="sm"/>
+          </a:ln>
+          <a:effectLst>
+            <a:outerShdw dist="47625" dir="3180000" algn="bl" rotWithShape="0">
+              <a:schemeClr val="dk1"/>
+            </a:outerShdw>
+          </a:effectLst>
+        </p:spPr>
+        <p:txBody>
+          <a:bodyPr spcFirstLastPara="1" wrap="square" lIns="91425" tIns="91425" rIns="91425" bIns="91425" anchor="b" anchorCtr="0">
+            <a:noAutofit/>
+          </a:bodyPr>
+          <a:lstStyle/>
+          <a:p>
+            <a:pPr marL="0" lvl="0" indent="0" algn="ctr" rtl="0">
+              <a:spcBef>
+                <a:spcPts val="0"/>
+              </a:spcBef>
+              <a:spcAft>
+                <a:spcPts val="0"/>
+              </a:spcAft>
+              <a:buNone/>
+            </a:pPr>
+            <a:r>
+              <a:rPr lang="en" sz="2000" b="1" dirty="0">
+                <a:solidFill>
+                  <a:schemeClr val="dk1"/>
+                </a:solidFill>
+                <a:latin typeface="Raleway"/>
+                <a:ea typeface="Raleway"/>
+                <a:cs typeface="Raleway"/>
+                <a:sym typeface="Raleway"/>
+              </a:rPr>
+              <a:t>Análisis generalizado por todas las categorías</a:t>
+            </a:r>
+            <a:endParaRPr sz="2000" b="1" dirty="0">
+              <a:solidFill>
+                <a:schemeClr val="dk1"/>
+              </a:solidFill>
+              <a:latin typeface="Raleway"/>
+              <a:ea typeface="Raleway"/>
+              <a:cs typeface="Raleway"/>
+              <a:sym typeface="Raleway"/>
+            </a:endParaRPr>
+          </a:p>
+        </p:txBody>
+      </p:sp>
+      <p:sp>
+        <p:nvSpPr>
+          <p:cNvPr id="1757" name="Google Shape;1757;p58"/>
+          <p:cNvSpPr/>
+          <p:nvPr/>
+        </p:nvSpPr>
+        <p:spPr>
+          <a:xfrm>
+            <a:off x="1673200" y="1807625"/>
+            <a:ext cx="304800" cy="304800"/>
+          </a:xfrm>
+          <a:prstGeom prst="ellipse">
+            <a:avLst/>
+          </a:prstGeom>
+          <a:solidFill>
+            <a:schemeClr val="lt2"/>
+          </a:solidFill>
+          <a:ln w="9525" cap="flat" cmpd="sng">
+            <a:solidFill>
+              <a:schemeClr val="dk1"/>
+            </a:solidFill>
+            <a:prstDash val="solid"/>
+            <a:round/>
+            <a:headEnd type="none" w="sm" len="sm"/>
+            <a:tailEnd type="none" w="sm" len="sm"/>
+          </a:ln>
+        </p:spPr>
+        <p:txBody>
+          <a:bodyPr spcFirstLastPara="1" wrap="square" lIns="91425" tIns="91425" rIns="91425" bIns="91425" anchor="ctr" anchorCtr="0">
+            <a:noAutofit/>
+          </a:bodyPr>
+          <a:lstStyle/>
+          <a:p>
+            <a:pPr marL="0" lvl="0" indent="0" algn="ctr" rtl="0">
+              <a:spcBef>
+                <a:spcPts val="0"/>
+              </a:spcBef>
+              <a:spcAft>
+                <a:spcPts val="0"/>
+              </a:spcAft>
+              <a:buNone/>
+            </a:pPr>
+            <a:endParaRPr>
+              <a:latin typeface="Montserrat"/>
+              <a:ea typeface="Montserrat"/>
+              <a:cs typeface="Montserrat"/>
+              <a:sym typeface="Montserrat"/>
+            </a:endParaRPr>
+          </a:p>
+        </p:txBody>
+      </p:sp>
+      <p:sp>
+        <p:nvSpPr>
+          <p:cNvPr id="1758" name="Google Shape;1758;p58"/>
+          <p:cNvSpPr/>
+          <p:nvPr/>
+        </p:nvSpPr>
+        <p:spPr>
+          <a:xfrm>
+            <a:off x="3504133" y="1807625"/>
+            <a:ext cx="304800" cy="304800"/>
+          </a:xfrm>
+          <a:prstGeom prst="ellipse">
+            <a:avLst/>
+          </a:prstGeom>
+          <a:solidFill>
+            <a:schemeClr val="accent1"/>
+          </a:solidFill>
+          <a:ln w="9525" cap="flat" cmpd="sng">
+            <a:solidFill>
+              <a:schemeClr val="dk1"/>
+            </a:solidFill>
+            <a:prstDash val="solid"/>
+            <a:round/>
+            <a:headEnd type="none" w="sm" len="sm"/>
+            <a:tailEnd type="none" w="sm" len="sm"/>
+          </a:ln>
+        </p:spPr>
+        <p:txBody>
+          <a:bodyPr spcFirstLastPara="1" wrap="square" lIns="91425" tIns="91425" rIns="91425" bIns="91425" anchor="ctr" anchorCtr="0">
+            <a:noAutofit/>
+          </a:bodyPr>
+          <a:lstStyle/>
+          <a:p>
+            <a:pPr marL="0" lvl="0" indent="0" algn="ctr" rtl="0">
+              <a:spcBef>
+                <a:spcPts val="0"/>
+              </a:spcBef>
+              <a:spcAft>
+                <a:spcPts val="0"/>
+              </a:spcAft>
+              <a:buNone/>
+            </a:pPr>
+            <a:endParaRPr>
+              <a:latin typeface="Montserrat"/>
+              <a:ea typeface="Montserrat"/>
+              <a:cs typeface="Montserrat"/>
+              <a:sym typeface="Montserrat"/>
+            </a:endParaRPr>
+          </a:p>
+        </p:txBody>
+      </p:sp>
+      <p:sp>
+        <p:nvSpPr>
+          <p:cNvPr id="1759" name="Google Shape;1759;p58"/>
+          <p:cNvSpPr/>
+          <p:nvPr/>
+        </p:nvSpPr>
+        <p:spPr>
+          <a:xfrm>
+            <a:off x="5335067" y="1807625"/>
+            <a:ext cx="304800" cy="304800"/>
+          </a:xfrm>
+          <a:prstGeom prst="ellipse">
+            <a:avLst/>
+          </a:prstGeom>
+          <a:solidFill>
+            <a:schemeClr val="dk2"/>
+          </a:solidFill>
+          <a:ln w="9525" cap="flat" cmpd="sng">
+            <a:solidFill>
+              <a:schemeClr val="dk1"/>
+            </a:solidFill>
+            <a:prstDash val="solid"/>
+            <a:round/>
+            <a:headEnd type="none" w="sm" len="sm"/>
+            <a:tailEnd type="none" w="sm" len="sm"/>
+          </a:ln>
+        </p:spPr>
+        <p:txBody>
+          <a:bodyPr spcFirstLastPara="1" wrap="square" lIns="91425" tIns="91425" rIns="91425" bIns="91425" anchor="ctr" anchorCtr="0">
+            <a:noAutofit/>
+          </a:bodyPr>
+          <a:lstStyle/>
+          <a:p>
+            <a:pPr marL="0" lvl="0" indent="0" algn="ctr" rtl="0">
+              <a:spcBef>
+                <a:spcPts val="0"/>
+              </a:spcBef>
+              <a:spcAft>
+                <a:spcPts val="0"/>
+              </a:spcAft>
+              <a:buNone/>
+            </a:pPr>
+            <a:endParaRPr>
+              <a:latin typeface="Montserrat"/>
+              <a:ea typeface="Montserrat"/>
+              <a:cs typeface="Montserrat"/>
+              <a:sym typeface="Montserrat"/>
+            </a:endParaRPr>
+          </a:p>
+        </p:txBody>
+      </p:sp>
+      <p:sp>
+        <p:nvSpPr>
+          <p:cNvPr id="1760" name="Google Shape;1760;p58"/>
+          <p:cNvSpPr/>
+          <p:nvPr/>
+        </p:nvSpPr>
+        <p:spPr>
+          <a:xfrm>
+            <a:off x="7166000" y="1807625"/>
+            <a:ext cx="304800" cy="304800"/>
+          </a:xfrm>
+          <a:prstGeom prst="ellipse">
+            <a:avLst/>
+          </a:prstGeom>
+          <a:solidFill>
+            <a:schemeClr val="dk1"/>
+          </a:solidFill>
+          <a:ln w="9525" cap="flat" cmpd="sng">
+            <a:solidFill>
+              <a:schemeClr val="dk1"/>
+            </a:solidFill>
+            <a:prstDash val="solid"/>
+            <a:round/>
+            <a:headEnd type="none" w="sm" len="sm"/>
+            <a:tailEnd type="none" w="sm" len="sm"/>
+          </a:ln>
+        </p:spPr>
+        <p:txBody>
+          <a:bodyPr spcFirstLastPara="1" wrap="square" lIns="91425" tIns="91425" rIns="91425" bIns="91425" anchor="ctr" anchorCtr="0">
+            <a:noAutofit/>
+          </a:bodyPr>
+          <a:lstStyle/>
+          <a:p>
+            <a:pPr marL="0" lvl="0" indent="0" algn="ctr" rtl="0">
+              <a:spcBef>
+                <a:spcPts val="0"/>
+              </a:spcBef>
+              <a:spcAft>
+                <a:spcPts val="0"/>
+              </a:spcAft>
+              <a:buNone/>
+            </a:pPr>
+            <a:endParaRPr>
+              <a:latin typeface="Montserrat"/>
+              <a:ea typeface="Montserrat"/>
+              <a:cs typeface="Montserrat"/>
+              <a:sym typeface="Montserrat"/>
+            </a:endParaRPr>
+          </a:p>
+        </p:txBody>
+      </p:sp>
+      <p:cxnSp>
+        <p:nvCxnSpPr>
+          <p:cNvPr id="1761" name="Google Shape;1761;p58"/>
+          <p:cNvCxnSpPr>
+            <a:stCxn id="1757" idx="6"/>
+            <a:endCxn id="1758" idx="2"/>
+          </p:cNvCxnSpPr>
+          <p:nvPr/>
+        </p:nvCxnSpPr>
+        <p:spPr>
+          <a:xfrm>
+            <a:off x="1978000" y="1960025"/>
+            <a:ext cx="1526100" cy="600"/>
+          </a:xfrm>
+          <a:prstGeom prst="bentConnector3">
+            <a:avLst>
+              <a:gd name="adj1" fmla="val 50001"/>
+            </a:avLst>
+          </a:prstGeom>
+          <a:noFill/>
+          <a:ln w="9525" cap="flat" cmpd="sng">
+            <a:solidFill>
+              <a:schemeClr val="dk1"/>
+            </a:solidFill>
+            <a:prstDash val="dash"/>
+            <a:round/>
+            <a:headEnd type="none" w="med" len="med"/>
+            <a:tailEnd type="none" w="med" len="med"/>
+          </a:ln>
+        </p:spPr>
+      </p:cxnSp>
+      <p:cxnSp>
+        <p:nvCxnSpPr>
+          <p:cNvPr id="1762" name="Google Shape;1762;p58"/>
+          <p:cNvCxnSpPr>
+            <a:stCxn id="1758" idx="6"/>
+            <a:endCxn id="1759" idx="2"/>
+          </p:cNvCxnSpPr>
+          <p:nvPr/>
+        </p:nvCxnSpPr>
+        <p:spPr>
+          <a:xfrm>
+            <a:off x="3808933" y="1960025"/>
+            <a:ext cx="1526100" cy="0"/>
+          </a:xfrm>
+          <a:prstGeom prst="straightConnector1">
+            <a:avLst/>
+          </a:prstGeom>
+          <a:noFill/>
+          <a:ln w="9525" cap="flat" cmpd="sng">
+            <a:solidFill>
+              <a:schemeClr val="dk1"/>
+            </a:solidFill>
+            <a:prstDash val="dash"/>
+            <a:round/>
+            <a:headEnd type="none" w="med" len="med"/>
+            <a:tailEnd type="none" w="med" len="med"/>
+          </a:ln>
+        </p:spPr>
+      </p:cxnSp>
+      <p:cxnSp>
+        <p:nvCxnSpPr>
+          <p:cNvPr id="1763" name="Google Shape;1763;p58"/>
+          <p:cNvCxnSpPr>
+            <a:stCxn id="1759" idx="6"/>
+            <a:endCxn id="1760" idx="2"/>
+          </p:cNvCxnSpPr>
+          <p:nvPr/>
+        </p:nvCxnSpPr>
+        <p:spPr>
+          <a:xfrm>
+            <a:off x="5639867" y="1960025"/>
+            <a:ext cx="1526100" cy="0"/>
+          </a:xfrm>
+          <a:prstGeom prst="straightConnector1">
+            <a:avLst/>
+          </a:prstGeom>
+          <a:noFill/>
+          <a:ln w="9525" cap="flat" cmpd="sng">
+            <a:solidFill>
+              <a:schemeClr val="dk1"/>
+            </a:solidFill>
+            <a:prstDash val="dash"/>
+            <a:round/>
+            <a:headEnd type="none" w="med" len="med"/>
+            <a:tailEnd type="none" w="med" len="med"/>
+          </a:ln>
+        </p:spPr>
+      </p:cxnSp>
+      <p:cxnSp>
+        <p:nvCxnSpPr>
+          <p:cNvPr id="1764" name="Google Shape;1764;p58"/>
+          <p:cNvCxnSpPr>
+            <a:cxnSpLocks/>
+            <a:stCxn id="1757" idx="4"/>
+            <a:endCxn id="1755" idx="0"/>
+          </p:cNvCxnSpPr>
+          <p:nvPr/>
+        </p:nvCxnSpPr>
+        <p:spPr>
+          <a:xfrm>
+            <a:off x="1825600" y="2112425"/>
+            <a:ext cx="0" cy="353877"/>
+          </a:xfrm>
+          <a:prstGeom prst="straightConnector1">
+            <a:avLst/>
+          </a:prstGeom>
+          <a:noFill/>
+          <a:ln w="9525" cap="flat" cmpd="sng">
+            <a:solidFill>
+              <a:schemeClr val="dk1"/>
+            </a:solidFill>
+            <a:prstDash val="solid"/>
+            <a:round/>
+            <a:headEnd type="none" w="med" len="med"/>
+            <a:tailEnd type="diamond" w="med" len="med"/>
+          </a:ln>
+        </p:spPr>
+      </p:cxnSp>
+      <p:cxnSp>
+        <p:nvCxnSpPr>
+          <p:cNvPr id="1765" name="Google Shape;1765;p58"/>
+          <p:cNvCxnSpPr>
+            <a:cxnSpLocks/>
+            <a:stCxn id="1758" idx="4"/>
+            <a:endCxn id="1749" idx="0"/>
+          </p:cNvCxnSpPr>
+          <p:nvPr/>
+        </p:nvCxnSpPr>
+        <p:spPr>
+          <a:xfrm>
+            <a:off x="3656533" y="2112425"/>
+            <a:ext cx="0" cy="353877"/>
+          </a:xfrm>
+          <a:prstGeom prst="straightConnector1">
+            <a:avLst/>
+          </a:prstGeom>
+          <a:noFill/>
+          <a:ln w="9525" cap="flat" cmpd="sng">
+            <a:solidFill>
+              <a:schemeClr val="dk1"/>
+            </a:solidFill>
+            <a:prstDash val="solid"/>
+            <a:round/>
+            <a:headEnd type="none" w="med" len="med"/>
+            <a:tailEnd type="diamond" w="med" len="med"/>
+          </a:ln>
+        </p:spPr>
+      </p:cxnSp>
+      <p:cxnSp>
+        <p:nvCxnSpPr>
+          <p:cNvPr id="1766" name="Google Shape;1766;p58"/>
+          <p:cNvCxnSpPr>
+            <a:cxnSpLocks/>
+            <a:stCxn id="1759" idx="4"/>
+            <a:endCxn id="1753" idx="0"/>
+          </p:cNvCxnSpPr>
+          <p:nvPr/>
+        </p:nvCxnSpPr>
+        <p:spPr>
+          <a:xfrm flipH="1">
+            <a:off x="5485146" y="2112425"/>
+            <a:ext cx="2321" cy="353876"/>
+          </a:xfrm>
+          <a:prstGeom prst="straightConnector1">
+            <a:avLst/>
+          </a:prstGeom>
+          <a:noFill/>
+          <a:ln w="9525" cap="flat" cmpd="sng">
+            <a:solidFill>
+              <a:schemeClr val="dk1"/>
+            </a:solidFill>
+            <a:prstDash val="solid"/>
+            <a:round/>
+            <a:headEnd type="none" w="med" len="med"/>
+            <a:tailEnd type="diamond" w="med" len="med"/>
+          </a:ln>
+        </p:spPr>
+      </p:cxnSp>
+      <p:cxnSp>
+        <p:nvCxnSpPr>
+          <p:cNvPr id="1767" name="Google Shape;1767;p58"/>
+          <p:cNvCxnSpPr>
+            <a:cxnSpLocks/>
+            <a:stCxn id="1760" idx="4"/>
+            <a:endCxn id="1751" idx="0"/>
+          </p:cNvCxnSpPr>
+          <p:nvPr/>
+        </p:nvCxnSpPr>
+        <p:spPr>
+          <a:xfrm>
+            <a:off x="7318400" y="2112425"/>
+            <a:ext cx="0" cy="353876"/>
+          </a:xfrm>
+          <a:prstGeom prst="straightConnector1">
+            <a:avLst/>
+          </a:prstGeom>
+          <a:noFill/>
+          <a:ln w="9525" cap="flat" cmpd="sng">
+            <a:solidFill>
+              <a:schemeClr val="dk1"/>
+            </a:solidFill>
+            <a:prstDash val="solid"/>
+            <a:round/>
+            <a:headEnd type="none" w="med" len="med"/>
+            <a:tailEnd type="diamond" w="med" len="med"/>
+          </a:ln>
+        </p:spPr>
+      </p:cxnSp>
+      <p:grpSp>
+        <p:nvGrpSpPr>
+          <p:cNvPr id="1768" name="Google Shape;1768;p58"/>
+          <p:cNvGrpSpPr/>
+          <p:nvPr/>
+        </p:nvGrpSpPr>
+        <p:grpSpPr>
+          <a:xfrm>
+            <a:off x="7646258" y="3883756"/>
+            <a:ext cx="1319000" cy="1093729"/>
+            <a:chOff x="7646258" y="3883756"/>
+            <a:chExt cx="1319000" cy="1093729"/>
+          </a:xfrm>
+        </p:grpSpPr>
+        <p:grpSp>
+          <p:nvGrpSpPr>
+            <p:cNvPr id="1769" name="Google Shape;1769;p58"/>
+            <p:cNvGrpSpPr/>
+            <p:nvPr/>
+          </p:nvGrpSpPr>
+          <p:grpSpPr>
+            <a:xfrm>
+              <a:off x="8287140" y="3938917"/>
+              <a:ext cx="678118" cy="1038569"/>
+              <a:chOff x="6917978" y="1848472"/>
+              <a:chExt cx="967911" cy="1482399"/>
+            </a:xfrm>
+          </p:grpSpPr>
+          <p:grpSp>
+            <p:nvGrpSpPr>
+              <p:cNvPr id="1770" name="Google Shape;1770;p58"/>
+              <p:cNvGrpSpPr/>
+              <p:nvPr/>
+            </p:nvGrpSpPr>
+            <p:grpSpPr>
+              <a:xfrm>
+                <a:off x="6917978" y="1848472"/>
+                <a:ext cx="967911" cy="1482399"/>
+                <a:chOff x="6917978" y="1848472"/>
+                <a:chExt cx="967911" cy="1482399"/>
+              </a:xfrm>
+            </p:grpSpPr>
+            <p:sp>
+              <p:nvSpPr>
+                <p:cNvPr id="1771" name="Google Shape;1771;p58"/>
+                <p:cNvSpPr/>
+                <p:nvPr/>
+              </p:nvSpPr>
+              <p:spPr>
+                <a:xfrm>
+                  <a:off x="7243211" y="1848472"/>
+                  <a:ext cx="317591" cy="307703"/>
+                </a:xfrm>
+                <a:custGeom>
+                  <a:avLst/>
+                  <a:gdLst/>
+                  <a:ahLst/>
+                  <a:cxnLst/>
+                  <a:rect l="l" t="t" r="r" b="b"/>
+                  <a:pathLst>
+                    <a:path w="317591" h="307703" extrusionOk="0">
+                      <a:moveTo>
+                        <a:pt x="317519" y="307703"/>
+                      </a:moveTo>
+                      <a:lnTo>
+                        <a:pt x="0" y="307703"/>
+                      </a:lnTo>
+                      <a:lnTo>
+                        <a:pt x="0" y="83959"/>
+                      </a:lnTo>
+                      <a:cubicBezTo>
+                        <a:pt x="0" y="37582"/>
+                        <a:pt x="37625" y="0"/>
+                        <a:pt x="84055" y="0"/>
+                      </a:cubicBezTo>
+                      <a:lnTo>
+                        <a:pt x="233536" y="0"/>
+                      </a:lnTo>
+                      <a:cubicBezTo>
+                        <a:pt x="279966" y="0"/>
+                        <a:pt x="317591" y="37582"/>
+                        <a:pt x="317591" y="83959"/>
+                      </a:cubicBezTo>
+                      <a:lnTo>
+                        <a:pt x="317591" y="307703"/>
+                      </a:lnTo>
+                      <a:close/>
+                    </a:path>
+                  </a:pathLst>
+                </a:custGeom>
+                <a:solidFill>
+                  <a:schemeClr val="lt1"/>
+                </a:solidFill>
+                <a:ln w="9525" cap="flat" cmpd="sng">
+                  <a:solidFill>
+                    <a:schemeClr val="dk1"/>
+                  </a:solidFill>
+                  <a:prstDash val="solid"/>
+                  <a:miter lim="8000"/>
+                  <a:headEnd type="none" w="sm" len="sm"/>
+                  <a:tailEnd type="none" w="sm" len="sm"/>
+                </a:ln>
+              </p:spPr>
+              <p:txBody>
+                <a:bodyPr spcFirstLastPara="1" wrap="square" lIns="91425" tIns="45700" rIns="91425" bIns="45700" anchor="ctr" anchorCtr="0">
+                  <a:noAutofit/>
+                </a:bodyPr>
+                <a:lstStyle/>
+                <a:p>
+                  <a:pPr marL="0" marR="0" lvl="0" indent="0" algn="l" rtl="0">
+                    <a:spcBef>
+                      <a:spcPts val="0"/>
+                    </a:spcBef>
+                    <a:spcAft>
+                      <a:spcPts val="0"/>
+                    </a:spcAft>
+                    <a:buNone/>
+                  </a:pPr>
+                  <a:endParaRPr sz="1800">
+                    <a:solidFill>
+                      <a:srgbClr val="000000"/>
+                    </a:solidFill>
+                    <a:latin typeface="Calibri"/>
+                    <a:ea typeface="Calibri"/>
+                    <a:cs typeface="Calibri"/>
+                    <a:sym typeface="Calibri"/>
+                  </a:endParaRPr>
+                </a:p>
+              </p:txBody>
+            </p:sp>
+            <p:sp>
+              <p:nvSpPr>
+                <p:cNvPr id="1772" name="Google Shape;1772;p58"/>
+                <p:cNvSpPr/>
+                <p:nvPr/>
+              </p:nvSpPr>
+              <p:spPr>
+                <a:xfrm>
+                  <a:off x="6917978" y="2157193"/>
+                  <a:ext cx="967911" cy="1173677"/>
+                </a:xfrm>
+                <a:custGeom>
+                  <a:avLst/>
+                  <a:gdLst/>
+                  <a:ahLst/>
+                  <a:cxnLst/>
+                  <a:rect l="l" t="t" r="r" b="b"/>
+                  <a:pathLst>
+                    <a:path w="967911" h="1173677" extrusionOk="0">
+                      <a:moveTo>
+                        <a:pt x="967911" y="1173677"/>
+                      </a:moveTo>
+                      <a:lnTo>
+                        <a:pt x="0" y="1173677"/>
+                      </a:lnTo>
+                      <a:lnTo>
+                        <a:pt x="69355" y="0"/>
+                      </a:lnTo>
+                      <a:lnTo>
+                        <a:pt x="882182" y="0"/>
+                      </a:lnTo>
+                      <a:close/>
+                    </a:path>
+                  </a:pathLst>
+                </a:custGeom>
+                <a:solidFill>
+                  <a:schemeClr val="lt1"/>
+                </a:solidFill>
+                <a:ln w="9525" cap="flat" cmpd="sng">
+                  <a:solidFill>
+                    <a:schemeClr val="dk1"/>
+                  </a:solidFill>
+                  <a:prstDash val="solid"/>
+                  <a:miter lim="8000"/>
+                  <a:headEnd type="none" w="sm" len="sm"/>
+                  <a:tailEnd type="none" w="sm" len="sm"/>
+                </a:ln>
+              </p:spPr>
+              <p:txBody>
+                <a:bodyPr spcFirstLastPara="1" wrap="square" lIns="91425" tIns="45700" rIns="91425" bIns="45700" anchor="ctr" anchorCtr="0">
+                  <a:noAutofit/>
+                </a:bodyPr>
+                <a:lstStyle/>
+                <a:p>
+                  <a:pPr marL="0" marR="0" lvl="0" indent="0" algn="l" rtl="0">
+                    <a:spcBef>
+                      <a:spcPts val="0"/>
+                    </a:spcBef>
+                    <a:spcAft>
+                      <a:spcPts val="0"/>
+                    </a:spcAft>
+                    <a:buNone/>
+                  </a:pPr>
+                  <a:endParaRPr sz="1800">
+                    <a:solidFill>
+                      <a:srgbClr val="000000"/>
+                    </a:solidFill>
+                    <a:latin typeface="Calibri"/>
+                    <a:ea typeface="Calibri"/>
+                    <a:cs typeface="Calibri"/>
+                    <a:sym typeface="Calibri"/>
+                  </a:endParaRPr>
+                </a:p>
+              </p:txBody>
+            </p:sp>
+            <p:sp>
+              <p:nvSpPr>
+                <p:cNvPr id="1773" name="Google Shape;1773;p58"/>
+                <p:cNvSpPr/>
+                <p:nvPr/>
+              </p:nvSpPr>
+              <p:spPr>
+                <a:xfrm>
+                  <a:off x="7222252" y="2161991"/>
+                  <a:ext cx="256387" cy="179330"/>
+                </a:xfrm>
+                <a:custGeom>
+                  <a:avLst/>
+                  <a:gdLst/>
+                  <a:ahLst/>
+                  <a:cxnLst/>
+                  <a:rect l="l" t="t" r="r" b="b"/>
+                  <a:pathLst>
+                    <a:path w="256387" h="179330" extrusionOk="0">
+                      <a:moveTo>
+                        <a:pt x="0" y="179330"/>
+                      </a:moveTo>
+                      <a:lnTo>
+                        <a:pt x="256387" y="0"/>
+                      </a:lnTo>
+                    </a:path>
+                  </a:pathLst>
+                </a:custGeom>
+                <a:solidFill>
+                  <a:schemeClr val="lt1"/>
+                </a:solidFill>
+                <a:ln w="9525" cap="flat" cmpd="sng">
+                  <a:solidFill>
+                    <a:schemeClr val="dk1"/>
+                  </a:solidFill>
+                  <a:prstDash val="solid"/>
+                  <a:miter lim="8000"/>
+                  <a:headEnd type="none" w="sm" len="sm"/>
+                  <a:tailEnd type="none" w="sm" len="sm"/>
+                </a:ln>
+              </p:spPr>
+              <p:txBody>
+                <a:bodyPr spcFirstLastPara="1" wrap="square" lIns="91425" tIns="45700" rIns="91425" bIns="45700" anchor="ctr" anchorCtr="0">
+                  <a:noAutofit/>
+                </a:bodyPr>
+                <a:lstStyle/>
+                <a:p>
+                  <a:pPr marL="0" marR="0" lvl="0" indent="0" algn="l" rtl="0">
+                    <a:spcBef>
+                      <a:spcPts val="0"/>
+                    </a:spcBef>
+                    <a:spcAft>
+                      <a:spcPts val="0"/>
+                    </a:spcAft>
+                    <a:buNone/>
+                  </a:pPr>
+                  <a:endParaRPr sz="1800">
+                    <a:solidFill>
+                      <a:srgbClr val="000000"/>
+                    </a:solidFill>
+                    <a:latin typeface="Calibri"/>
+                    <a:ea typeface="Calibri"/>
+                    <a:cs typeface="Calibri"/>
+                    <a:sym typeface="Calibri"/>
+                  </a:endParaRPr>
+                </a:p>
+              </p:txBody>
+            </p:sp>
+            <p:sp>
+              <p:nvSpPr>
+                <p:cNvPr id="1774" name="Google Shape;1774;p58"/>
+                <p:cNvSpPr/>
+                <p:nvPr/>
+              </p:nvSpPr>
+              <p:spPr>
+                <a:xfrm>
+                  <a:off x="7073499" y="2392932"/>
+                  <a:ext cx="75031" cy="52483"/>
+                </a:xfrm>
+                <a:custGeom>
+                  <a:avLst/>
+                  <a:gdLst/>
+                  <a:ahLst/>
+                  <a:cxnLst/>
+                  <a:rect l="l" t="t" r="r" b="b"/>
+                  <a:pathLst>
+                    <a:path w="75031" h="52483" extrusionOk="0">
+                      <a:moveTo>
+                        <a:pt x="0" y="52483"/>
+                      </a:moveTo>
+                      <a:lnTo>
+                        <a:pt x="75031" y="0"/>
+                      </a:lnTo>
+                    </a:path>
+                  </a:pathLst>
+                </a:custGeom>
+                <a:solidFill>
+                  <a:schemeClr val="lt1"/>
+                </a:solidFill>
+                <a:ln w="9525" cap="flat" cmpd="sng">
+                  <a:solidFill>
+                    <a:schemeClr val="dk1"/>
+                  </a:solidFill>
+                  <a:prstDash val="solid"/>
+                  <a:miter lim="8000"/>
+                  <a:headEnd type="none" w="sm" len="sm"/>
+                  <a:tailEnd type="none" w="sm" len="sm"/>
+                </a:ln>
+              </p:spPr>
+              <p:txBody>
+                <a:bodyPr spcFirstLastPara="1" wrap="square" lIns="91425" tIns="45700" rIns="91425" bIns="45700" anchor="ctr" anchorCtr="0">
+                  <a:noAutofit/>
+                </a:bodyPr>
+                <a:lstStyle/>
+                <a:p>
+                  <a:pPr marL="0" marR="0" lvl="0" indent="0" algn="l" rtl="0">
+                    <a:spcBef>
+                      <a:spcPts val="0"/>
+                    </a:spcBef>
+                    <a:spcAft>
+                      <a:spcPts val="0"/>
+                    </a:spcAft>
+                    <a:buNone/>
+                  </a:pPr>
+                  <a:endParaRPr sz="1800">
+                    <a:solidFill>
+                      <a:srgbClr val="000000"/>
+                    </a:solidFill>
+                    <a:latin typeface="Calibri"/>
+                    <a:ea typeface="Calibri"/>
+                    <a:cs typeface="Calibri"/>
+                    <a:sym typeface="Calibri"/>
+                  </a:endParaRPr>
+                </a:p>
+              </p:txBody>
+            </p:sp>
+            <p:sp>
+              <p:nvSpPr>
+                <p:cNvPr id="1775" name="Google Shape;1775;p58"/>
+                <p:cNvSpPr/>
+                <p:nvPr/>
+              </p:nvSpPr>
+              <p:spPr>
+                <a:xfrm>
+                  <a:off x="6965865" y="2445415"/>
+                  <a:ext cx="107634" cy="75308"/>
+                </a:xfrm>
+                <a:custGeom>
+                  <a:avLst/>
+                  <a:gdLst/>
+                  <a:ahLst/>
+                  <a:cxnLst/>
+                  <a:rect l="l" t="t" r="r" b="b"/>
+                  <a:pathLst>
+                    <a:path w="107634" h="75308" extrusionOk="0">
+                      <a:moveTo>
+                        <a:pt x="0" y="75308"/>
+                      </a:moveTo>
+                      <a:lnTo>
+                        <a:pt x="107635" y="0"/>
+                      </a:lnTo>
+                    </a:path>
+                  </a:pathLst>
+                </a:custGeom>
+                <a:solidFill>
+                  <a:schemeClr val="lt1"/>
+                </a:solidFill>
+                <a:ln w="9525" cap="flat" cmpd="sng">
+                  <a:solidFill>
+                    <a:schemeClr val="dk1"/>
+                  </a:solidFill>
+                  <a:prstDash val="solid"/>
+                  <a:miter lim="8000"/>
+                  <a:headEnd type="none" w="sm" len="sm"/>
+                  <a:tailEnd type="none" w="sm" len="sm"/>
+                </a:ln>
+              </p:spPr>
+              <p:txBody>
+                <a:bodyPr spcFirstLastPara="1" wrap="square" lIns="91425" tIns="45700" rIns="91425" bIns="45700" anchor="ctr" anchorCtr="0">
+                  <a:noAutofit/>
+                </a:bodyPr>
+                <a:lstStyle/>
+                <a:p>
+                  <a:pPr marL="0" marR="0" lvl="0" indent="0" algn="l" rtl="0">
+                    <a:spcBef>
+                      <a:spcPts val="0"/>
+                    </a:spcBef>
+                    <a:spcAft>
+                      <a:spcPts val="0"/>
+                    </a:spcAft>
+                    <a:buNone/>
+                  </a:pPr>
+                  <a:endParaRPr sz="1800">
+                    <a:solidFill>
+                      <a:srgbClr val="000000"/>
+                    </a:solidFill>
+                    <a:latin typeface="Calibri"/>
+                    <a:ea typeface="Calibri"/>
+                    <a:cs typeface="Calibri"/>
+                    <a:sym typeface="Calibri"/>
+                  </a:endParaRPr>
+                </a:p>
+              </p:txBody>
+            </p:sp>
+            <p:sp>
+              <p:nvSpPr>
+                <p:cNvPr id="1776" name="Google Shape;1776;p58"/>
+                <p:cNvSpPr/>
+                <p:nvPr/>
+              </p:nvSpPr>
+              <p:spPr>
+                <a:xfrm>
+                  <a:off x="6946943" y="2209967"/>
+                  <a:ext cx="852416" cy="631107"/>
+                </a:xfrm>
+                <a:custGeom>
+                  <a:avLst/>
+                  <a:gdLst/>
+                  <a:ahLst/>
+                  <a:cxnLst/>
+                  <a:rect l="l" t="t" r="r" b="b"/>
+                  <a:pathLst>
+                    <a:path w="852416" h="631107" extrusionOk="0">
+                      <a:moveTo>
+                        <a:pt x="0" y="631108"/>
+                      </a:moveTo>
+                      <a:lnTo>
+                        <a:pt x="852417" y="0"/>
+                      </a:lnTo>
+                    </a:path>
+                  </a:pathLst>
+                </a:custGeom>
+                <a:solidFill>
+                  <a:schemeClr val="lt1"/>
+                </a:solidFill>
+                <a:ln w="9525" cap="flat" cmpd="sng">
+                  <a:solidFill>
+                    <a:schemeClr val="dk1"/>
+                  </a:solidFill>
+                  <a:prstDash val="solid"/>
+                  <a:miter lim="8000"/>
+                  <a:headEnd type="none" w="sm" len="sm"/>
+                  <a:tailEnd type="none" w="sm" len="sm"/>
+                </a:ln>
+              </p:spPr>
+              <p:txBody>
+                <a:bodyPr spcFirstLastPara="1" wrap="square" lIns="91425" tIns="45700" rIns="91425" bIns="45700" anchor="ctr" anchorCtr="0">
+                  <a:noAutofit/>
+                </a:bodyPr>
+                <a:lstStyle/>
+                <a:p>
+                  <a:pPr marL="0" marR="0" lvl="0" indent="0" algn="l" rtl="0">
+                    <a:spcBef>
+                      <a:spcPts val="0"/>
+                    </a:spcBef>
+                    <a:spcAft>
+                      <a:spcPts val="0"/>
+                    </a:spcAft>
+                    <a:buNone/>
+                  </a:pPr>
+                  <a:endParaRPr sz="1800">
+                    <a:solidFill>
+                      <a:srgbClr val="000000"/>
+                    </a:solidFill>
+                    <a:latin typeface="Calibri"/>
+                    <a:ea typeface="Calibri"/>
+                    <a:cs typeface="Calibri"/>
+                    <a:sym typeface="Calibri"/>
+                  </a:endParaRPr>
+                </a:p>
+              </p:txBody>
+            </p:sp>
+            <p:sp>
+              <p:nvSpPr>
+                <p:cNvPr id="1777" name="Google Shape;1777;p58"/>
+                <p:cNvSpPr/>
+                <p:nvPr/>
+              </p:nvSpPr>
+              <p:spPr>
+                <a:xfrm>
+                  <a:off x="6932242" y="2465987"/>
+                  <a:ext cx="890478" cy="622893"/>
+                </a:xfrm>
+                <a:custGeom>
+                  <a:avLst/>
+                  <a:gdLst/>
+                  <a:ahLst/>
+                  <a:cxnLst/>
+                  <a:rect l="l" t="t" r="r" b="b"/>
+                  <a:pathLst>
+                    <a:path w="890478" h="622893" extrusionOk="0">
+                      <a:moveTo>
+                        <a:pt x="0" y="622894"/>
+                      </a:moveTo>
+                      <a:lnTo>
+                        <a:pt x="890478" y="0"/>
+                      </a:lnTo>
+                    </a:path>
+                  </a:pathLst>
+                </a:custGeom>
+                <a:solidFill>
+                  <a:schemeClr val="lt1"/>
+                </a:solidFill>
+                <a:ln w="9525" cap="flat" cmpd="sng">
+                  <a:solidFill>
+                    <a:schemeClr val="dk1"/>
+                  </a:solidFill>
+                  <a:prstDash val="solid"/>
+                  <a:miter lim="8000"/>
+                  <a:headEnd type="none" w="sm" len="sm"/>
+                  <a:tailEnd type="none" w="sm" len="sm"/>
+                </a:ln>
+              </p:spPr>
+              <p:txBody>
+                <a:bodyPr spcFirstLastPara="1" wrap="square" lIns="91425" tIns="45700" rIns="91425" bIns="45700" anchor="ctr" anchorCtr="0">
+                  <a:noAutofit/>
+                </a:bodyPr>
+                <a:lstStyle/>
+                <a:p>
+                  <a:pPr marL="0" marR="0" lvl="0" indent="0" algn="l" rtl="0">
+                    <a:spcBef>
+                      <a:spcPts val="0"/>
+                    </a:spcBef>
+                    <a:spcAft>
+                      <a:spcPts val="0"/>
+                    </a:spcAft>
+                    <a:buNone/>
+                  </a:pPr>
+                  <a:endParaRPr sz="1800">
+                    <a:solidFill>
+                      <a:srgbClr val="000000"/>
+                    </a:solidFill>
+                    <a:latin typeface="Calibri"/>
+                    <a:ea typeface="Calibri"/>
+                    <a:cs typeface="Calibri"/>
+                    <a:sym typeface="Calibri"/>
+                  </a:endParaRPr>
+                </a:p>
+              </p:txBody>
+            </p:sp>
+            <p:sp>
+              <p:nvSpPr>
+                <p:cNvPr id="1778" name="Google Shape;1778;p58"/>
+                <p:cNvSpPr/>
+                <p:nvPr/>
+              </p:nvSpPr>
+              <p:spPr>
+                <a:xfrm>
+                  <a:off x="6917978" y="2720771"/>
+                  <a:ext cx="923299" cy="610100"/>
+                </a:xfrm>
+                <a:custGeom>
+                  <a:avLst/>
+                  <a:gdLst/>
+                  <a:ahLst/>
+                  <a:cxnLst/>
+                  <a:rect l="l" t="t" r="r" b="b"/>
+                  <a:pathLst>
+                    <a:path w="923299" h="610100" extrusionOk="0">
+                      <a:moveTo>
+                        <a:pt x="0" y="610100"/>
+                      </a:moveTo>
+                      <a:lnTo>
+                        <a:pt x="923300" y="0"/>
+                      </a:lnTo>
+                    </a:path>
+                  </a:pathLst>
+                </a:custGeom>
+                <a:solidFill>
+                  <a:schemeClr val="lt1"/>
+                </a:solidFill>
+                <a:ln w="9525" cap="flat" cmpd="sng">
+                  <a:solidFill>
+                    <a:schemeClr val="dk1"/>
+                  </a:solidFill>
+                  <a:prstDash val="solid"/>
+                  <a:miter lim="8000"/>
+                  <a:headEnd type="none" w="sm" len="sm"/>
+                  <a:tailEnd type="none" w="sm" len="sm"/>
+                </a:ln>
+              </p:spPr>
+              <p:txBody>
+                <a:bodyPr spcFirstLastPara="1" wrap="square" lIns="91425" tIns="45700" rIns="91425" bIns="45700" anchor="ctr" anchorCtr="0">
+                  <a:noAutofit/>
+                </a:bodyPr>
+                <a:lstStyle/>
+                <a:p>
+                  <a:pPr marL="0" marR="0" lvl="0" indent="0" algn="l" rtl="0">
+                    <a:spcBef>
+                      <a:spcPts val="0"/>
+                    </a:spcBef>
+                    <a:spcAft>
+                      <a:spcPts val="0"/>
+                    </a:spcAft>
+                    <a:buNone/>
+                  </a:pPr>
+                  <a:endParaRPr sz="1800">
+                    <a:solidFill>
+                      <a:srgbClr val="000000"/>
+                    </a:solidFill>
+                    <a:latin typeface="Calibri"/>
+                    <a:ea typeface="Calibri"/>
+                    <a:cs typeface="Calibri"/>
+                    <a:sym typeface="Calibri"/>
+                  </a:endParaRPr>
+                </a:p>
+              </p:txBody>
+            </p:sp>
+            <p:sp>
+              <p:nvSpPr>
+                <p:cNvPr id="1779" name="Google Shape;1779;p58"/>
+                <p:cNvSpPr/>
+                <p:nvPr/>
+              </p:nvSpPr>
+              <p:spPr>
+                <a:xfrm>
+                  <a:off x="7617494" y="2979262"/>
+                  <a:ext cx="242705" cy="164937"/>
+                </a:xfrm>
+                <a:custGeom>
+                  <a:avLst/>
+                  <a:gdLst/>
+                  <a:ahLst/>
+                  <a:cxnLst/>
+                  <a:rect l="l" t="t" r="r" b="b"/>
+                  <a:pathLst>
+                    <a:path w="242705" h="164937" extrusionOk="0">
+                      <a:moveTo>
+                        <a:pt x="0" y="164937"/>
+                      </a:moveTo>
+                      <a:lnTo>
+                        <a:pt x="242705" y="0"/>
+                      </a:lnTo>
+                    </a:path>
+                  </a:pathLst>
+                </a:custGeom>
+                <a:solidFill>
+                  <a:schemeClr val="lt1"/>
+                </a:solidFill>
+                <a:ln w="9525" cap="flat" cmpd="sng">
+                  <a:solidFill>
+                    <a:schemeClr val="dk1"/>
+                  </a:solidFill>
+                  <a:prstDash val="solid"/>
+                  <a:miter lim="8000"/>
+                  <a:headEnd type="none" w="sm" len="sm"/>
+                  <a:tailEnd type="none" w="sm" len="sm"/>
+                </a:ln>
+              </p:spPr>
+              <p:txBody>
+                <a:bodyPr spcFirstLastPara="1" wrap="square" lIns="91425" tIns="45700" rIns="91425" bIns="45700" anchor="ctr" anchorCtr="0">
+                  <a:noAutofit/>
+                </a:bodyPr>
+                <a:lstStyle/>
+                <a:p>
+                  <a:pPr marL="0" marR="0" lvl="0" indent="0" algn="l" rtl="0">
+                    <a:spcBef>
+                      <a:spcPts val="0"/>
+                    </a:spcBef>
+                    <a:spcAft>
+                      <a:spcPts val="0"/>
+                    </a:spcAft>
+                    <a:buNone/>
+                  </a:pPr>
+                  <a:endParaRPr sz="1800">
+                    <a:solidFill>
+                      <a:srgbClr val="000000"/>
+                    </a:solidFill>
+                    <a:latin typeface="Calibri"/>
+                    <a:ea typeface="Calibri"/>
+                    <a:cs typeface="Calibri"/>
+                    <a:sym typeface="Calibri"/>
+                  </a:endParaRPr>
+                </a:p>
+              </p:txBody>
+            </p:sp>
+            <p:sp>
+              <p:nvSpPr>
+                <p:cNvPr id="1780" name="Google Shape;1780;p58"/>
+                <p:cNvSpPr/>
+                <p:nvPr/>
+              </p:nvSpPr>
+              <p:spPr>
+                <a:xfrm>
+                  <a:off x="7342768" y="3203006"/>
+                  <a:ext cx="188196" cy="127864"/>
+                </a:xfrm>
+                <a:custGeom>
+                  <a:avLst/>
+                  <a:gdLst/>
+                  <a:ahLst/>
+                  <a:cxnLst/>
+                  <a:rect l="l" t="t" r="r" b="b"/>
+                  <a:pathLst>
+                    <a:path w="188196" h="127864" extrusionOk="0">
+                      <a:moveTo>
+                        <a:pt x="0" y="127864"/>
+                      </a:moveTo>
+                      <a:lnTo>
+                        <a:pt x="188197" y="0"/>
+                      </a:lnTo>
+                    </a:path>
+                  </a:pathLst>
+                </a:custGeom>
+                <a:solidFill>
+                  <a:schemeClr val="lt1"/>
+                </a:solidFill>
+                <a:ln w="9525" cap="flat" cmpd="sng">
+                  <a:solidFill>
+                    <a:schemeClr val="dk1"/>
+                  </a:solidFill>
+                  <a:prstDash val="solid"/>
+                  <a:miter lim="8000"/>
+                  <a:headEnd type="none" w="sm" len="sm"/>
+                  <a:tailEnd type="none" w="sm" len="sm"/>
+                </a:ln>
+              </p:spPr>
+              <p:txBody>
+                <a:bodyPr spcFirstLastPara="1" wrap="square" lIns="91425" tIns="45700" rIns="91425" bIns="45700" anchor="ctr" anchorCtr="0">
+                  <a:noAutofit/>
+                </a:bodyPr>
+                <a:lstStyle/>
+                <a:p>
+                  <a:pPr marL="0" marR="0" lvl="0" indent="0" algn="l" rtl="0">
+                    <a:spcBef>
+                      <a:spcPts val="0"/>
+                    </a:spcBef>
+                    <a:spcAft>
+                      <a:spcPts val="0"/>
+                    </a:spcAft>
+                    <a:buNone/>
+                  </a:pPr>
+                  <a:endParaRPr sz="1800">
+                    <a:solidFill>
+                      <a:srgbClr val="000000"/>
+                    </a:solidFill>
+                    <a:latin typeface="Calibri"/>
+                    <a:ea typeface="Calibri"/>
+                    <a:cs typeface="Calibri"/>
+                    <a:sym typeface="Calibri"/>
+                  </a:endParaRPr>
+                </a:p>
+              </p:txBody>
+            </p:sp>
+            <p:sp>
+              <p:nvSpPr>
+                <p:cNvPr id="1781" name="Google Shape;1781;p58"/>
+                <p:cNvSpPr/>
+                <p:nvPr/>
+              </p:nvSpPr>
+              <p:spPr>
+                <a:xfrm>
+                  <a:off x="7754385" y="3243350"/>
+                  <a:ext cx="125100" cy="87520"/>
+                </a:xfrm>
+                <a:custGeom>
+                  <a:avLst/>
+                  <a:gdLst/>
+                  <a:ahLst/>
+                  <a:cxnLst/>
+                  <a:rect l="l" t="t" r="r" b="b"/>
+                  <a:pathLst>
+                    <a:path w="125100" h="87520" extrusionOk="0">
+                      <a:moveTo>
+                        <a:pt x="0" y="87521"/>
+                      </a:moveTo>
+                      <a:lnTo>
+                        <a:pt x="125101" y="0"/>
+                      </a:lnTo>
+                    </a:path>
+                  </a:pathLst>
+                </a:custGeom>
+                <a:solidFill>
+                  <a:schemeClr val="lt1"/>
+                </a:solidFill>
+                <a:ln w="9525" cap="flat" cmpd="sng">
+                  <a:solidFill>
+                    <a:schemeClr val="dk1"/>
+                  </a:solidFill>
+                  <a:prstDash val="solid"/>
+                  <a:miter lim="8000"/>
+                  <a:headEnd type="none" w="sm" len="sm"/>
+                  <a:tailEnd type="none" w="sm" len="sm"/>
+                </a:ln>
+              </p:spPr>
+              <p:txBody>
+                <a:bodyPr spcFirstLastPara="1" wrap="square" lIns="91425" tIns="45700" rIns="91425" bIns="45700" anchor="ctr" anchorCtr="0">
+                  <a:noAutofit/>
+                </a:bodyPr>
+                <a:lstStyle/>
+                <a:p>
+                  <a:pPr marL="0" marR="0" lvl="0" indent="0" algn="l" rtl="0">
+                    <a:spcBef>
+                      <a:spcPts val="0"/>
+                    </a:spcBef>
+                    <a:spcAft>
+                      <a:spcPts val="0"/>
+                    </a:spcAft>
+                    <a:buNone/>
+                  </a:pPr>
+                  <a:endParaRPr sz="1800">
+                    <a:solidFill>
+                      <a:srgbClr val="000000"/>
+                    </a:solidFill>
+                    <a:latin typeface="Calibri"/>
+                    <a:ea typeface="Calibri"/>
+                    <a:cs typeface="Calibri"/>
+                    <a:sym typeface="Calibri"/>
+                  </a:endParaRPr>
+                </a:p>
+              </p:txBody>
+            </p:sp>
+            <p:sp>
+              <p:nvSpPr>
+                <p:cNvPr id="1782" name="Google Shape;1782;p58"/>
+                <p:cNvSpPr/>
+                <p:nvPr/>
+              </p:nvSpPr>
+              <p:spPr>
+                <a:xfrm>
+                  <a:off x="6977145" y="2157193"/>
+                  <a:ext cx="125100" cy="87520"/>
+                </a:xfrm>
+                <a:custGeom>
+                  <a:avLst/>
+                  <a:gdLst/>
+                  <a:ahLst/>
+                  <a:cxnLst/>
+                  <a:rect l="l" t="t" r="r" b="b"/>
+                  <a:pathLst>
+                    <a:path w="125100" h="87520" extrusionOk="0">
+                      <a:moveTo>
+                        <a:pt x="0" y="87521"/>
+                      </a:moveTo>
+                      <a:lnTo>
+                        <a:pt x="125101" y="0"/>
+                      </a:lnTo>
+                    </a:path>
+                  </a:pathLst>
+                </a:custGeom>
+                <a:solidFill>
+                  <a:schemeClr val="lt1"/>
+                </a:solidFill>
+                <a:ln w="9525" cap="flat" cmpd="sng">
+                  <a:solidFill>
+                    <a:schemeClr val="dk1"/>
+                  </a:solidFill>
+                  <a:prstDash val="solid"/>
+                  <a:miter lim="8000"/>
+                  <a:headEnd type="none" w="sm" len="sm"/>
+                  <a:tailEnd type="none" w="sm" len="sm"/>
+                </a:ln>
+              </p:spPr>
+              <p:txBody>
+                <a:bodyPr spcFirstLastPara="1" wrap="square" lIns="91425" tIns="45700" rIns="91425" bIns="45700" anchor="ctr" anchorCtr="0">
+                  <a:noAutofit/>
+                </a:bodyPr>
+                <a:lstStyle/>
+                <a:p>
+                  <a:pPr marL="0" marR="0" lvl="0" indent="0" algn="l" rtl="0">
+                    <a:spcBef>
+                      <a:spcPts val="0"/>
+                    </a:spcBef>
+                    <a:spcAft>
+                      <a:spcPts val="0"/>
+                    </a:spcAft>
+                    <a:buNone/>
+                  </a:pPr>
+                  <a:endParaRPr sz="1800">
+                    <a:solidFill>
+                      <a:srgbClr val="000000"/>
+                    </a:solidFill>
+                    <a:latin typeface="Calibri"/>
+                    <a:ea typeface="Calibri"/>
+                    <a:cs typeface="Calibri"/>
+                    <a:sym typeface="Calibri"/>
+                  </a:endParaRPr>
+                </a:p>
+              </p:txBody>
+            </p:sp>
+          </p:grpSp>
+          <p:sp>
+            <p:nvSpPr>
+              <p:cNvPr id="1783" name="Google Shape;1783;p58"/>
+              <p:cNvSpPr/>
+              <p:nvPr/>
+            </p:nvSpPr>
+            <p:spPr>
+              <a:xfrm>
+                <a:off x="7178951" y="2498044"/>
+                <a:ext cx="445894" cy="445381"/>
+              </a:xfrm>
+              <a:custGeom>
+                <a:avLst/>
+                <a:gdLst/>
+                <a:ahLst/>
+                <a:cxnLst/>
+                <a:rect l="l" t="t" r="r" b="b"/>
+                <a:pathLst>
+                  <a:path w="445894" h="445381" extrusionOk="0">
+                    <a:moveTo>
+                      <a:pt x="0" y="0"/>
+                    </a:moveTo>
+                    <a:lnTo>
+                      <a:pt x="445894" y="0"/>
+                    </a:lnTo>
+                    <a:lnTo>
+                      <a:pt x="445894" y="445381"/>
+                    </a:lnTo>
+                    <a:lnTo>
+                      <a:pt x="0" y="445381"/>
+                    </a:lnTo>
+                    <a:close/>
+                  </a:path>
+                </a:pathLst>
+              </a:custGeom>
+              <a:solidFill>
+                <a:schemeClr val="lt1"/>
+              </a:solidFill>
+              <a:ln w="9525" cap="flat" cmpd="sng">
+                <a:solidFill>
+                  <a:schemeClr val="dk1"/>
+                </a:solidFill>
+                <a:prstDash val="solid"/>
+                <a:round/>
+                <a:headEnd type="none" w="sm" len="sm"/>
+                <a:tailEnd type="none" w="sm" len="sm"/>
+              </a:ln>
+            </p:spPr>
+            <p:txBody>
+              <a:bodyPr spcFirstLastPara="1" wrap="square" lIns="91425" tIns="45700" rIns="91425" bIns="45700" anchor="ctr" anchorCtr="0">
+                <a:noAutofit/>
+              </a:bodyPr>
+              <a:lstStyle/>
+              <a:p>
+                <a:pPr marL="0" marR="0" lvl="0" indent="0" algn="l" rtl="0">
+                  <a:spcBef>
+                    <a:spcPts val="0"/>
+                  </a:spcBef>
+                  <a:spcAft>
+                    <a:spcPts val="0"/>
+                  </a:spcAft>
+                  <a:buNone/>
+                </a:pPr>
+                <a:endParaRPr sz="1800">
+                  <a:solidFill>
+                    <a:srgbClr val="000000"/>
+                  </a:solidFill>
+                  <a:latin typeface="Calibri"/>
+                  <a:ea typeface="Calibri"/>
+                  <a:cs typeface="Calibri"/>
+                  <a:sym typeface="Calibri"/>
+                </a:endParaRPr>
+              </a:p>
+            </p:txBody>
+          </p:sp>
+        </p:grpSp>
+        <p:grpSp>
+          <p:nvGrpSpPr>
+            <p:cNvPr id="1784" name="Google Shape;1784;p58"/>
+            <p:cNvGrpSpPr/>
+            <p:nvPr/>
+          </p:nvGrpSpPr>
+          <p:grpSpPr>
+            <a:xfrm rot="-1414743">
+              <a:off x="7962395" y="3947718"/>
+              <a:ext cx="438225" cy="566921"/>
+              <a:chOff x="883275" y="3327479"/>
+              <a:chExt cx="569698" cy="737055"/>
+            </a:xfrm>
+          </p:grpSpPr>
+          <p:grpSp>
+            <p:nvGrpSpPr>
+              <p:cNvPr id="1785" name="Google Shape;1785;p58"/>
+              <p:cNvGrpSpPr/>
+              <p:nvPr/>
+            </p:nvGrpSpPr>
+            <p:grpSpPr>
+              <a:xfrm>
+                <a:off x="938325" y="3437254"/>
+                <a:ext cx="93204" cy="133331"/>
+                <a:chOff x="4306871" y="1436218"/>
+                <a:chExt cx="138655" cy="198350"/>
+              </a:xfrm>
+            </p:grpSpPr>
+            <p:sp>
+              <p:nvSpPr>
+                <p:cNvPr id="1786" name="Google Shape;1786;p58"/>
+                <p:cNvSpPr/>
+                <p:nvPr/>
+              </p:nvSpPr>
+              <p:spPr>
+                <a:xfrm>
+                  <a:off x="4306871" y="1436218"/>
+                  <a:ext cx="138655" cy="198350"/>
+                </a:xfrm>
+                <a:custGeom>
+                  <a:avLst/>
+                  <a:gdLst/>
+                  <a:ahLst/>
+                  <a:cxnLst/>
+                  <a:rect l="l" t="t" r="r" b="b"/>
+                  <a:pathLst>
+                    <a:path w="138655" h="198350" extrusionOk="0">
+                      <a:moveTo>
+                        <a:pt x="138655" y="143517"/>
+                      </a:moveTo>
+                      <a:lnTo>
+                        <a:pt x="18799" y="198351"/>
+                      </a:lnTo>
+                      <a:lnTo>
+                        <a:pt x="743" y="77114"/>
+                      </a:lnTo>
+                      <a:cubicBezTo>
+                        <a:pt x="-4813" y="39806"/>
+                        <a:pt x="21404" y="5217"/>
+                        <a:pt x="58848" y="532"/>
+                      </a:cubicBezTo>
+                      <a:lnTo>
+                        <a:pt x="58848" y="532"/>
+                      </a:lnTo>
+                      <a:cubicBezTo>
+                        <a:pt x="97623" y="-4327"/>
+                        <a:pt x="132405" y="24709"/>
+                        <a:pt x="134430" y="63695"/>
+                      </a:cubicBezTo>
+                      <a:lnTo>
+                        <a:pt x="138655" y="143517"/>
+                      </a:lnTo>
+                      <a:close/>
+                    </a:path>
+                  </a:pathLst>
+                </a:custGeom>
+                <a:solidFill>
+                  <a:schemeClr val="lt2"/>
+                </a:solidFill>
+                <a:ln w="9525" cap="flat" cmpd="sng">
+                  <a:solidFill>
+                    <a:schemeClr val="dk1"/>
+                  </a:solidFill>
+                  <a:prstDash val="solid"/>
+                  <a:round/>
+                  <a:headEnd type="none" w="sm" len="sm"/>
+                  <a:tailEnd type="none" w="sm" len="sm"/>
+                </a:ln>
+              </p:spPr>
+              <p:txBody>
+                <a:bodyPr spcFirstLastPara="1" wrap="square" lIns="91425" tIns="45700" rIns="91425" bIns="45700" anchor="ctr" anchorCtr="0">
+                  <a:noAutofit/>
+                </a:bodyPr>
+                <a:lstStyle/>
+                <a:p>
+                  <a:pPr marL="0" marR="0" lvl="0" indent="0" algn="l" rtl="0">
+                    <a:spcBef>
+                      <a:spcPts val="0"/>
+                    </a:spcBef>
+                    <a:spcAft>
+                      <a:spcPts val="0"/>
+                    </a:spcAft>
+                    <a:buNone/>
+                  </a:pPr>
+                  <a:endParaRPr sz="1800">
+                    <a:solidFill>
+                      <a:srgbClr val="000000"/>
+                    </a:solidFill>
+                    <a:latin typeface="Calibri"/>
+                    <a:ea typeface="Calibri"/>
+                    <a:cs typeface="Calibri"/>
+                    <a:sym typeface="Calibri"/>
+                  </a:endParaRPr>
+                </a:p>
+              </p:txBody>
+            </p:sp>
+            <p:sp>
+              <p:nvSpPr>
+                <p:cNvPr id="1787" name="Google Shape;1787;p58"/>
+                <p:cNvSpPr/>
+                <p:nvPr/>
+              </p:nvSpPr>
+              <p:spPr>
+                <a:xfrm>
+                  <a:off x="4306871" y="1436218"/>
+                  <a:ext cx="138655" cy="198350"/>
+                </a:xfrm>
+                <a:custGeom>
+                  <a:avLst/>
+                  <a:gdLst/>
+                  <a:ahLst/>
+                  <a:cxnLst/>
+                  <a:rect l="l" t="t" r="r" b="b"/>
+                  <a:pathLst>
+                    <a:path w="138655" h="198350" extrusionOk="0">
+                      <a:moveTo>
+                        <a:pt x="138655" y="143517"/>
+                      </a:moveTo>
+                      <a:lnTo>
+                        <a:pt x="18799" y="198351"/>
+                      </a:lnTo>
+                      <a:lnTo>
+                        <a:pt x="743" y="77114"/>
+                      </a:lnTo>
+                      <a:cubicBezTo>
+                        <a:pt x="-4813" y="39806"/>
+                        <a:pt x="21404" y="5217"/>
+                        <a:pt x="58848" y="532"/>
+                      </a:cubicBezTo>
+                      <a:lnTo>
+                        <a:pt x="58848" y="532"/>
+                      </a:lnTo>
+                      <a:cubicBezTo>
+                        <a:pt x="97623" y="-4327"/>
+                        <a:pt x="132405" y="24709"/>
+                        <a:pt x="134430" y="63695"/>
+                      </a:cubicBezTo>
+                      <a:lnTo>
+                        <a:pt x="138655" y="143517"/>
+                      </a:lnTo>
+                      <a:close/>
+                    </a:path>
+                  </a:pathLst>
+                </a:custGeom>
+                <a:solidFill>
+                  <a:schemeClr val="lt2"/>
+                </a:solidFill>
+                <a:ln w="9525" cap="flat" cmpd="sng">
+                  <a:solidFill>
+                    <a:schemeClr val="dk1"/>
+                  </a:solidFill>
+                  <a:prstDash val="solid"/>
+                  <a:miter lim="8000"/>
+                  <a:headEnd type="none" w="sm" len="sm"/>
+                  <a:tailEnd type="none" w="sm" len="sm"/>
+                </a:ln>
+              </p:spPr>
+              <p:txBody>
+                <a:bodyPr spcFirstLastPara="1" wrap="square" lIns="91425" tIns="45700" rIns="91425" bIns="45700" anchor="ctr" anchorCtr="0">
+                  <a:noAutofit/>
+                </a:bodyPr>
+                <a:lstStyle/>
+                <a:p>
+                  <a:pPr marL="0" marR="0" lvl="0" indent="0" algn="l" rtl="0">
+                    <a:spcBef>
+                      <a:spcPts val="0"/>
+                    </a:spcBef>
+                    <a:spcAft>
+                      <a:spcPts val="0"/>
+                    </a:spcAft>
+                    <a:buNone/>
+                  </a:pPr>
+                  <a:endParaRPr sz="1800">
+                    <a:solidFill>
+                      <a:srgbClr val="000000"/>
+                    </a:solidFill>
+                    <a:latin typeface="Calibri"/>
+                    <a:ea typeface="Calibri"/>
+                    <a:cs typeface="Calibri"/>
+                    <a:sym typeface="Calibri"/>
+                  </a:endParaRPr>
+                </a:p>
+              </p:txBody>
+            </p:sp>
+          </p:grpSp>
+          <p:grpSp>
+            <p:nvGrpSpPr>
+              <p:cNvPr id="1788" name="Google Shape;1788;p58"/>
+              <p:cNvGrpSpPr/>
+              <p:nvPr/>
+            </p:nvGrpSpPr>
+            <p:grpSpPr>
+              <a:xfrm>
+                <a:off x="955747" y="3694111"/>
+                <a:ext cx="139621" cy="370423"/>
+                <a:chOff x="4332789" y="1818333"/>
+                <a:chExt cx="207707" cy="551060"/>
+              </a:xfrm>
+            </p:grpSpPr>
+            <p:sp>
+              <p:nvSpPr>
+                <p:cNvPr id="1789" name="Google Shape;1789;p58"/>
+                <p:cNvSpPr/>
+                <p:nvPr/>
+              </p:nvSpPr>
+              <p:spPr>
+                <a:xfrm>
+                  <a:off x="4332789" y="1818333"/>
+                  <a:ext cx="207707" cy="551060"/>
+                </a:xfrm>
+                <a:custGeom>
+                  <a:avLst/>
+                  <a:gdLst/>
+                  <a:ahLst/>
+                  <a:cxnLst/>
+                  <a:rect l="l" t="t" r="r" b="b"/>
+                  <a:pathLst>
+                    <a:path w="207707" h="551060" extrusionOk="0">
+                      <a:moveTo>
+                        <a:pt x="207708" y="535096"/>
+                      </a:moveTo>
+                      <a:lnTo>
+                        <a:pt x="59263" y="551060"/>
+                      </a:lnTo>
+                      <a:lnTo>
+                        <a:pt x="0" y="0"/>
+                      </a:lnTo>
+                      <a:lnTo>
+                        <a:pt x="164766" y="135755"/>
+                      </a:lnTo>
+                      <a:close/>
+                    </a:path>
+                  </a:pathLst>
+                </a:custGeom>
+                <a:solidFill>
+                  <a:schemeClr val="lt2"/>
+                </a:solidFill>
+                <a:ln w="9525" cap="flat" cmpd="sng">
+                  <a:solidFill>
+                    <a:schemeClr val="dk1"/>
+                  </a:solidFill>
+                  <a:prstDash val="solid"/>
+                  <a:round/>
+                  <a:headEnd type="none" w="sm" len="sm"/>
+                  <a:tailEnd type="none" w="sm" len="sm"/>
+                </a:ln>
+              </p:spPr>
+              <p:txBody>
+                <a:bodyPr spcFirstLastPara="1" wrap="square" lIns="91425" tIns="45700" rIns="91425" bIns="45700" anchor="ctr" anchorCtr="0">
+                  <a:noAutofit/>
+                </a:bodyPr>
+                <a:lstStyle/>
+                <a:p>
+                  <a:pPr marL="0" marR="0" lvl="0" indent="0" algn="l" rtl="0">
+                    <a:spcBef>
+                      <a:spcPts val="0"/>
+                    </a:spcBef>
+                    <a:spcAft>
+                      <a:spcPts val="0"/>
+                    </a:spcAft>
+                    <a:buNone/>
+                  </a:pPr>
+                  <a:endParaRPr sz="1800">
+                    <a:solidFill>
+                      <a:srgbClr val="000000"/>
+                    </a:solidFill>
+                    <a:latin typeface="Calibri"/>
+                    <a:ea typeface="Calibri"/>
+                    <a:cs typeface="Calibri"/>
+                    <a:sym typeface="Calibri"/>
+                  </a:endParaRPr>
+                </a:p>
+              </p:txBody>
+            </p:sp>
+            <p:sp>
+              <p:nvSpPr>
+                <p:cNvPr id="1790" name="Google Shape;1790;p58"/>
+                <p:cNvSpPr/>
+                <p:nvPr/>
+              </p:nvSpPr>
+              <p:spPr>
+                <a:xfrm>
+                  <a:off x="4332789" y="1818333"/>
+                  <a:ext cx="207707" cy="551060"/>
+                </a:xfrm>
+                <a:custGeom>
+                  <a:avLst/>
+                  <a:gdLst/>
+                  <a:ahLst/>
+                  <a:cxnLst/>
+                  <a:rect l="l" t="t" r="r" b="b"/>
+                  <a:pathLst>
+                    <a:path w="207707" h="551060" extrusionOk="0">
+                      <a:moveTo>
+                        <a:pt x="207708" y="535096"/>
+                      </a:moveTo>
+                      <a:lnTo>
+                        <a:pt x="59263" y="551060"/>
+                      </a:lnTo>
+                      <a:lnTo>
+                        <a:pt x="0" y="0"/>
+                      </a:lnTo>
+                      <a:lnTo>
+                        <a:pt x="164766" y="135755"/>
+                      </a:lnTo>
+                      <a:close/>
+                    </a:path>
+                  </a:pathLst>
+                </a:custGeom>
+                <a:solidFill>
+                  <a:schemeClr val="lt2"/>
+                </a:solidFill>
+                <a:ln w="9525" cap="flat" cmpd="sng">
+                  <a:solidFill>
+                    <a:schemeClr val="dk1"/>
+                  </a:solidFill>
+                  <a:prstDash val="solid"/>
+                  <a:miter lim="8000"/>
+                  <a:headEnd type="none" w="sm" len="sm"/>
+                  <a:tailEnd type="none" w="sm" len="sm"/>
+                </a:ln>
+              </p:spPr>
+              <p:txBody>
+                <a:bodyPr spcFirstLastPara="1" wrap="square" lIns="91425" tIns="45700" rIns="91425" bIns="45700" anchor="ctr" anchorCtr="0">
+                  <a:noAutofit/>
+                </a:bodyPr>
+                <a:lstStyle/>
+                <a:p>
+                  <a:pPr marL="0" marR="0" lvl="0" indent="0" algn="l" rtl="0">
+                    <a:spcBef>
+                      <a:spcPts val="0"/>
+                    </a:spcBef>
+                    <a:spcAft>
+                      <a:spcPts val="0"/>
+                    </a:spcAft>
+                    <a:buNone/>
+                  </a:pPr>
+                  <a:endParaRPr sz="1800">
+                    <a:solidFill>
+                      <a:srgbClr val="000000"/>
+                    </a:solidFill>
+                    <a:latin typeface="Calibri"/>
+                    <a:ea typeface="Calibri"/>
+                    <a:cs typeface="Calibri"/>
+                    <a:sym typeface="Calibri"/>
+                  </a:endParaRPr>
+                </a:p>
+              </p:txBody>
+            </p:sp>
+          </p:grpSp>
+          <p:grpSp>
+            <p:nvGrpSpPr>
+              <p:cNvPr id="1791" name="Google Shape;1791;p58"/>
+              <p:cNvGrpSpPr/>
+              <p:nvPr/>
+            </p:nvGrpSpPr>
+            <p:grpSpPr>
+              <a:xfrm>
+                <a:off x="1080779" y="3327479"/>
+                <a:ext cx="372194" cy="533019"/>
+                <a:chOff x="4518794" y="1272912"/>
+                <a:chExt cx="553695" cy="792947"/>
+              </a:xfrm>
+            </p:grpSpPr>
+            <p:sp>
+              <p:nvSpPr>
+                <p:cNvPr id="1792" name="Google Shape;1792;p58"/>
+                <p:cNvSpPr/>
+                <p:nvPr/>
+              </p:nvSpPr>
+              <p:spPr>
+                <a:xfrm>
+                  <a:off x="4518794" y="1272912"/>
+                  <a:ext cx="553695" cy="792947"/>
+                </a:xfrm>
+                <a:custGeom>
+                  <a:avLst/>
+                  <a:gdLst/>
+                  <a:ahLst/>
+                  <a:cxnLst/>
+                  <a:rect l="l" t="t" r="r" b="b"/>
+                  <a:pathLst>
+                    <a:path w="553695" h="792947" extrusionOk="0">
+                      <a:moveTo>
+                        <a:pt x="505698" y="351188"/>
+                      </a:moveTo>
+                      <a:cubicBezTo>
+                        <a:pt x="491345" y="223878"/>
+                        <a:pt x="467096" y="6508"/>
+                        <a:pt x="468485" y="261"/>
+                      </a:cubicBezTo>
+                      <a:cubicBezTo>
+                        <a:pt x="470453" y="-8531"/>
+                        <a:pt x="0" y="208029"/>
+                        <a:pt x="0" y="208029"/>
+                      </a:cubicBezTo>
+                      <a:lnTo>
+                        <a:pt x="51739" y="689043"/>
+                      </a:lnTo>
+                      <a:cubicBezTo>
+                        <a:pt x="51739" y="689043"/>
+                        <a:pt x="557437" y="800678"/>
+                        <a:pt x="553675" y="792522"/>
+                      </a:cubicBezTo>
+                      <a:cubicBezTo>
+                        <a:pt x="551013" y="786738"/>
+                        <a:pt x="528442" y="569194"/>
+                        <a:pt x="515421" y="441710"/>
+                      </a:cubicBezTo>
+                      <a:lnTo>
+                        <a:pt x="515941" y="441653"/>
+                      </a:lnTo>
+                      <a:cubicBezTo>
+                        <a:pt x="515941" y="441653"/>
+                        <a:pt x="513974" y="424242"/>
+                        <a:pt x="510791" y="396420"/>
+                      </a:cubicBezTo>
+                      <a:cubicBezTo>
+                        <a:pt x="507955" y="368540"/>
+                        <a:pt x="506219" y="351130"/>
+                        <a:pt x="506219" y="351130"/>
+                      </a:cubicBezTo>
+                      <a:lnTo>
+                        <a:pt x="505698" y="351188"/>
+                      </a:lnTo>
+                      <a:close/>
+                    </a:path>
+                  </a:pathLst>
+                </a:custGeom>
+                <a:solidFill>
+                  <a:schemeClr val="lt2"/>
+                </a:solidFill>
+                <a:ln w="9525" cap="flat" cmpd="sng">
+                  <a:solidFill>
+                    <a:schemeClr val="dk1"/>
+                  </a:solidFill>
+                  <a:prstDash val="solid"/>
+                  <a:round/>
+                  <a:headEnd type="none" w="sm" len="sm"/>
+                  <a:tailEnd type="none" w="sm" len="sm"/>
+                </a:ln>
+              </p:spPr>
+              <p:txBody>
+                <a:bodyPr spcFirstLastPara="1" wrap="square" lIns="91425" tIns="45700" rIns="91425" bIns="45700" anchor="ctr" anchorCtr="0">
+                  <a:noAutofit/>
+                </a:bodyPr>
+                <a:lstStyle/>
+                <a:p>
+                  <a:pPr marL="0" marR="0" lvl="0" indent="0" algn="l" rtl="0">
+                    <a:spcBef>
+                      <a:spcPts val="0"/>
+                    </a:spcBef>
+                    <a:spcAft>
+                      <a:spcPts val="0"/>
+                    </a:spcAft>
+                    <a:buNone/>
+                  </a:pPr>
+                  <a:endParaRPr sz="1800">
+                    <a:solidFill>
+                      <a:srgbClr val="000000"/>
+                    </a:solidFill>
+                    <a:latin typeface="Calibri"/>
+                    <a:ea typeface="Calibri"/>
+                    <a:cs typeface="Calibri"/>
+                    <a:sym typeface="Calibri"/>
+                  </a:endParaRPr>
+                </a:p>
+              </p:txBody>
+            </p:sp>
+            <p:sp>
+              <p:nvSpPr>
+                <p:cNvPr id="1793" name="Google Shape;1793;p58"/>
+                <p:cNvSpPr/>
+                <p:nvPr/>
+              </p:nvSpPr>
+              <p:spPr>
+                <a:xfrm>
+                  <a:off x="4518794" y="1272912"/>
+                  <a:ext cx="553695" cy="792947"/>
+                </a:xfrm>
+                <a:custGeom>
+                  <a:avLst/>
+                  <a:gdLst/>
+                  <a:ahLst/>
+                  <a:cxnLst/>
+                  <a:rect l="l" t="t" r="r" b="b"/>
+                  <a:pathLst>
+                    <a:path w="553695" h="792947" extrusionOk="0">
+                      <a:moveTo>
+                        <a:pt x="505698" y="351188"/>
+                      </a:moveTo>
+                      <a:cubicBezTo>
+                        <a:pt x="491345" y="223878"/>
+                        <a:pt x="467096" y="6508"/>
+                        <a:pt x="468485" y="261"/>
+                      </a:cubicBezTo>
+                      <a:cubicBezTo>
+                        <a:pt x="470453" y="-8531"/>
+                        <a:pt x="0" y="208029"/>
+                        <a:pt x="0" y="208029"/>
+                      </a:cubicBezTo>
+                      <a:lnTo>
+                        <a:pt x="51739" y="689043"/>
+                      </a:lnTo>
+                      <a:cubicBezTo>
+                        <a:pt x="51739" y="689043"/>
+                        <a:pt x="557437" y="800678"/>
+                        <a:pt x="553675" y="792522"/>
+                      </a:cubicBezTo>
+                      <a:cubicBezTo>
+                        <a:pt x="551013" y="786738"/>
+                        <a:pt x="528442" y="569194"/>
+                        <a:pt x="515421" y="441710"/>
+                      </a:cubicBezTo>
+                      <a:lnTo>
+                        <a:pt x="515941" y="441653"/>
+                      </a:lnTo>
+                      <a:cubicBezTo>
+                        <a:pt x="515941" y="441653"/>
+                        <a:pt x="513974" y="424242"/>
+                        <a:pt x="510791" y="396420"/>
+                      </a:cubicBezTo>
+                      <a:cubicBezTo>
+                        <a:pt x="507955" y="368540"/>
+                        <a:pt x="506219" y="351130"/>
+                        <a:pt x="506219" y="351130"/>
+                      </a:cubicBezTo>
+                      <a:lnTo>
+                        <a:pt x="505698" y="351188"/>
+                      </a:lnTo>
+                      <a:close/>
+                    </a:path>
+                  </a:pathLst>
+                </a:custGeom>
+                <a:solidFill>
+                  <a:schemeClr val="lt2"/>
+                </a:solidFill>
+                <a:ln w="9525" cap="flat" cmpd="sng">
+                  <a:solidFill>
+                    <a:schemeClr val="dk1"/>
+                  </a:solidFill>
+                  <a:prstDash val="solid"/>
+                  <a:miter lim="8000"/>
+                  <a:headEnd type="none" w="sm" len="sm"/>
+                  <a:tailEnd type="none" w="sm" len="sm"/>
+                </a:ln>
+              </p:spPr>
+              <p:txBody>
+                <a:bodyPr spcFirstLastPara="1" wrap="square" lIns="91425" tIns="45700" rIns="91425" bIns="45700" anchor="ctr" anchorCtr="0">
+                  <a:noAutofit/>
+                </a:bodyPr>
+                <a:lstStyle/>
+                <a:p>
+                  <a:pPr marL="0" marR="0" lvl="0" indent="0" algn="l" rtl="0">
+                    <a:spcBef>
+                      <a:spcPts val="0"/>
+                    </a:spcBef>
+                    <a:spcAft>
+                      <a:spcPts val="0"/>
+                    </a:spcAft>
+                    <a:buNone/>
+                  </a:pPr>
+                  <a:endParaRPr sz="1800">
+                    <a:solidFill>
+                      <a:srgbClr val="000000"/>
+                    </a:solidFill>
+                    <a:latin typeface="Calibri"/>
+                    <a:ea typeface="Calibri"/>
+                    <a:cs typeface="Calibri"/>
+                    <a:sym typeface="Calibri"/>
+                  </a:endParaRPr>
+                </a:p>
+              </p:txBody>
+            </p:sp>
+          </p:grpSp>
+          <p:sp>
+            <p:nvSpPr>
+              <p:cNvPr id="1794" name="Google Shape;1794;p58"/>
+              <p:cNvSpPr/>
+              <p:nvPr/>
+            </p:nvSpPr>
+            <p:spPr>
+              <a:xfrm>
+                <a:off x="883275" y="3468453"/>
+                <a:ext cx="233122" cy="339150"/>
+              </a:xfrm>
+              <a:custGeom>
+                <a:avLst/>
+                <a:gdLst/>
+                <a:ahLst/>
+                <a:cxnLst/>
+                <a:rect l="l" t="t" r="r" b="b"/>
+                <a:pathLst>
+                  <a:path w="346650" h="504312" extrusionOk="0">
+                    <a:moveTo>
+                      <a:pt x="103177" y="503977"/>
+                    </a:moveTo>
+                    <a:lnTo>
+                      <a:pt x="346650" y="477832"/>
+                    </a:lnTo>
+                    <a:lnTo>
+                      <a:pt x="295259" y="0"/>
+                    </a:lnTo>
+                    <a:lnTo>
+                      <a:pt x="51785" y="26145"/>
+                    </a:lnTo>
+                    <a:cubicBezTo>
+                      <a:pt x="19955" y="29557"/>
+                      <a:pt x="-3079" y="58131"/>
+                      <a:pt x="336" y="89944"/>
+                    </a:cubicBezTo>
+                    <a:lnTo>
+                      <a:pt x="39342" y="452498"/>
+                    </a:lnTo>
+                    <a:cubicBezTo>
+                      <a:pt x="42757" y="484368"/>
+                      <a:pt x="71346" y="507390"/>
+                      <a:pt x="103177" y="503977"/>
+                    </a:cubicBezTo>
+                    <a:close/>
+                  </a:path>
+                </a:pathLst>
+              </a:custGeom>
+              <a:solidFill>
+                <a:schemeClr val="lt1"/>
+              </a:solidFill>
+              <a:ln w="9525" cap="flat" cmpd="sng">
+                <a:solidFill>
+                  <a:schemeClr val="dk1"/>
+                </a:solidFill>
+                <a:prstDash val="solid"/>
+                <a:miter lim="8000"/>
+                <a:headEnd type="none" w="sm" len="sm"/>
+                <a:tailEnd type="none" w="sm" len="sm"/>
+              </a:ln>
+            </p:spPr>
+            <p:txBody>
+              <a:bodyPr spcFirstLastPara="1" wrap="square" lIns="91425" tIns="45700" rIns="91425" bIns="45700" anchor="ctr" anchorCtr="0">
+                <a:noAutofit/>
+              </a:bodyPr>
+              <a:lstStyle/>
+              <a:p>
+                <a:pPr marL="0" marR="0" lvl="0" indent="0" algn="l" rtl="0">
+                  <a:spcBef>
+                    <a:spcPts val="0"/>
+                  </a:spcBef>
+                  <a:spcAft>
+                    <a:spcPts val="0"/>
+                  </a:spcAft>
+                  <a:buNone/>
+                </a:pPr>
+                <a:endParaRPr sz="1800">
+                  <a:solidFill>
+                    <a:srgbClr val="000000"/>
+                  </a:solidFill>
+                  <a:latin typeface="Calibri"/>
+                  <a:ea typeface="Calibri"/>
+                  <a:cs typeface="Calibri"/>
+                  <a:sym typeface="Calibri"/>
+                </a:endParaRPr>
+              </a:p>
+            </p:txBody>
+          </p:sp>
+        </p:grpSp>
+        <p:grpSp>
+          <p:nvGrpSpPr>
+            <p:cNvPr id="1795" name="Google Shape;1795;p58"/>
+            <p:cNvGrpSpPr/>
+            <p:nvPr/>
+          </p:nvGrpSpPr>
+          <p:grpSpPr>
+            <a:xfrm>
+              <a:off x="7646258" y="3998698"/>
+              <a:ext cx="261965" cy="261822"/>
+              <a:chOff x="7694183" y="3964323"/>
+              <a:chExt cx="261965" cy="261822"/>
+            </a:xfrm>
+          </p:grpSpPr>
+          <p:sp>
+            <p:nvSpPr>
+              <p:cNvPr id="1796" name="Google Shape;1796;p58"/>
+              <p:cNvSpPr/>
+              <p:nvPr/>
+            </p:nvSpPr>
+            <p:spPr>
+              <a:xfrm>
+                <a:off x="7694183" y="3964323"/>
+                <a:ext cx="261965" cy="261822"/>
+              </a:xfrm>
+              <a:custGeom>
+                <a:avLst/>
+                <a:gdLst/>
+                <a:ahLst/>
+                <a:cxnLst/>
+                <a:rect l="l" t="t" r="r" b="b"/>
+                <a:pathLst>
+                  <a:path w="321429" h="321254" extrusionOk="0">
+                    <a:moveTo>
+                      <a:pt x="160714" y="321254"/>
+                    </a:moveTo>
+                    <a:lnTo>
+                      <a:pt x="160714" y="321254"/>
+                    </a:lnTo>
+                    <a:cubicBezTo>
+                      <a:pt x="71937" y="321254"/>
+                      <a:pt x="0" y="249357"/>
+                      <a:pt x="0" y="160627"/>
+                    </a:cubicBezTo>
+                    <a:lnTo>
+                      <a:pt x="0" y="160627"/>
+                    </a:lnTo>
+                    <a:cubicBezTo>
+                      <a:pt x="0" y="71898"/>
+                      <a:pt x="71937" y="0"/>
+                      <a:pt x="160714" y="0"/>
+                    </a:cubicBezTo>
+                    <a:lnTo>
+                      <a:pt x="160714" y="0"/>
+                    </a:lnTo>
+                    <a:cubicBezTo>
+                      <a:pt x="249492" y="0"/>
+                      <a:pt x="321429" y="71898"/>
+                      <a:pt x="321429" y="160627"/>
+                    </a:cubicBezTo>
+                    <a:lnTo>
+                      <a:pt x="321429" y="160627"/>
+                    </a:lnTo>
+                    <a:cubicBezTo>
+                      <a:pt x="321429" y="249357"/>
+                      <a:pt x="249492" y="321254"/>
+                      <a:pt x="160714" y="321254"/>
+                    </a:cubicBezTo>
+                    <a:close/>
+                  </a:path>
+                </a:pathLst>
+              </a:custGeom>
+              <a:solidFill>
+                <a:schemeClr val="accent1"/>
+              </a:solidFill>
+              <a:ln w="9525" cap="flat" cmpd="sng">
+                <a:solidFill>
+                  <a:schemeClr val="dk1"/>
+                </a:solidFill>
+                <a:prstDash val="solid"/>
+                <a:round/>
+                <a:headEnd type="none" w="sm" len="sm"/>
+                <a:tailEnd type="none" w="sm" len="sm"/>
+              </a:ln>
+            </p:spPr>
+            <p:txBody>
+              <a:bodyPr spcFirstLastPara="1" wrap="square" lIns="91425" tIns="45700" rIns="91425" bIns="45700" anchor="ctr" anchorCtr="0">
+                <a:noAutofit/>
+              </a:bodyPr>
+              <a:lstStyle/>
+              <a:p>
+                <a:pPr marL="0" marR="0" lvl="0" indent="0" algn="l" rtl="0">
+                  <a:spcBef>
+                    <a:spcPts val="0"/>
+                  </a:spcBef>
+                  <a:spcAft>
+                    <a:spcPts val="0"/>
+                  </a:spcAft>
+                  <a:buNone/>
+                </a:pPr>
+                <a:endParaRPr sz="1800">
+                  <a:solidFill>
+                    <a:srgbClr val="000000"/>
+                  </a:solidFill>
+                  <a:latin typeface="Calibri"/>
+                  <a:ea typeface="Calibri"/>
+                  <a:cs typeface="Calibri"/>
+                  <a:sym typeface="Calibri"/>
+                </a:endParaRPr>
+              </a:p>
+            </p:txBody>
+          </p:sp>
+          <p:sp>
+            <p:nvSpPr>
+              <p:cNvPr id="1797" name="Google Shape;1797;p58"/>
+              <p:cNvSpPr/>
+              <p:nvPr/>
+            </p:nvSpPr>
+            <p:spPr>
+              <a:xfrm>
+                <a:off x="7765060" y="4017559"/>
+                <a:ext cx="120416" cy="155476"/>
+              </a:xfrm>
+              <a:custGeom>
+                <a:avLst/>
+                <a:gdLst/>
+                <a:ahLst/>
+                <a:cxnLst/>
+                <a:rect l="l" t="t" r="r" b="b"/>
+                <a:pathLst>
+                  <a:path w="147750" h="190768" extrusionOk="0">
+                    <a:moveTo>
+                      <a:pt x="22397" y="110305"/>
+                    </a:moveTo>
+                    <a:cubicBezTo>
+                      <a:pt x="24885" y="111346"/>
+                      <a:pt x="27143" y="110363"/>
+                      <a:pt x="27895" y="107586"/>
+                    </a:cubicBezTo>
+                    <a:cubicBezTo>
+                      <a:pt x="28416" y="105677"/>
+                      <a:pt x="29573" y="100818"/>
+                      <a:pt x="30152" y="98794"/>
+                    </a:cubicBezTo>
+                    <a:cubicBezTo>
+                      <a:pt x="30904" y="96018"/>
+                      <a:pt x="30615" y="95092"/>
+                      <a:pt x="28589" y="92663"/>
+                    </a:cubicBezTo>
+                    <a:cubicBezTo>
+                      <a:pt x="24191" y="87457"/>
+                      <a:pt x="21355" y="80690"/>
+                      <a:pt x="21355" y="71146"/>
+                    </a:cubicBezTo>
+                    <a:cubicBezTo>
+                      <a:pt x="21355" y="43439"/>
+                      <a:pt x="42074" y="18683"/>
+                      <a:pt x="75351" y="18683"/>
+                    </a:cubicBezTo>
+                    <a:cubicBezTo>
+                      <a:pt x="104809" y="18683"/>
+                      <a:pt x="120955" y="36672"/>
+                      <a:pt x="120955" y="60677"/>
+                    </a:cubicBezTo>
+                    <a:cubicBezTo>
+                      <a:pt x="120955" y="92258"/>
+                      <a:pt x="106950" y="118923"/>
+                      <a:pt x="86173" y="118923"/>
+                    </a:cubicBezTo>
+                    <a:cubicBezTo>
+                      <a:pt x="74715" y="118923"/>
+                      <a:pt x="66149" y="109437"/>
+                      <a:pt x="68869" y="97811"/>
+                    </a:cubicBezTo>
+                    <a:cubicBezTo>
+                      <a:pt x="72168" y="83929"/>
+                      <a:pt x="78534" y="68948"/>
+                      <a:pt x="78534" y="58941"/>
+                    </a:cubicBezTo>
+                    <a:cubicBezTo>
+                      <a:pt x="78534" y="49976"/>
+                      <a:pt x="73731" y="42514"/>
+                      <a:pt x="63776" y="42514"/>
+                    </a:cubicBezTo>
+                    <a:cubicBezTo>
+                      <a:pt x="52028" y="42514"/>
+                      <a:pt x="42653" y="54661"/>
+                      <a:pt x="42653" y="70856"/>
+                    </a:cubicBezTo>
+                    <a:cubicBezTo>
+                      <a:pt x="42653" y="81210"/>
+                      <a:pt x="46183" y="88209"/>
+                      <a:pt x="46183" y="88209"/>
+                    </a:cubicBezTo>
+                    <a:cubicBezTo>
+                      <a:pt x="46183" y="88209"/>
+                      <a:pt x="34203" y="138994"/>
+                      <a:pt x="32062" y="147902"/>
+                    </a:cubicBezTo>
+                    <a:cubicBezTo>
+                      <a:pt x="27895" y="165602"/>
+                      <a:pt x="31425" y="187350"/>
+                      <a:pt x="31715" y="189548"/>
+                    </a:cubicBezTo>
+                    <a:cubicBezTo>
+                      <a:pt x="31888" y="190878"/>
+                      <a:pt x="33567" y="191168"/>
+                      <a:pt x="34319" y="190184"/>
+                    </a:cubicBezTo>
+                    <a:cubicBezTo>
+                      <a:pt x="35419" y="188796"/>
+                      <a:pt x="49366" y="171559"/>
+                      <a:pt x="54112" y="154322"/>
+                    </a:cubicBezTo>
+                    <a:cubicBezTo>
+                      <a:pt x="55443" y="149464"/>
+                      <a:pt x="61809" y="124187"/>
+                      <a:pt x="61809" y="124187"/>
+                    </a:cubicBezTo>
+                    <a:cubicBezTo>
+                      <a:pt x="65628" y="131475"/>
+                      <a:pt x="76740" y="137837"/>
+                      <a:pt x="88604" y="137837"/>
+                    </a:cubicBezTo>
+                    <a:cubicBezTo>
+                      <a:pt x="123849" y="137837"/>
+                      <a:pt x="147751" y="105735"/>
+                      <a:pt x="147751" y="62759"/>
+                    </a:cubicBezTo>
+                    <a:cubicBezTo>
+                      <a:pt x="147751" y="30252"/>
+                      <a:pt x="120203" y="0"/>
+                      <a:pt x="78360" y="0"/>
+                    </a:cubicBezTo>
+                    <a:cubicBezTo>
+                      <a:pt x="26274" y="0"/>
+                      <a:pt x="0" y="37308"/>
+                      <a:pt x="0" y="68427"/>
+                    </a:cubicBezTo>
+                    <a:cubicBezTo>
+                      <a:pt x="0" y="87284"/>
+                      <a:pt x="7118" y="104058"/>
+                      <a:pt x="22397" y="110305"/>
+                    </a:cubicBezTo>
+                    <a:close/>
+                  </a:path>
+                </a:pathLst>
+              </a:custGeom>
+              <a:solidFill>
+                <a:srgbClr val="FFFFFF"/>
+              </a:solidFill>
+              <a:ln>
+                <a:noFill/>
+              </a:ln>
+            </p:spPr>
+            <p:txBody>
+              <a:bodyPr spcFirstLastPara="1" wrap="square" lIns="91425" tIns="45700" rIns="91425" bIns="45700" anchor="ctr" anchorCtr="0">
+                <a:noAutofit/>
+              </a:bodyPr>
+              <a:lstStyle/>
+              <a:p>
+                <a:pPr marL="0" marR="0" lvl="0" indent="0" algn="l" rtl="0">
+                  <a:spcBef>
+                    <a:spcPts val="0"/>
+                  </a:spcBef>
+                  <a:spcAft>
+                    <a:spcPts val="0"/>
+                  </a:spcAft>
+                  <a:buNone/>
+                </a:pPr>
+                <a:endParaRPr sz="1800">
+                  <a:solidFill>
+                    <a:srgbClr val="000000"/>
+                  </a:solidFill>
+                  <a:latin typeface="Calibri"/>
+                  <a:ea typeface="Calibri"/>
+                  <a:cs typeface="Calibri"/>
+                  <a:sym typeface="Calibri"/>
+                </a:endParaRPr>
+              </a:p>
+            </p:txBody>
+          </p:sp>
+        </p:grpSp>
+        <p:grpSp>
+          <p:nvGrpSpPr>
+            <p:cNvPr id="1798" name="Google Shape;1798;p58"/>
+            <p:cNvGrpSpPr/>
+            <p:nvPr/>
+          </p:nvGrpSpPr>
+          <p:grpSpPr>
+            <a:xfrm>
+              <a:off x="7729418" y="4327291"/>
+              <a:ext cx="261769" cy="261627"/>
+              <a:chOff x="7573543" y="4207628"/>
+              <a:chExt cx="261769" cy="261627"/>
+            </a:xfrm>
+          </p:grpSpPr>
+          <p:sp>
+            <p:nvSpPr>
+              <p:cNvPr id="1799" name="Google Shape;1799;p58"/>
+              <p:cNvSpPr/>
+              <p:nvPr/>
+            </p:nvSpPr>
+            <p:spPr>
+              <a:xfrm>
+                <a:off x="7573543" y="4207628"/>
+                <a:ext cx="261769" cy="261627"/>
+              </a:xfrm>
+              <a:custGeom>
+                <a:avLst/>
+                <a:gdLst/>
+                <a:ahLst/>
+                <a:cxnLst/>
+                <a:rect l="l" t="t" r="r" b="b"/>
+                <a:pathLst>
+                  <a:path w="441805" h="441565" extrusionOk="0">
+                    <a:moveTo>
+                      <a:pt x="220903" y="441566"/>
+                    </a:moveTo>
+                    <a:lnTo>
+                      <a:pt x="220903" y="441566"/>
+                    </a:lnTo>
+                    <a:cubicBezTo>
+                      <a:pt x="98906" y="441566"/>
+                      <a:pt x="0" y="342714"/>
+                      <a:pt x="0" y="220783"/>
+                    </a:cubicBezTo>
+                    <a:lnTo>
+                      <a:pt x="0" y="220783"/>
+                    </a:lnTo>
+                    <a:cubicBezTo>
+                      <a:pt x="0" y="98852"/>
+                      <a:pt x="98906" y="0"/>
+                      <a:pt x="220903" y="0"/>
+                    </a:cubicBezTo>
+                    <a:lnTo>
+                      <a:pt x="220903" y="0"/>
+                    </a:lnTo>
+                    <a:cubicBezTo>
+                      <a:pt x="342900" y="0"/>
+                      <a:pt x="441806" y="98852"/>
+                      <a:pt x="441806" y="220783"/>
+                    </a:cubicBezTo>
+                    <a:lnTo>
+                      <a:pt x="441806" y="220783"/>
+                    </a:lnTo>
+                    <a:cubicBezTo>
+                      <a:pt x="441806" y="342714"/>
+                      <a:pt x="342900" y="441566"/>
+                      <a:pt x="220903" y="441566"/>
+                    </a:cubicBezTo>
+                    <a:close/>
+                  </a:path>
+                </a:pathLst>
+              </a:custGeom>
+              <a:solidFill>
+                <a:schemeClr val="dk1"/>
+              </a:solidFill>
+              <a:ln w="9525" cap="flat" cmpd="sng">
+                <a:solidFill>
+                  <a:schemeClr val="dk1"/>
+                </a:solidFill>
+                <a:prstDash val="solid"/>
+                <a:round/>
+                <a:headEnd type="none" w="sm" len="sm"/>
+                <a:tailEnd type="none" w="sm" len="sm"/>
+              </a:ln>
+            </p:spPr>
+            <p:txBody>
+              <a:bodyPr spcFirstLastPara="1" wrap="square" lIns="91425" tIns="45700" rIns="91425" bIns="45700" anchor="ctr" anchorCtr="0">
+                <a:noAutofit/>
+              </a:bodyPr>
+              <a:lstStyle/>
+              <a:p>
+                <a:pPr marL="0" marR="0" lvl="0" indent="0" algn="l" rtl="0">
+                  <a:spcBef>
+                    <a:spcPts val="0"/>
+                  </a:spcBef>
+                  <a:spcAft>
+                    <a:spcPts val="0"/>
+                  </a:spcAft>
+                  <a:buNone/>
+                </a:pPr>
+                <a:endParaRPr sz="1800">
+                  <a:solidFill>
+                    <a:srgbClr val="000000"/>
+                  </a:solidFill>
+                  <a:latin typeface="Calibri"/>
+                  <a:ea typeface="Calibri"/>
+                  <a:cs typeface="Calibri"/>
+                  <a:sym typeface="Calibri"/>
+                </a:endParaRPr>
+              </a:p>
+            </p:txBody>
+          </p:sp>
+          <p:grpSp>
+            <p:nvGrpSpPr>
+              <p:cNvPr id="1800" name="Google Shape;1800;p58"/>
+              <p:cNvGrpSpPr/>
+              <p:nvPr/>
+            </p:nvGrpSpPr>
+            <p:grpSpPr>
+              <a:xfrm>
+                <a:off x="7643005" y="4265974"/>
+                <a:ext cx="131646" cy="131712"/>
+                <a:chOff x="3756254" y="4892401"/>
+                <a:chExt cx="221365" cy="221476"/>
+              </a:xfrm>
+            </p:grpSpPr>
+            <p:grpSp>
+              <p:nvGrpSpPr>
+                <p:cNvPr id="1801" name="Google Shape;1801;p58"/>
+                <p:cNvGrpSpPr/>
+                <p:nvPr/>
+              </p:nvGrpSpPr>
+              <p:grpSpPr>
+                <a:xfrm>
+                  <a:off x="3756254" y="4892401"/>
+                  <a:ext cx="54053" cy="221418"/>
+                  <a:chOff x="3756254" y="4892401"/>
+                  <a:chExt cx="54053" cy="221418"/>
+                </a:xfrm>
+              </p:grpSpPr>
+              <p:sp>
+                <p:nvSpPr>
+                  <p:cNvPr id="1802" name="Google Shape;1802;p58"/>
+                  <p:cNvSpPr/>
+                  <p:nvPr/>
+                </p:nvSpPr>
+                <p:spPr>
+                  <a:xfrm>
+                    <a:off x="3760594" y="4966207"/>
+                    <a:ext cx="45719" cy="147612"/>
+                  </a:xfrm>
+                  <a:custGeom>
+                    <a:avLst/>
+                    <a:gdLst/>
+                    <a:ahLst/>
+                    <a:cxnLst/>
+                    <a:rect l="l" t="t" r="r" b="b"/>
+                    <a:pathLst>
+                      <a:path w="45719" h="147612" extrusionOk="0">
+                        <a:moveTo>
+                          <a:pt x="0" y="0"/>
+                        </a:moveTo>
+                        <a:lnTo>
+                          <a:pt x="45720" y="0"/>
+                        </a:lnTo>
+                        <a:lnTo>
+                          <a:pt x="45720" y="147613"/>
+                        </a:lnTo>
+                        <a:lnTo>
+                          <a:pt x="0" y="147613"/>
+                        </a:lnTo>
+                        <a:close/>
+                      </a:path>
+                    </a:pathLst>
+                  </a:custGeom>
+                  <a:solidFill>
+                    <a:schemeClr val="lt1"/>
+                  </a:solidFill>
+                  <a:ln>
+                    <a:noFill/>
+                  </a:ln>
+                </p:spPr>
+                <p:txBody>
+                  <a:bodyPr spcFirstLastPara="1" wrap="square" lIns="91425" tIns="45700" rIns="91425" bIns="45700" anchor="ctr" anchorCtr="0">
+                    <a:noAutofit/>
+                  </a:bodyPr>
+                  <a:lstStyle/>
+                  <a:p>
+                    <a:pPr marL="0" marR="0" lvl="0" indent="0" algn="l" rtl="0">
+                      <a:spcBef>
+                        <a:spcPts val="0"/>
+                      </a:spcBef>
+                      <a:spcAft>
+                        <a:spcPts val="0"/>
+                      </a:spcAft>
+                      <a:buNone/>
+                    </a:pPr>
+                    <a:endParaRPr sz="1800">
+                      <a:solidFill>
+                        <a:srgbClr val="000000"/>
+                      </a:solidFill>
+                      <a:latin typeface="Calibri"/>
+                      <a:ea typeface="Calibri"/>
+                      <a:cs typeface="Calibri"/>
+                      <a:sym typeface="Calibri"/>
+                    </a:endParaRPr>
+                  </a:p>
+                </p:txBody>
+              </p:sp>
+              <p:sp>
+                <p:nvSpPr>
+                  <p:cNvPr id="1803" name="Google Shape;1803;p58"/>
+                  <p:cNvSpPr/>
+                  <p:nvPr/>
+                </p:nvSpPr>
+                <p:spPr>
+                  <a:xfrm>
+                    <a:off x="3756254" y="4892401"/>
+                    <a:ext cx="54053" cy="54487"/>
+                  </a:xfrm>
+                  <a:custGeom>
+                    <a:avLst/>
+                    <a:gdLst/>
+                    <a:ahLst/>
+                    <a:cxnLst/>
+                    <a:rect l="l" t="t" r="r" b="b"/>
+                    <a:pathLst>
+                      <a:path w="54053" h="54487" extrusionOk="0">
+                        <a:moveTo>
+                          <a:pt x="27027" y="54487"/>
+                        </a:moveTo>
+                        <a:cubicBezTo>
+                          <a:pt x="41958" y="54487"/>
+                          <a:pt x="54054" y="42282"/>
+                          <a:pt x="54054" y="27244"/>
+                        </a:cubicBezTo>
+                        <a:cubicBezTo>
+                          <a:pt x="54054" y="12205"/>
+                          <a:pt x="41958" y="0"/>
+                          <a:pt x="27027" y="0"/>
+                        </a:cubicBezTo>
+                        <a:cubicBezTo>
+                          <a:pt x="12096" y="0"/>
+                          <a:pt x="0" y="12205"/>
+                          <a:pt x="0" y="27244"/>
+                        </a:cubicBezTo>
+                        <a:cubicBezTo>
+                          <a:pt x="-58" y="42282"/>
+                          <a:pt x="12096" y="54487"/>
+                          <a:pt x="27027" y="54487"/>
+                        </a:cubicBezTo>
+                        <a:close/>
+                      </a:path>
+                    </a:pathLst>
+                  </a:custGeom>
+                  <a:solidFill>
+                    <a:schemeClr val="lt1"/>
+                  </a:solidFill>
+                  <a:ln>
+                    <a:noFill/>
+                  </a:ln>
+                </p:spPr>
+                <p:txBody>
+                  <a:bodyPr spcFirstLastPara="1" wrap="square" lIns="91425" tIns="45700" rIns="91425" bIns="45700" anchor="ctr" anchorCtr="0">
+                    <a:noAutofit/>
+                  </a:bodyPr>
+                  <a:lstStyle/>
+                  <a:p>
+                    <a:pPr marL="0" marR="0" lvl="0" indent="0" algn="l" rtl="0">
+                      <a:spcBef>
+                        <a:spcPts val="0"/>
+                      </a:spcBef>
+                      <a:spcAft>
+                        <a:spcPts val="0"/>
+                      </a:spcAft>
+                      <a:buNone/>
+                    </a:pPr>
+                    <a:endParaRPr sz="1800">
+                      <a:solidFill>
+                        <a:srgbClr val="000000"/>
+                      </a:solidFill>
+                      <a:latin typeface="Calibri"/>
+                      <a:ea typeface="Calibri"/>
+                      <a:cs typeface="Calibri"/>
+                      <a:sym typeface="Calibri"/>
+                    </a:endParaRPr>
+                  </a:p>
+                </p:txBody>
+              </p:sp>
+            </p:grpSp>
+            <p:sp>
+              <p:nvSpPr>
+                <p:cNvPr id="1804" name="Google Shape;1804;p58"/>
+                <p:cNvSpPr/>
+                <p:nvPr/>
+              </p:nvSpPr>
+              <p:spPr>
+                <a:xfrm>
+                  <a:off x="3835540" y="4961753"/>
+                  <a:ext cx="142079" cy="152124"/>
+                </a:xfrm>
+                <a:custGeom>
+                  <a:avLst/>
+                  <a:gdLst/>
+                  <a:ahLst/>
+                  <a:cxnLst/>
+                  <a:rect l="l" t="t" r="r" b="b"/>
+                  <a:pathLst>
+                    <a:path w="142079" h="152124" extrusionOk="0">
+                      <a:moveTo>
+                        <a:pt x="43868" y="74616"/>
+                      </a:moveTo>
+                      <a:cubicBezTo>
+                        <a:pt x="43868" y="53851"/>
+                        <a:pt x="53417" y="41530"/>
+                        <a:pt x="71705" y="41530"/>
+                      </a:cubicBezTo>
+                      <a:cubicBezTo>
+                        <a:pt x="88489" y="41530"/>
+                        <a:pt x="96591" y="53388"/>
+                        <a:pt x="96591" y="74616"/>
+                      </a:cubicBezTo>
+                      <a:cubicBezTo>
+                        <a:pt x="96591" y="95902"/>
+                        <a:pt x="96591" y="152124"/>
+                        <a:pt x="96591" y="152124"/>
+                      </a:cubicBezTo>
+                      <a:lnTo>
+                        <a:pt x="142079" y="152124"/>
+                      </a:lnTo>
+                      <a:cubicBezTo>
+                        <a:pt x="142079" y="152124"/>
+                        <a:pt x="142079" y="98216"/>
+                        <a:pt x="142079" y="58652"/>
+                      </a:cubicBezTo>
+                      <a:cubicBezTo>
+                        <a:pt x="142079" y="19088"/>
+                        <a:pt x="119682" y="0"/>
+                        <a:pt x="88373" y="0"/>
+                      </a:cubicBezTo>
+                      <a:cubicBezTo>
+                        <a:pt x="57063" y="0"/>
+                        <a:pt x="43868" y="24409"/>
+                        <a:pt x="43868" y="24409"/>
+                      </a:cubicBezTo>
+                      <a:lnTo>
+                        <a:pt x="43868" y="4512"/>
+                      </a:lnTo>
+                      <a:lnTo>
+                        <a:pt x="0" y="4512"/>
+                      </a:lnTo>
+                      <a:lnTo>
+                        <a:pt x="0" y="152124"/>
+                      </a:lnTo>
+                      <a:lnTo>
+                        <a:pt x="43868" y="152124"/>
+                      </a:lnTo>
+                      <a:cubicBezTo>
+                        <a:pt x="43868" y="152067"/>
+                        <a:pt x="43868" y="97348"/>
+                        <a:pt x="43868" y="74616"/>
+                      </a:cubicBezTo>
+                      <a:close/>
+                    </a:path>
+                  </a:pathLst>
+                </a:custGeom>
+                <a:solidFill>
+                  <a:schemeClr val="lt1"/>
+                </a:solidFill>
+                <a:ln>
+                  <a:noFill/>
+                </a:ln>
+              </p:spPr>
+              <p:txBody>
+                <a:bodyPr spcFirstLastPara="1" wrap="square" lIns="91425" tIns="45700" rIns="91425" bIns="45700" anchor="ctr" anchorCtr="0">
+                  <a:noAutofit/>
+                </a:bodyPr>
+                <a:lstStyle/>
+                <a:p>
+                  <a:pPr marL="0" marR="0" lvl="0" indent="0" algn="l" rtl="0">
+                    <a:spcBef>
+                      <a:spcPts val="0"/>
+                    </a:spcBef>
+                    <a:spcAft>
+                      <a:spcPts val="0"/>
+                    </a:spcAft>
+                    <a:buNone/>
+                  </a:pPr>
+                  <a:endParaRPr sz="1800">
+                    <a:solidFill>
+                      <a:srgbClr val="000000"/>
+                    </a:solidFill>
+                    <a:latin typeface="Calibri"/>
+                    <a:ea typeface="Calibri"/>
+                    <a:cs typeface="Calibri"/>
+                    <a:sym typeface="Calibri"/>
+                  </a:endParaRPr>
+                </a:p>
+              </p:txBody>
+            </p:sp>
+          </p:grpSp>
+        </p:grpSp>
+      </p:grpSp>
+    </p:spTree>
+  </p:cSld>
+  <p:clrMapOvr>
+    <a:masterClrMapping/>
+  </p:clrMapOvr>
+</p:sld>
+</file>
+
+<file path=ppt/slides/slide11.xml><?xml version="1.0" encoding="utf-8"?>
 <p:sld xmlns:a="http://schemas.openxmlformats.org/drawingml/2006/main" xmlns:r="http://schemas.openxmlformats.org/officeDocument/2006/relationships" xmlns:p="http://schemas.openxmlformats.org/presentationml/2006/main">
   <p:cSld>
     <p:spTree>
@@ -19212,51 +22496,6 @@
       </p:grpSpPr>
       <p:sp>
         <p:nvSpPr>
-          <p:cNvPr id="635" name="Google Shape;635;p35"/>
-          <p:cNvSpPr/>
-          <p:nvPr/>
-        </p:nvSpPr>
-        <p:spPr>
-          <a:xfrm>
-            <a:off x="6900" y="4342000"/>
-            <a:ext cx="9144000" cy="809100"/>
-          </a:xfrm>
-          <a:prstGeom prst="rect">
-            <a:avLst/>
-          </a:prstGeom>
-          <a:solidFill>
-            <a:schemeClr val="dk2"/>
-          </a:solidFill>
-          <a:ln>
-            <a:noFill/>
-          </a:ln>
-        </p:spPr>
-        <p:txBody>
-          <a:bodyPr spcFirstLastPara="1" wrap="square" lIns="91425" tIns="91425" rIns="91425" bIns="91425" anchor="ctr" anchorCtr="0">
-            <a:noAutofit/>
-          </a:bodyPr>
-          <a:lstStyle/>
-          <a:p>
-            <a:pPr marL="0" lvl="0" indent="0" algn="ctr" rtl="0">
-              <a:spcBef>
-                <a:spcPts val="0"/>
-              </a:spcBef>
-              <a:spcAft>
-                <a:spcPts val="0"/>
-              </a:spcAft>
-              <a:buNone/>
-            </a:pPr>
-            <a:endParaRPr>
-              <a:latin typeface="Montserrat"/>
-              <a:ea typeface="Montserrat"/>
-              <a:cs typeface="Montserrat"/>
-              <a:sym typeface="Montserrat"/>
-            </a:endParaRPr>
-          </a:p>
-        </p:txBody>
-      </p:sp>
-      <p:sp>
-        <p:nvSpPr>
           <p:cNvPr id="636" name="Google Shape;636;p35"/>
           <p:cNvSpPr txBox="1">
             <a:spLocks noGrp="1"/>
@@ -19267,8 +22506,8 @@
         </p:nvSpPr>
         <p:spPr>
           <a:xfrm>
-            <a:off x="719998" y="134400"/>
-            <a:ext cx="8114025" cy="572700"/>
+            <a:off x="5010644" y="-23797"/>
+            <a:ext cx="4320925" cy="390356"/>
           </a:xfrm>
           <a:prstGeom prst="rect">
             <a:avLst/>
@@ -19282,36 +22521,12 @@
           <a:p>
             <a:pPr algn="l"/>
             <a:r>
-              <a:rPr lang="en" sz="2000" dirty="0"/>
-              <a:t>Insights(</a:t>
-            </a:r>
-            <a:r>
-              <a:rPr lang="es-MX" sz="2000" dirty="0"/>
-              <a:t>Top 5 productos más</a:t>
-            </a:r>
-            <a:r>
-              <a:rPr lang="es-MX" sz="1600" dirty="0"/>
-              <a:t> </a:t>
-            </a:r>
-            <a:r>
-              <a:rPr lang="es-MX" sz="2000" dirty="0"/>
-              <a:t>vendidos por</a:t>
-            </a:r>
-            <a:r>
-              <a:rPr lang="es-MX" sz="2800" dirty="0"/>
-              <a:t> </a:t>
-            </a:r>
-            <a:r>
-              <a:rPr lang="es-MX" sz="2000" dirty="0"/>
-              <a:t>día)</a:t>
+              <a:rPr lang="es-EC" sz="2000" dirty="0"/>
+              <a:t>Tendencia de ventas</a:t>
             </a:r>
             <a:br>
               <a:rPr lang="es-MX" dirty="0"/>
             </a:br>
-            <a:r>
-              <a:rPr lang="es-MX" dirty="0"/>
-              <a:t>)</a:t>
-            </a:r>
             <a:endParaRPr dirty="0"/>
           </a:p>
         </p:txBody>
@@ -19324,7 +22539,7 @@
         </p:nvGrpSpPr>
         <p:grpSpPr>
           <a:xfrm>
-            <a:off x="7691163" y="4199999"/>
+            <a:off x="8113193" y="4207815"/>
             <a:ext cx="880408" cy="809100"/>
             <a:chOff x="7691163" y="3643848"/>
             <a:chExt cx="1357844" cy="1365251"/>
@@ -21663,10 +24878,2774 @@
       </p:grpSp>
       <p:pic>
         <p:nvPicPr>
+          <p:cNvPr id="3" name="Imagen 2" descr="Gráfico&#10;&#10;El contenido generado por IA puede ser incorrecto.">
+            <a:extLst>
+              <a:ext uri="{FF2B5EF4-FFF2-40B4-BE49-F238E27FC236}">
+                <a16:creationId xmlns:a16="http://schemas.microsoft.com/office/drawing/2014/main" id="{9F84D27F-B9C1-EDB6-BBC5-ECA7A770FC8E}"/>
+              </a:ext>
+            </a:extLst>
+          </p:cNvPr>
+          <p:cNvPicPr>
+            <a:picLocks noChangeAspect="1"/>
+          </p:cNvPicPr>
+          <p:nvPr/>
+        </p:nvPicPr>
+        <p:blipFill>
+          <a:blip r:embed="rId3"/>
+          <a:stretch>
+            <a:fillRect/>
+          </a:stretch>
+        </p:blipFill>
+        <p:spPr>
+          <a:xfrm>
+            <a:off x="906860" y="366559"/>
+            <a:ext cx="6558255" cy="2318575"/>
+          </a:xfrm>
+          <a:prstGeom prst="rect">
+            <a:avLst/>
+          </a:prstGeom>
+        </p:spPr>
+      </p:pic>
+      <p:pic>
+        <p:nvPicPr>
+          <p:cNvPr id="5" name="Imagen 4" descr="Gráfico&#10;&#10;El contenido generado por IA puede ser incorrecto.">
+            <a:extLst>
+              <a:ext uri="{FF2B5EF4-FFF2-40B4-BE49-F238E27FC236}">
+                <a16:creationId xmlns:a16="http://schemas.microsoft.com/office/drawing/2014/main" id="{686AE638-AC6B-95C4-B7DF-7C1A19550D28}"/>
+              </a:ext>
+            </a:extLst>
+          </p:cNvPr>
+          <p:cNvPicPr>
+            <a:picLocks noChangeAspect="1"/>
+          </p:cNvPicPr>
+          <p:nvPr/>
+        </p:nvPicPr>
+        <p:blipFill>
+          <a:blip r:embed="rId4"/>
+          <a:stretch>
+            <a:fillRect/>
+          </a:stretch>
+        </p:blipFill>
+        <p:spPr>
+          <a:xfrm>
+            <a:off x="947088" y="2693922"/>
+            <a:ext cx="6738762" cy="2382390"/>
+          </a:xfrm>
+          <a:prstGeom prst="rect">
+            <a:avLst/>
+          </a:prstGeom>
+        </p:spPr>
+      </p:pic>
+    </p:spTree>
+  </p:cSld>
+  <p:clrMapOvr>
+    <a:masterClrMapping/>
+  </p:clrMapOvr>
+</p:sld>
+</file>
+
+<file path=ppt/slides/slide3.xml><?xml version="1.0" encoding="utf-8"?>
+<p:sld xmlns:a="http://schemas.openxmlformats.org/drawingml/2006/main" xmlns:r="http://schemas.openxmlformats.org/officeDocument/2006/relationships" xmlns:p="http://schemas.openxmlformats.org/presentationml/2006/main">
+  <p:cSld>
+    <p:spTree>
+      <p:nvGrpSpPr>
+        <p:cNvPr id="1" name="Shape 634">
+          <a:extLst>
+            <a:ext uri="{FF2B5EF4-FFF2-40B4-BE49-F238E27FC236}">
+              <a16:creationId xmlns:a16="http://schemas.microsoft.com/office/drawing/2014/main" id="{9DD2E154-6836-1887-FAE7-3B2F2028DC1C}"/>
+            </a:ext>
+          </a:extLst>
+        </p:cNvPr>
+        <p:cNvGrpSpPr/>
+        <p:nvPr/>
+      </p:nvGrpSpPr>
+      <p:grpSpPr>
+        <a:xfrm>
+          <a:off x="0" y="0"/>
+          <a:ext cx="0" cy="0"/>
+          <a:chOff x="0" y="0"/>
+          <a:chExt cx="0" cy="0"/>
+        </a:xfrm>
+      </p:grpSpPr>
+      <p:sp>
+        <p:nvSpPr>
+          <p:cNvPr id="635" name="Google Shape;635;p35">
+            <a:extLst>
+              <a:ext uri="{FF2B5EF4-FFF2-40B4-BE49-F238E27FC236}">
+                <a16:creationId xmlns:a16="http://schemas.microsoft.com/office/drawing/2014/main" id="{5FC39BBA-456C-84D4-7559-76BC6B4021D7}"/>
+              </a:ext>
+            </a:extLst>
+          </p:cNvPr>
+          <p:cNvSpPr/>
+          <p:nvPr/>
+        </p:nvSpPr>
+        <p:spPr>
+          <a:xfrm>
+            <a:off x="6900" y="4342000"/>
+            <a:ext cx="9144000" cy="809100"/>
+          </a:xfrm>
+          <a:prstGeom prst="rect">
+            <a:avLst/>
+          </a:prstGeom>
+          <a:solidFill>
+            <a:schemeClr val="dk2"/>
+          </a:solidFill>
+          <a:ln>
+            <a:noFill/>
+          </a:ln>
+        </p:spPr>
+        <p:txBody>
+          <a:bodyPr spcFirstLastPara="1" wrap="square" lIns="91425" tIns="91425" rIns="91425" bIns="91425" anchor="ctr" anchorCtr="0">
+            <a:noAutofit/>
+          </a:bodyPr>
+          <a:lstStyle/>
+          <a:p>
+            <a:pPr marL="0" lvl="0" indent="0" algn="ctr" rtl="0">
+              <a:spcBef>
+                <a:spcPts val="0"/>
+              </a:spcBef>
+              <a:spcAft>
+                <a:spcPts val="0"/>
+              </a:spcAft>
+              <a:buNone/>
+            </a:pPr>
+            <a:endParaRPr>
+              <a:latin typeface="Montserrat"/>
+              <a:ea typeface="Montserrat"/>
+              <a:cs typeface="Montserrat"/>
+              <a:sym typeface="Montserrat"/>
+            </a:endParaRPr>
+          </a:p>
+        </p:txBody>
+      </p:sp>
+      <p:sp>
+        <p:nvSpPr>
+          <p:cNvPr id="636" name="Google Shape;636;p35">
+            <a:extLst>
+              <a:ext uri="{FF2B5EF4-FFF2-40B4-BE49-F238E27FC236}">
+                <a16:creationId xmlns:a16="http://schemas.microsoft.com/office/drawing/2014/main" id="{5A0BED04-BB81-1DCD-A465-47C465BCEE27}"/>
+              </a:ext>
+            </a:extLst>
+          </p:cNvPr>
+          <p:cNvSpPr txBox="1">
+            <a:spLocks noGrp="1"/>
+          </p:cNvSpPr>
+          <p:nvPr>
+            <p:ph type="title"/>
+          </p:nvPr>
+        </p:nvSpPr>
+        <p:spPr>
+          <a:xfrm>
+            <a:off x="719998" y="134400"/>
+            <a:ext cx="8114025" cy="572700"/>
+          </a:xfrm>
+          <a:prstGeom prst="rect">
+            <a:avLst/>
+          </a:prstGeom>
+        </p:spPr>
+        <p:txBody>
+          <a:bodyPr spcFirstLastPara="1" wrap="square" lIns="91425" tIns="91425" rIns="91425" bIns="91425" anchor="t" anchorCtr="0">
+            <a:noAutofit/>
+          </a:bodyPr>
+          <a:lstStyle/>
+          <a:p>
+            <a:pPr algn="l"/>
+            <a:r>
+              <a:rPr lang="en" sz="2000" dirty="0"/>
+              <a:t>Insights(</a:t>
+            </a:r>
+            <a:r>
+              <a:rPr lang="es-MX" sz="2000" dirty="0"/>
+              <a:t>Top 5 productos más</a:t>
+            </a:r>
+            <a:r>
+              <a:rPr lang="es-MX" sz="1600" dirty="0"/>
+              <a:t> </a:t>
+            </a:r>
+            <a:r>
+              <a:rPr lang="es-MX" sz="2000" dirty="0"/>
+              <a:t>vendidos por</a:t>
+            </a:r>
+            <a:r>
+              <a:rPr lang="es-MX" sz="2800" dirty="0"/>
+              <a:t> </a:t>
+            </a:r>
+            <a:r>
+              <a:rPr lang="es-MX" sz="2000" dirty="0"/>
+              <a:t>día)</a:t>
+            </a:r>
+            <a:br>
+              <a:rPr lang="es-MX" dirty="0"/>
+            </a:br>
+            <a:r>
+              <a:rPr lang="es-MX" dirty="0"/>
+              <a:t>)</a:t>
+            </a:r>
+            <a:endParaRPr dirty="0"/>
+          </a:p>
+        </p:txBody>
+      </p:sp>
+      <p:grpSp>
+        <p:nvGrpSpPr>
+          <p:cNvPr id="639" name="Google Shape;639;p35">
+            <a:extLst>
+              <a:ext uri="{FF2B5EF4-FFF2-40B4-BE49-F238E27FC236}">
+                <a16:creationId xmlns:a16="http://schemas.microsoft.com/office/drawing/2014/main" id="{86E54D3C-2900-F499-D1AD-AE416FE3B693}"/>
+              </a:ext>
+            </a:extLst>
+          </p:cNvPr>
+          <p:cNvGrpSpPr/>
+          <p:nvPr/>
+        </p:nvGrpSpPr>
+        <p:grpSpPr>
+          <a:xfrm>
+            <a:off x="7691163" y="4199999"/>
+            <a:ext cx="880408" cy="809100"/>
+            <a:chOff x="7691163" y="3643848"/>
+            <a:chExt cx="1357844" cy="1365251"/>
+          </a:xfrm>
+        </p:grpSpPr>
+        <p:grpSp>
+          <p:nvGrpSpPr>
+            <p:cNvPr id="640" name="Google Shape;640;p35">
+              <a:extLst>
+                <a:ext uri="{FF2B5EF4-FFF2-40B4-BE49-F238E27FC236}">
+                  <a16:creationId xmlns:a16="http://schemas.microsoft.com/office/drawing/2014/main" id="{2605CF83-EC49-834E-3078-FF270612CAEE}"/>
+                </a:ext>
+              </a:extLst>
+            </p:cNvPr>
+            <p:cNvGrpSpPr/>
+            <p:nvPr/>
+          </p:nvGrpSpPr>
+          <p:grpSpPr>
+            <a:xfrm>
+              <a:off x="8248577" y="3643861"/>
+              <a:ext cx="800431" cy="1225981"/>
+              <a:chOff x="5763617" y="1958018"/>
+              <a:chExt cx="887494" cy="1359331"/>
+            </a:xfrm>
+          </p:grpSpPr>
+          <p:grpSp>
+            <p:nvGrpSpPr>
+              <p:cNvPr id="641" name="Google Shape;641;p35">
+                <a:extLst>
+                  <a:ext uri="{FF2B5EF4-FFF2-40B4-BE49-F238E27FC236}">
+                    <a16:creationId xmlns:a16="http://schemas.microsoft.com/office/drawing/2014/main" id="{BD7CA3CD-1BAE-8C22-0835-20F10E0A053A}"/>
+                  </a:ext>
+                </a:extLst>
+              </p:cNvPr>
+              <p:cNvGrpSpPr/>
+              <p:nvPr/>
+            </p:nvGrpSpPr>
+            <p:grpSpPr>
+              <a:xfrm>
+                <a:off x="5763617" y="1958018"/>
+                <a:ext cx="887494" cy="1359331"/>
+                <a:chOff x="5763617" y="1958018"/>
+                <a:chExt cx="887494" cy="1359331"/>
+              </a:xfrm>
+            </p:grpSpPr>
+            <p:sp>
+              <p:nvSpPr>
+                <p:cNvPr id="642" name="Google Shape;642;p35">
+                  <a:extLst>
+                    <a:ext uri="{FF2B5EF4-FFF2-40B4-BE49-F238E27FC236}">
+                      <a16:creationId xmlns:a16="http://schemas.microsoft.com/office/drawing/2014/main" id="{EF1E64E0-AFB2-1CC5-9DED-AC69E8C223CE}"/>
+                    </a:ext>
+                  </a:extLst>
+                </p:cNvPr>
+                <p:cNvSpPr/>
+                <p:nvPr/>
+              </p:nvSpPr>
+              <p:spPr>
+                <a:xfrm>
+                  <a:off x="6061777" y="1958018"/>
+                  <a:ext cx="291173" cy="283060"/>
+                </a:xfrm>
+                <a:custGeom>
+                  <a:avLst/>
+                  <a:gdLst/>
+                  <a:ahLst/>
+                  <a:cxnLst/>
+                  <a:rect l="l" t="t" r="r" b="b"/>
+                  <a:pathLst>
+                    <a:path w="291173" h="283060" extrusionOk="0">
+                      <a:moveTo>
+                        <a:pt x="291174" y="283061"/>
+                      </a:moveTo>
+                      <a:lnTo>
+                        <a:pt x="0" y="283061"/>
+                      </a:lnTo>
+                      <a:lnTo>
+                        <a:pt x="0" y="76981"/>
+                      </a:lnTo>
+                      <a:cubicBezTo>
+                        <a:pt x="0" y="34456"/>
+                        <a:pt x="34496" y="0"/>
+                        <a:pt x="77069" y="0"/>
+                      </a:cubicBezTo>
+                      <a:lnTo>
+                        <a:pt x="214105" y="0"/>
+                      </a:lnTo>
+                      <a:cubicBezTo>
+                        <a:pt x="256679" y="0"/>
+                        <a:pt x="291174" y="34456"/>
+                        <a:pt x="291174" y="76981"/>
+                      </a:cubicBezTo>
+                      <a:lnTo>
+                        <a:pt x="291174" y="283061"/>
+                      </a:lnTo>
+                      <a:close/>
+                    </a:path>
+                  </a:pathLst>
+                </a:custGeom>
+                <a:noFill/>
+                <a:ln w="9525" cap="flat" cmpd="sng">
+                  <a:solidFill>
+                    <a:schemeClr val="dk1"/>
+                  </a:solidFill>
+                  <a:prstDash val="solid"/>
+                  <a:miter lim="8000"/>
+                  <a:headEnd type="none" w="sm" len="sm"/>
+                  <a:tailEnd type="none" w="sm" len="sm"/>
+                </a:ln>
+              </p:spPr>
+              <p:txBody>
+                <a:bodyPr spcFirstLastPara="1" wrap="square" lIns="91425" tIns="45700" rIns="91425" bIns="45700" anchor="ctr" anchorCtr="0">
+                  <a:noAutofit/>
+                </a:bodyPr>
+                <a:lstStyle/>
+                <a:p>
+                  <a:pPr marL="0" marR="0" lvl="0" indent="0" algn="l" rtl="0">
+                    <a:spcBef>
+                      <a:spcPts val="0"/>
+                    </a:spcBef>
+                    <a:spcAft>
+                      <a:spcPts val="0"/>
+                    </a:spcAft>
+                    <a:buNone/>
+                  </a:pPr>
+                  <a:endParaRPr sz="1800">
+                    <a:solidFill>
+                      <a:srgbClr val="000000"/>
+                    </a:solidFill>
+                    <a:latin typeface="Calibri"/>
+                    <a:ea typeface="Calibri"/>
+                    <a:cs typeface="Calibri"/>
+                    <a:sym typeface="Calibri"/>
+                  </a:endParaRPr>
+                </a:p>
+              </p:txBody>
+            </p:sp>
+            <p:sp>
+              <p:nvSpPr>
+                <p:cNvPr id="643" name="Google Shape;643;p35">
+                  <a:extLst>
+                    <a:ext uri="{FF2B5EF4-FFF2-40B4-BE49-F238E27FC236}">
+                      <a16:creationId xmlns:a16="http://schemas.microsoft.com/office/drawing/2014/main" id="{0A493AC5-68BD-A078-2C25-9325F9F78FD6}"/>
+                    </a:ext>
+                  </a:extLst>
+                </p:cNvPr>
+                <p:cNvSpPr/>
+                <p:nvPr/>
+              </p:nvSpPr>
+              <p:spPr>
+                <a:xfrm>
+                  <a:off x="5763617" y="2241079"/>
+                  <a:ext cx="887494" cy="1076270"/>
+                </a:xfrm>
+                <a:custGeom>
+                  <a:avLst/>
+                  <a:gdLst/>
+                  <a:ahLst/>
+                  <a:cxnLst/>
+                  <a:rect l="l" t="t" r="r" b="b"/>
+                  <a:pathLst>
+                    <a:path w="887494" h="1076270" extrusionOk="0">
+                      <a:moveTo>
+                        <a:pt x="58511" y="85703"/>
+                      </a:moveTo>
+                      <a:lnTo>
+                        <a:pt x="63606" y="0"/>
+                      </a:lnTo>
+                      <a:lnTo>
+                        <a:pt x="808897" y="0"/>
+                      </a:lnTo>
+                      <a:lnTo>
+                        <a:pt x="887495" y="1076271"/>
+                      </a:lnTo>
+                      <a:lnTo>
+                        <a:pt x="0" y="1076198"/>
+                      </a:lnTo>
+                      <a:lnTo>
+                        <a:pt x="52398" y="189580"/>
+                      </a:lnTo>
+                    </a:path>
+                  </a:pathLst>
+                </a:custGeom>
+                <a:solidFill>
+                  <a:schemeClr val="accent1"/>
+                </a:solidFill>
+                <a:ln w="9525" cap="flat" cmpd="sng">
+                  <a:solidFill>
+                    <a:schemeClr val="dk1"/>
+                  </a:solidFill>
+                  <a:prstDash val="solid"/>
+                  <a:miter lim="8000"/>
+                  <a:headEnd type="none" w="sm" len="sm"/>
+                  <a:tailEnd type="none" w="sm" len="sm"/>
+                </a:ln>
+              </p:spPr>
+              <p:txBody>
+                <a:bodyPr spcFirstLastPara="1" wrap="square" lIns="91425" tIns="45700" rIns="91425" bIns="45700" anchor="ctr" anchorCtr="0">
+                  <a:noAutofit/>
+                </a:bodyPr>
+                <a:lstStyle/>
+                <a:p>
+                  <a:pPr marL="0" marR="0" lvl="0" indent="0" algn="l" rtl="0">
+                    <a:spcBef>
+                      <a:spcPts val="0"/>
+                    </a:spcBef>
+                    <a:spcAft>
+                      <a:spcPts val="0"/>
+                    </a:spcAft>
+                    <a:buNone/>
+                  </a:pPr>
+                  <a:endParaRPr sz="1800">
+                    <a:solidFill>
+                      <a:srgbClr val="000000"/>
+                    </a:solidFill>
+                    <a:latin typeface="Calibri"/>
+                    <a:ea typeface="Calibri"/>
+                    <a:cs typeface="Calibri"/>
+                    <a:sym typeface="Calibri"/>
+                  </a:endParaRPr>
+                </a:p>
+              </p:txBody>
+            </p:sp>
+            <p:grpSp>
+              <p:nvGrpSpPr>
+                <p:cNvPr id="644" name="Google Shape;644;p35">
+                  <a:extLst>
+                    <a:ext uri="{FF2B5EF4-FFF2-40B4-BE49-F238E27FC236}">
+                      <a16:creationId xmlns:a16="http://schemas.microsoft.com/office/drawing/2014/main" id="{8A228E44-CD33-7B72-C47B-4FF806F9E16D}"/>
+                    </a:ext>
+                  </a:extLst>
+                </p:cNvPr>
+                <p:cNvGrpSpPr/>
+                <p:nvPr/>
+              </p:nvGrpSpPr>
+              <p:grpSpPr>
+                <a:xfrm>
+                  <a:off x="5932601" y="2227631"/>
+                  <a:ext cx="258497" cy="595634"/>
+                  <a:chOff x="5932601" y="2227631"/>
+                  <a:chExt cx="258497" cy="595634"/>
+                </a:xfrm>
+              </p:grpSpPr>
+              <p:sp>
+                <p:nvSpPr>
+                  <p:cNvPr id="645" name="Google Shape;645;p35">
+                    <a:extLst>
+                      <a:ext uri="{FF2B5EF4-FFF2-40B4-BE49-F238E27FC236}">
+                        <a16:creationId xmlns:a16="http://schemas.microsoft.com/office/drawing/2014/main" id="{8BAB9A96-8545-E252-C10E-D5F55431C7A5}"/>
+                      </a:ext>
+                    </a:extLst>
+                  </p:cNvPr>
+                  <p:cNvSpPr/>
+                  <p:nvPr/>
+                </p:nvSpPr>
+                <p:spPr>
+                  <a:xfrm>
+                    <a:off x="5932601" y="2409578"/>
+                    <a:ext cx="258497" cy="413687"/>
+                  </a:xfrm>
+                  <a:custGeom>
+                    <a:avLst/>
+                    <a:gdLst/>
+                    <a:ahLst/>
+                    <a:cxnLst/>
+                    <a:rect l="l" t="t" r="r" b="b"/>
+                    <a:pathLst>
+                      <a:path w="258497" h="413687" extrusionOk="0">
+                        <a:moveTo>
+                          <a:pt x="170512" y="0"/>
+                        </a:moveTo>
+                        <a:lnTo>
+                          <a:pt x="89004" y="0"/>
+                        </a:lnTo>
+                        <a:lnTo>
+                          <a:pt x="0" y="74363"/>
+                        </a:lnTo>
+                        <a:lnTo>
+                          <a:pt x="0" y="413688"/>
+                        </a:lnTo>
+                        <a:lnTo>
+                          <a:pt x="258498" y="413688"/>
+                        </a:lnTo>
+                        <a:lnTo>
+                          <a:pt x="258498" y="73346"/>
+                        </a:lnTo>
+                        <a:lnTo>
+                          <a:pt x="170512" y="0"/>
+                        </a:lnTo>
+                        <a:close/>
+                        <a:moveTo>
+                          <a:pt x="129176" y="96389"/>
+                        </a:moveTo>
+                        <a:cubicBezTo>
+                          <a:pt x="119424" y="96389"/>
+                          <a:pt x="111565" y="88465"/>
+                          <a:pt x="111565" y="78798"/>
+                        </a:cubicBezTo>
+                        <a:cubicBezTo>
+                          <a:pt x="111565" y="69129"/>
+                          <a:pt x="119497" y="61206"/>
+                          <a:pt x="129176" y="61206"/>
+                        </a:cubicBezTo>
+                        <a:cubicBezTo>
+                          <a:pt x="138928" y="61206"/>
+                          <a:pt x="146788" y="69129"/>
+                          <a:pt x="146788" y="78798"/>
+                        </a:cubicBezTo>
+                        <a:cubicBezTo>
+                          <a:pt x="146788" y="88465"/>
+                          <a:pt x="138928" y="96389"/>
+                          <a:pt x="129176" y="96389"/>
+                        </a:cubicBezTo>
+                        <a:close/>
+                      </a:path>
+                    </a:pathLst>
+                  </a:custGeom>
+                  <a:solidFill>
+                    <a:schemeClr val="lt1"/>
+                  </a:solidFill>
+                  <a:ln w="9525" cap="flat" cmpd="sng">
+                    <a:solidFill>
+                      <a:schemeClr val="dk1"/>
+                    </a:solidFill>
+                    <a:prstDash val="solid"/>
+                    <a:miter lim="8000"/>
+                    <a:headEnd type="none" w="sm" len="sm"/>
+                    <a:tailEnd type="none" w="sm" len="sm"/>
+                  </a:ln>
+                </p:spPr>
+                <p:txBody>
+                  <a:bodyPr spcFirstLastPara="1" wrap="square" lIns="91425" tIns="45700" rIns="91425" bIns="45700" anchor="ctr" anchorCtr="0">
+                    <a:noAutofit/>
+                  </a:bodyPr>
+                  <a:lstStyle/>
+                  <a:p>
+                    <a:pPr marL="0" marR="0" lvl="0" indent="0" algn="l" rtl="0">
+                      <a:spcBef>
+                        <a:spcPts val="0"/>
+                      </a:spcBef>
+                      <a:spcAft>
+                        <a:spcPts val="0"/>
+                      </a:spcAft>
+                      <a:buNone/>
+                    </a:pPr>
+                    <a:endParaRPr sz="1800">
+                      <a:solidFill>
+                        <a:srgbClr val="000000"/>
+                      </a:solidFill>
+                      <a:latin typeface="Calibri"/>
+                      <a:ea typeface="Calibri"/>
+                      <a:cs typeface="Calibri"/>
+                      <a:sym typeface="Calibri"/>
+                    </a:endParaRPr>
+                  </a:p>
+                </p:txBody>
+              </p:sp>
+              <p:sp>
+                <p:nvSpPr>
+                  <p:cNvPr id="646" name="Google Shape;646;p35">
+                    <a:extLst>
+                      <a:ext uri="{FF2B5EF4-FFF2-40B4-BE49-F238E27FC236}">
+                        <a16:creationId xmlns:a16="http://schemas.microsoft.com/office/drawing/2014/main" id="{FD469855-20F7-3DEE-4A98-C8B20C47E53D}"/>
+                      </a:ext>
+                    </a:extLst>
+                  </p:cNvPr>
+                  <p:cNvSpPr/>
+                  <p:nvPr/>
+                </p:nvSpPr>
+                <p:spPr>
+                  <a:xfrm>
+                    <a:off x="6061777" y="2227631"/>
+                    <a:ext cx="7277" cy="260744"/>
+                  </a:xfrm>
+                  <a:custGeom>
+                    <a:avLst/>
+                    <a:gdLst/>
+                    <a:ahLst/>
+                    <a:cxnLst/>
+                    <a:rect l="l" t="t" r="r" b="b"/>
+                    <a:pathLst>
+                      <a:path w="7277" h="260744" extrusionOk="0">
+                        <a:moveTo>
+                          <a:pt x="0" y="260745"/>
+                        </a:moveTo>
+                        <a:lnTo>
+                          <a:pt x="0" y="0"/>
+                        </a:lnTo>
+                      </a:path>
+                    </a:pathLst>
+                  </a:custGeom>
+                  <a:noFill/>
+                  <a:ln w="9525" cap="rnd" cmpd="sng">
+                    <a:solidFill>
+                      <a:schemeClr val="dk1"/>
+                    </a:solidFill>
+                    <a:prstDash val="solid"/>
+                    <a:miter lim="8000"/>
+                    <a:headEnd type="none" w="sm" len="sm"/>
+                    <a:tailEnd type="none" w="sm" len="sm"/>
+                  </a:ln>
+                </p:spPr>
+                <p:txBody>
+                  <a:bodyPr spcFirstLastPara="1" wrap="square" lIns="91425" tIns="45700" rIns="91425" bIns="45700" anchor="ctr" anchorCtr="0">
+                    <a:noAutofit/>
+                  </a:bodyPr>
+                  <a:lstStyle/>
+                  <a:p>
+                    <a:pPr marL="0" marR="0" lvl="0" indent="0" algn="l" rtl="0">
+                      <a:spcBef>
+                        <a:spcPts val="0"/>
+                      </a:spcBef>
+                      <a:spcAft>
+                        <a:spcPts val="0"/>
+                      </a:spcAft>
+                      <a:buNone/>
+                    </a:pPr>
+                    <a:endParaRPr sz="1800">
+                      <a:solidFill>
+                        <a:srgbClr val="000000"/>
+                      </a:solidFill>
+                      <a:latin typeface="Calibri"/>
+                      <a:ea typeface="Calibri"/>
+                      <a:cs typeface="Calibri"/>
+                      <a:sym typeface="Calibri"/>
+                    </a:endParaRPr>
+                  </a:p>
+                </p:txBody>
+              </p:sp>
+            </p:grpSp>
+            <p:sp>
+              <p:nvSpPr>
+                <p:cNvPr id="647" name="Google Shape;647;p35">
+                  <a:extLst>
+                    <a:ext uri="{FF2B5EF4-FFF2-40B4-BE49-F238E27FC236}">
+                      <a16:creationId xmlns:a16="http://schemas.microsoft.com/office/drawing/2014/main" id="{987A9D42-A290-216A-91D5-F0C621B7C12E}"/>
+                    </a:ext>
+                  </a:extLst>
+                </p:cNvPr>
+                <p:cNvSpPr/>
+                <p:nvPr/>
+              </p:nvSpPr>
+              <p:spPr>
+                <a:xfrm>
+                  <a:off x="5763617" y="3060458"/>
+                  <a:ext cx="887494" cy="256891"/>
+                </a:xfrm>
+                <a:custGeom>
+                  <a:avLst/>
+                  <a:gdLst/>
+                  <a:ahLst/>
+                  <a:cxnLst/>
+                  <a:rect l="l" t="t" r="r" b="b"/>
+                  <a:pathLst>
+                    <a:path w="887494" h="256891" extrusionOk="0">
+                      <a:moveTo>
+                        <a:pt x="887495" y="256892"/>
+                      </a:moveTo>
+                      <a:lnTo>
+                        <a:pt x="0" y="256819"/>
+                      </a:lnTo>
+                      <a:lnTo>
+                        <a:pt x="9024" y="0"/>
+                      </a:lnTo>
+                      <a:lnTo>
+                        <a:pt x="875341" y="0"/>
+                      </a:lnTo>
+                      <a:close/>
+                    </a:path>
+                  </a:pathLst>
+                </a:custGeom>
+                <a:solidFill>
+                  <a:schemeClr val="dk1"/>
+                </a:solidFill>
+                <a:ln w="9525" cap="flat" cmpd="sng">
+                  <a:solidFill>
+                    <a:schemeClr val="dk1"/>
+                  </a:solidFill>
+                  <a:prstDash val="solid"/>
+                  <a:round/>
+                  <a:headEnd type="none" w="sm" len="sm"/>
+                  <a:tailEnd type="none" w="sm" len="sm"/>
+                </a:ln>
+              </p:spPr>
+              <p:txBody>
+                <a:bodyPr spcFirstLastPara="1" wrap="square" lIns="91425" tIns="45700" rIns="91425" bIns="45700" anchor="ctr" anchorCtr="0">
+                  <a:noAutofit/>
+                </a:bodyPr>
+                <a:lstStyle/>
+                <a:p>
+                  <a:pPr marL="0" marR="0" lvl="0" indent="0" algn="l" rtl="0">
+                    <a:spcBef>
+                      <a:spcPts val="0"/>
+                    </a:spcBef>
+                    <a:spcAft>
+                      <a:spcPts val="0"/>
+                    </a:spcAft>
+                    <a:buNone/>
+                  </a:pPr>
+                  <a:endParaRPr sz="1800">
+                    <a:solidFill>
+                      <a:srgbClr val="000000"/>
+                    </a:solidFill>
+                    <a:latin typeface="Calibri"/>
+                    <a:ea typeface="Calibri"/>
+                    <a:cs typeface="Calibri"/>
+                    <a:sym typeface="Calibri"/>
+                  </a:endParaRPr>
+                </a:p>
+              </p:txBody>
+            </p:sp>
+          </p:grpSp>
+          <p:sp>
+            <p:nvSpPr>
+              <p:cNvPr id="648" name="Google Shape;648;p35">
+                <a:extLst>
+                  <a:ext uri="{FF2B5EF4-FFF2-40B4-BE49-F238E27FC236}">
+                    <a16:creationId xmlns:a16="http://schemas.microsoft.com/office/drawing/2014/main" id="{1EEF4E82-3B78-3F85-3403-F07469934173}"/>
+                  </a:ext>
+                </a:extLst>
+              </p:cNvPr>
+              <p:cNvSpPr/>
+              <p:nvPr/>
+            </p:nvSpPr>
+            <p:spPr>
+              <a:xfrm>
+                <a:off x="5859753" y="2996853"/>
+                <a:ext cx="115203" cy="7269"/>
+              </a:xfrm>
+              <a:custGeom>
+                <a:avLst/>
+                <a:gdLst/>
+                <a:ahLst/>
+                <a:cxnLst/>
+                <a:rect l="l" t="t" r="r" b="b"/>
+                <a:pathLst>
+                  <a:path w="115203" h="7269" extrusionOk="0">
+                    <a:moveTo>
+                      <a:pt x="0" y="0"/>
+                    </a:moveTo>
+                    <a:lnTo>
+                      <a:pt x="115203" y="0"/>
+                    </a:lnTo>
+                  </a:path>
+                </a:pathLst>
+              </a:custGeom>
+              <a:noFill/>
+              <a:ln w="9525" cap="flat" cmpd="sng">
+                <a:solidFill>
+                  <a:schemeClr val="dk1"/>
+                </a:solidFill>
+                <a:prstDash val="solid"/>
+                <a:miter lim="8000"/>
+                <a:headEnd type="none" w="sm" len="sm"/>
+                <a:tailEnd type="none" w="sm" len="sm"/>
+              </a:ln>
+            </p:spPr>
+            <p:txBody>
+              <a:bodyPr spcFirstLastPara="1" wrap="square" lIns="91425" tIns="45700" rIns="91425" bIns="45700" anchor="ctr" anchorCtr="0">
+                <a:noAutofit/>
+              </a:bodyPr>
+              <a:lstStyle/>
+              <a:p>
+                <a:pPr marL="0" marR="0" lvl="0" indent="0" algn="l" rtl="0">
+                  <a:spcBef>
+                    <a:spcPts val="0"/>
+                  </a:spcBef>
+                  <a:spcAft>
+                    <a:spcPts val="0"/>
+                  </a:spcAft>
+                  <a:buNone/>
+                </a:pPr>
+                <a:endParaRPr sz="1800">
+                  <a:solidFill>
+                    <a:srgbClr val="000000"/>
+                  </a:solidFill>
+                  <a:latin typeface="Calibri"/>
+                  <a:ea typeface="Calibri"/>
+                  <a:cs typeface="Calibri"/>
+                  <a:sym typeface="Calibri"/>
+                </a:endParaRPr>
+              </a:p>
+            </p:txBody>
+          </p:sp>
+          <p:sp>
+            <p:nvSpPr>
+              <p:cNvPr id="649" name="Google Shape;649;p35">
+                <a:extLst>
+                  <a:ext uri="{FF2B5EF4-FFF2-40B4-BE49-F238E27FC236}">
+                    <a16:creationId xmlns:a16="http://schemas.microsoft.com/office/drawing/2014/main" id="{3035866D-0272-DCBD-8475-40E00FE86A79}"/>
+                  </a:ext>
+                </a:extLst>
+              </p:cNvPr>
+              <p:cNvSpPr/>
+              <p:nvPr/>
+            </p:nvSpPr>
+            <p:spPr>
+              <a:xfrm>
+                <a:off x="5859753" y="2921763"/>
+                <a:ext cx="7277" cy="46595"/>
+              </a:xfrm>
+              <a:custGeom>
+                <a:avLst/>
+                <a:gdLst/>
+                <a:ahLst/>
+                <a:cxnLst/>
+                <a:rect l="l" t="t" r="r" b="b"/>
+                <a:pathLst>
+                  <a:path w="7277" h="46595" extrusionOk="0">
+                    <a:moveTo>
+                      <a:pt x="0" y="0"/>
+                    </a:moveTo>
+                    <a:lnTo>
+                      <a:pt x="0" y="46595"/>
+                    </a:lnTo>
+                  </a:path>
+                </a:pathLst>
+              </a:custGeom>
+              <a:noFill/>
+              <a:ln w="9525" cap="flat" cmpd="sng">
+                <a:solidFill>
+                  <a:schemeClr val="dk1"/>
+                </a:solidFill>
+                <a:prstDash val="solid"/>
+                <a:miter lim="8000"/>
+                <a:headEnd type="none" w="sm" len="sm"/>
+                <a:tailEnd type="none" w="sm" len="sm"/>
+              </a:ln>
+            </p:spPr>
+            <p:txBody>
+              <a:bodyPr spcFirstLastPara="1" wrap="square" lIns="91425" tIns="45700" rIns="91425" bIns="45700" anchor="ctr" anchorCtr="0">
+                <a:noAutofit/>
+              </a:bodyPr>
+              <a:lstStyle/>
+              <a:p>
+                <a:pPr marL="0" marR="0" lvl="0" indent="0" algn="l" rtl="0">
+                  <a:spcBef>
+                    <a:spcPts val="0"/>
+                  </a:spcBef>
+                  <a:spcAft>
+                    <a:spcPts val="0"/>
+                  </a:spcAft>
+                  <a:buNone/>
+                </a:pPr>
+                <a:endParaRPr sz="1800">
+                  <a:solidFill>
+                    <a:srgbClr val="000000"/>
+                  </a:solidFill>
+                  <a:latin typeface="Calibri"/>
+                  <a:ea typeface="Calibri"/>
+                  <a:cs typeface="Calibri"/>
+                  <a:sym typeface="Calibri"/>
+                </a:endParaRPr>
+              </a:p>
+            </p:txBody>
+          </p:sp>
+          <p:sp>
+            <p:nvSpPr>
+              <p:cNvPr id="650" name="Google Shape;650;p35">
+                <a:extLst>
+                  <a:ext uri="{FF2B5EF4-FFF2-40B4-BE49-F238E27FC236}">
+                    <a16:creationId xmlns:a16="http://schemas.microsoft.com/office/drawing/2014/main" id="{BE781C78-ACE2-C6A8-D662-01DCA145E48E}"/>
+                  </a:ext>
+                </a:extLst>
+              </p:cNvPr>
+              <p:cNvSpPr/>
+              <p:nvPr/>
+            </p:nvSpPr>
+            <p:spPr>
+              <a:xfrm>
+                <a:off x="5859753" y="2867317"/>
+                <a:ext cx="7277" cy="54445"/>
+              </a:xfrm>
+              <a:custGeom>
+                <a:avLst/>
+                <a:gdLst/>
+                <a:ahLst/>
+                <a:cxnLst/>
+                <a:rect l="l" t="t" r="r" b="b"/>
+                <a:pathLst>
+                  <a:path w="7277" h="54445" extrusionOk="0">
+                    <a:moveTo>
+                      <a:pt x="0" y="0"/>
+                    </a:moveTo>
+                    <a:lnTo>
+                      <a:pt x="0" y="54446"/>
+                    </a:lnTo>
+                  </a:path>
+                </a:pathLst>
+              </a:custGeom>
+              <a:noFill/>
+              <a:ln w="9525" cap="flat" cmpd="sng">
+                <a:solidFill>
+                  <a:schemeClr val="dk1"/>
+                </a:solidFill>
+                <a:prstDash val="solid"/>
+                <a:miter lim="8000"/>
+                <a:headEnd type="none" w="sm" len="sm"/>
+                <a:tailEnd type="none" w="sm" len="sm"/>
+              </a:ln>
+            </p:spPr>
+            <p:txBody>
+              <a:bodyPr spcFirstLastPara="1" wrap="square" lIns="91425" tIns="45700" rIns="91425" bIns="45700" anchor="ctr" anchorCtr="0">
+                <a:noAutofit/>
+              </a:bodyPr>
+              <a:lstStyle/>
+              <a:p>
+                <a:pPr marL="0" marR="0" lvl="0" indent="0" algn="l" rtl="0">
+                  <a:spcBef>
+                    <a:spcPts val="0"/>
+                  </a:spcBef>
+                  <a:spcAft>
+                    <a:spcPts val="0"/>
+                  </a:spcAft>
+                  <a:buNone/>
+                </a:pPr>
+                <a:endParaRPr sz="1800">
+                  <a:solidFill>
+                    <a:srgbClr val="000000"/>
+                  </a:solidFill>
+                  <a:latin typeface="Calibri"/>
+                  <a:ea typeface="Calibri"/>
+                  <a:cs typeface="Calibri"/>
+                  <a:sym typeface="Calibri"/>
+                </a:endParaRPr>
+              </a:p>
+            </p:txBody>
+          </p:sp>
+        </p:grpSp>
+        <p:grpSp>
+          <p:nvGrpSpPr>
+            <p:cNvPr id="651" name="Google Shape;651;p35">
+              <a:extLst>
+                <a:ext uri="{FF2B5EF4-FFF2-40B4-BE49-F238E27FC236}">
+                  <a16:creationId xmlns:a16="http://schemas.microsoft.com/office/drawing/2014/main" id="{49CE8651-8BE4-FCD8-F116-1A2098DD6851}"/>
+                </a:ext>
+              </a:extLst>
+            </p:cNvPr>
+            <p:cNvGrpSpPr/>
+            <p:nvPr/>
+          </p:nvGrpSpPr>
+          <p:grpSpPr>
+            <a:xfrm>
+              <a:off x="7943400" y="3643848"/>
+              <a:ext cx="302735" cy="593096"/>
+              <a:chOff x="7943400" y="3643848"/>
+              <a:chExt cx="302735" cy="593096"/>
+            </a:xfrm>
+          </p:grpSpPr>
+          <p:sp>
+            <p:nvSpPr>
+              <p:cNvPr id="652" name="Google Shape;652;p35">
+                <a:extLst>
+                  <a:ext uri="{FF2B5EF4-FFF2-40B4-BE49-F238E27FC236}">
+                    <a16:creationId xmlns:a16="http://schemas.microsoft.com/office/drawing/2014/main" id="{52453FAA-64D5-57BD-999F-4704696802DE}"/>
+                  </a:ext>
+                </a:extLst>
+              </p:cNvPr>
+              <p:cNvSpPr/>
+              <p:nvPr/>
+            </p:nvSpPr>
+            <p:spPr>
+              <a:xfrm>
+                <a:off x="7965828" y="3643848"/>
+                <a:ext cx="280307" cy="280154"/>
+              </a:xfrm>
+              <a:custGeom>
+                <a:avLst/>
+                <a:gdLst/>
+                <a:ahLst/>
+                <a:cxnLst/>
+                <a:rect l="l" t="t" r="r" b="b"/>
+                <a:pathLst>
+                  <a:path w="357079" h="356884" extrusionOk="0">
+                    <a:moveTo>
+                      <a:pt x="178540" y="356885"/>
+                    </a:moveTo>
+                    <a:lnTo>
+                      <a:pt x="178540" y="356885"/>
+                    </a:lnTo>
+                    <a:cubicBezTo>
+                      <a:pt x="79923" y="356885"/>
+                      <a:pt x="0" y="277005"/>
+                      <a:pt x="0" y="178443"/>
+                    </a:cubicBezTo>
+                    <a:lnTo>
+                      <a:pt x="0" y="178443"/>
+                    </a:lnTo>
+                    <a:cubicBezTo>
+                      <a:pt x="0" y="79880"/>
+                      <a:pt x="79923" y="0"/>
+                      <a:pt x="178540" y="0"/>
+                    </a:cubicBezTo>
+                    <a:lnTo>
+                      <a:pt x="178540" y="0"/>
+                    </a:lnTo>
+                    <a:cubicBezTo>
+                      <a:pt x="277156" y="0"/>
+                      <a:pt x="357079" y="79880"/>
+                      <a:pt x="357079" y="178443"/>
+                    </a:cubicBezTo>
+                    <a:lnTo>
+                      <a:pt x="357079" y="178443"/>
+                    </a:lnTo>
+                    <a:cubicBezTo>
+                      <a:pt x="357079" y="277005"/>
+                      <a:pt x="277156" y="356885"/>
+                      <a:pt x="178540" y="356885"/>
+                    </a:cubicBezTo>
+                    <a:close/>
+                  </a:path>
+                </a:pathLst>
+              </a:custGeom>
+              <a:solidFill>
+                <a:schemeClr val="accent1"/>
+              </a:solidFill>
+              <a:ln w="9525" cap="flat" cmpd="sng">
+                <a:solidFill>
+                  <a:schemeClr val="dk1"/>
+                </a:solidFill>
+                <a:prstDash val="solid"/>
+                <a:miter lim="8000"/>
+                <a:headEnd type="none" w="sm" len="sm"/>
+                <a:tailEnd type="none" w="sm" len="sm"/>
+              </a:ln>
+            </p:spPr>
+            <p:txBody>
+              <a:bodyPr spcFirstLastPara="1" wrap="square" lIns="91425" tIns="45700" rIns="91425" bIns="45700" anchor="ctr" anchorCtr="0">
+                <a:noAutofit/>
+              </a:bodyPr>
+              <a:lstStyle/>
+              <a:p>
+                <a:pPr marL="0" marR="0" lvl="0" indent="0" algn="l" rtl="0">
+                  <a:spcBef>
+                    <a:spcPts val="0"/>
+                  </a:spcBef>
+                  <a:spcAft>
+                    <a:spcPts val="0"/>
+                  </a:spcAft>
+                  <a:buNone/>
+                </a:pPr>
+                <a:endParaRPr sz="1800">
+                  <a:solidFill>
+                    <a:srgbClr val="000000"/>
+                  </a:solidFill>
+                  <a:latin typeface="Calibri"/>
+                  <a:ea typeface="Calibri"/>
+                  <a:cs typeface="Calibri"/>
+                  <a:sym typeface="Calibri"/>
+                </a:endParaRPr>
+              </a:p>
+            </p:txBody>
+          </p:sp>
+          <p:sp>
+            <p:nvSpPr>
+              <p:cNvPr id="653" name="Google Shape;653;p35">
+                <a:extLst>
+                  <a:ext uri="{FF2B5EF4-FFF2-40B4-BE49-F238E27FC236}">
+                    <a16:creationId xmlns:a16="http://schemas.microsoft.com/office/drawing/2014/main" id="{4D6E07E4-EE8D-6DE8-BC92-DFA76B97FC44}"/>
+                  </a:ext>
+                </a:extLst>
+              </p:cNvPr>
+              <p:cNvSpPr/>
+              <p:nvPr/>
+            </p:nvSpPr>
+            <p:spPr>
+              <a:xfrm>
+                <a:off x="8066852" y="3699264"/>
+                <a:ext cx="78276" cy="169364"/>
+              </a:xfrm>
+              <a:custGeom>
+                <a:avLst/>
+                <a:gdLst/>
+                <a:ahLst/>
+                <a:cxnLst/>
+                <a:rect l="l" t="t" r="r" b="b"/>
+                <a:pathLst>
+                  <a:path w="99715" h="215750" extrusionOk="0">
+                    <a:moveTo>
+                      <a:pt x="22686" y="215750"/>
+                    </a:moveTo>
+                    <a:lnTo>
+                      <a:pt x="66149" y="215750"/>
+                    </a:lnTo>
+                    <a:lnTo>
+                      <a:pt x="66149" y="106950"/>
+                    </a:lnTo>
+                    <a:lnTo>
+                      <a:pt x="96475" y="106950"/>
+                    </a:lnTo>
+                    <a:lnTo>
+                      <a:pt x="99716" y="70509"/>
+                    </a:lnTo>
+                    <a:lnTo>
+                      <a:pt x="66149" y="70509"/>
+                    </a:lnTo>
+                    <a:cubicBezTo>
+                      <a:pt x="66149" y="70509"/>
+                      <a:pt x="66149" y="56916"/>
+                      <a:pt x="66149" y="49744"/>
+                    </a:cubicBezTo>
+                    <a:cubicBezTo>
+                      <a:pt x="66149" y="41183"/>
+                      <a:pt x="67885" y="37771"/>
+                      <a:pt x="76161" y="37771"/>
+                    </a:cubicBezTo>
+                    <a:cubicBezTo>
+                      <a:pt x="82875" y="37771"/>
+                      <a:pt x="99658" y="37771"/>
+                      <a:pt x="99658" y="37771"/>
+                    </a:cubicBezTo>
+                    <a:lnTo>
+                      <a:pt x="99658" y="0"/>
+                    </a:lnTo>
+                    <a:cubicBezTo>
+                      <a:pt x="99658" y="0"/>
+                      <a:pt x="74888" y="0"/>
+                      <a:pt x="69564" y="0"/>
+                    </a:cubicBezTo>
+                    <a:cubicBezTo>
+                      <a:pt x="37213" y="0"/>
+                      <a:pt x="22629" y="14229"/>
+                      <a:pt x="22629" y="41473"/>
+                    </a:cubicBezTo>
+                    <a:cubicBezTo>
+                      <a:pt x="22629" y="65188"/>
+                      <a:pt x="22629" y="70509"/>
+                      <a:pt x="22629" y="70509"/>
+                    </a:cubicBezTo>
+                    <a:lnTo>
+                      <a:pt x="0" y="70509"/>
+                    </a:lnTo>
+                    <a:lnTo>
+                      <a:pt x="0" y="107413"/>
+                    </a:lnTo>
+                    <a:lnTo>
+                      <a:pt x="22629" y="107413"/>
+                    </a:lnTo>
+                    <a:lnTo>
+                      <a:pt x="22629" y="215750"/>
+                    </a:lnTo>
+                    <a:close/>
+                  </a:path>
+                </a:pathLst>
+              </a:custGeom>
+              <a:solidFill>
+                <a:schemeClr val="lt1"/>
+              </a:solidFill>
+              <a:ln w="9525" cap="flat" cmpd="sng">
+                <a:solidFill>
+                  <a:schemeClr val="dk1"/>
+                </a:solidFill>
+                <a:prstDash val="solid"/>
+                <a:round/>
+                <a:headEnd type="none" w="sm" len="sm"/>
+                <a:tailEnd type="none" w="sm" len="sm"/>
+              </a:ln>
+            </p:spPr>
+            <p:txBody>
+              <a:bodyPr spcFirstLastPara="1" wrap="square" lIns="91425" tIns="45700" rIns="91425" bIns="45700" anchor="ctr" anchorCtr="0">
+                <a:noAutofit/>
+              </a:bodyPr>
+              <a:lstStyle/>
+              <a:p>
+                <a:pPr marL="0" marR="0" lvl="0" indent="0" algn="l" rtl="0">
+                  <a:spcBef>
+                    <a:spcPts val="0"/>
+                  </a:spcBef>
+                  <a:spcAft>
+                    <a:spcPts val="0"/>
+                  </a:spcAft>
+                  <a:buNone/>
+                </a:pPr>
+                <a:endParaRPr sz="1800">
+                  <a:solidFill>
+                    <a:srgbClr val="000000"/>
+                  </a:solidFill>
+                  <a:latin typeface="Calibri"/>
+                  <a:ea typeface="Calibri"/>
+                  <a:cs typeface="Calibri"/>
+                  <a:sym typeface="Calibri"/>
+                </a:endParaRPr>
+              </a:p>
+            </p:txBody>
+          </p:sp>
+          <p:sp>
+            <p:nvSpPr>
+              <p:cNvPr id="654" name="Google Shape;654;p35">
+                <a:extLst>
+                  <a:ext uri="{FF2B5EF4-FFF2-40B4-BE49-F238E27FC236}">
+                    <a16:creationId xmlns:a16="http://schemas.microsoft.com/office/drawing/2014/main" id="{23E117FB-579A-28B1-C2D6-37C568EEDDE2}"/>
+                  </a:ext>
+                </a:extLst>
+              </p:cNvPr>
+              <p:cNvSpPr/>
+              <p:nvPr/>
+            </p:nvSpPr>
+            <p:spPr>
+              <a:xfrm>
+                <a:off x="7943400" y="3957198"/>
+                <a:ext cx="279898" cy="279747"/>
+              </a:xfrm>
+              <a:custGeom>
+                <a:avLst/>
+                <a:gdLst/>
+                <a:ahLst/>
+                <a:cxnLst/>
+                <a:rect l="l" t="t" r="r" b="b"/>
+                <a:pathLst>
+                  <a:path w="356558" h="356365" extrusionOk="0">
+                    <a:moveTo>
+                      <a:pt x="171161" y="356220"/>
+                    </a:moveTo>
+                    <a:lnTo>
+                      <a:pt x="171161" y="356220"/>
+                    </a:lnTo>
+                    <a:cubicBezTo>
+                      <a:pt x="72776" y="352287"/>
+                      <a:pt x="-3790" y="269399"/>
+                      <a:pt x="145" y="171068"/>
+                    </a:cubicBezTo>
+                    <a:lnTo>
+                      <a:pt x="145" y="171068"/>
+                    </a:lnTo>
+                    <a:cubicBezTo>
+                      <a:pt x="4081" y="72737"/>
+                      <a:pt x="87013" y="-3788"/>
+                      <a:pt x="185398" y="145"/>
+                    </a:cubicBezTo>
+                    <a:lnTo>
+                      <a:pt x="185398" y="145"/>
+                    </a:lnTo>
+                    <a:cubicBezTo>
+                      <a:pt x="283783" y="4078"/>
+                      <a:pt x="360349" y="86966"/>
+                      <a:pt x="356414" y="185297"/>
+                    </a:cubicBezTo>
+                    <a:lnTo>
+                      <a:pt x="356414" y="185297"/>
+                    </a:lnTo>
+                    <a:cubicBezTo>
+                      <a:pt x="352478" y="283629"/>
+                      <a:pt x="269546" y="360153"/>
+                      <a:pt x="171161" y="356220"/>
+                    </a:cubicBezTo>
+                    <a:close/>
+                  </a:path>
+                </a:pathLst>
+              </a:custGeom>
+              <a:solidFill>
+                <a:schemeClr val="dk1"/>
+              </a:solidFill>
+              <a:ln w="9525" cap="flat" cmpd="sng">
+                <a:solidFill>
+                  <a:schemeClr val="dk1"/>
+                </a:solidFill>
+                <a:prstDash val="solid"/>
+                <a:round/>
+                <a:headEnd type="none" w="sm" len="sm"/>
+                <a:tailEnd type="none" w="sm" len="sm"/>
+              </a:ln>
+            </p:spPr>
+            <p:txBody>
+              <a:bodyPr spcFirstLastPara="1" wrap="square" lIns="91425" tIns="45700" rIns="91425" bIns="45700" anchor="ctr" anchorCtr="0">
+                <a:noAutofit/>
+              </a:bodyPr>
+              <a:lstStyle/>
+              <a:p>
+                <a:pPr marL="0" marR="0" lvl="0" indent="0" algn="l" rtl="0">
+                  <a:spcBef>
+                    <a:spcPts val="0"/>
+                  </a:spcBef>
+                  <a:spcAft>
+                    <a:spcPts val="0"/>
+                  </a:spcAft>
+                  <a:buNone/>
+                </a:pPr>
+                <a:endParaRPr sz="1800">
+                  <a:solidFill>
+                    <a:srgbClr val="000000"/>
+                  </a:solidFill>
+                  <a:latin typeface="Calibri"/>
+                  <a:ea typeface="Calibri"/>
+                  <a:cs typeface="Calibri"/>
+                  <a:sym typeface="Calibri"/>
+                </a:endParaRPr>
+              </a:p>
+            </p:txBody>
+          </p:sp>
+          <p:grpSp>
+            <p:nvGrpSpPr>
+              <p:cNvPr id="655" name="Google Shape;655;p35">
+                <a:extLst>
+                  <a:ext uri="{FF2B5EF4-FFF2-40B4-BE49-F238E27FC236}">
+                    <a16:creationId xmlns:a16="http://schemas.microsoft.com/office/drawing/2014/main" id="{3FECCE22-7CB0-E7AC-3F56-0A4F257286D5}"/>
+                  </a:ext>
+                </a:extLst>
+              </p:cNvPr>
+              <p:cNvGrpSpPr/>
+              <p:nvPr/>
+            </p:nvGrpSpPr>
+            <p:grpSpPr>
+              <a:xfrm>
+                <a:off x="8005962" y="4019659"/>
+                <a:ext cx="155092" cy="155008"/>
+                <a:chOff x="3284686" y="4818116"/>
+                <a:chExt cx="197494" cy="197387"/>
+              </a:xfrm>
+            </p:grpSpPr>
+            <p:sp>
+              <p:nvSpPr>
+                <p:cNvPr id="656" name="Google Shape;656;p35">
+                  <a:extLst>
+                    <a:ext uri="{FF2B5EF4-FFF2-40B4-BE49-F238E27FC236}">
+                      <a16:creationId xmlns:a16="http://schemas.microsoft.com/office/drawing/2014/main" id="{393F6E73-19EB-990F-990D-9475B98C76D8}"/>
+                    </a:ext>
+                  </a:extLst>
+                </p:cNvPr>
+                <p:cNvSpPr/>
+                <p:nvPr/>
+              </p:nvSpPr>
+              <p:spPr>
+                <a:xfrm>
+                  <a:off x="3284686" y="4818116"/>
+                  <a:ext cx="197494" cy="197387"/>
+                </a:xfrm>
+                <a:custGeom>
+                  <a:avLst/>
+                  <a:gdLst/>
+                  <a:ahLst/>
+                  <a:cxnLst/>
+                  <a:rect l="l" t="t" r="r" b="b"/>
+                  <a:pathLst>
+                    <a:path w="197494" h="197387" extrusionOk="0">
+                      <a:moveTo>
+                        <a:pt x="101988" y="18641"/>
+                      </a:moveTo>
+                      <a:cubicBezTo>
+                        <a:pt x="128089" y="19682"/>
+                        <a:pt x="131157" y="19913"/>
+                        <a:pt x="141458" y="20781"/>
+                      </a:cubicBezTo>
+                      <a:cubicBezTo>
+                        <a:pt x="150949" y="21591"/>
+                        <a:pt x="156100" y="23384"/>
+                        <a:pt x="159457" y="24888"/>
+                      </a:cubicBezTo>
+                      <a:cubicBezTo>
+                        <a:pt x="163971" y="26854"/>
+                        <a:pt x="167096" y="29110"/>
+                        <a:pt x="170395" y="32638"/>
+                      </a:cubicBezTo>
+                      <a:cubicBezTo>
+                        <a:pt x="173693" y="36166"/>
+                        <a:pt x="175661" y="39521"/>
+                        <a:pt x="177224" y="44149"/>
+                      </a:cubicBezTo>
+                      <a:cubicBezTo>
+                        <a:pt x="178439" y="47619"/>
+                        <a:pt x="179828" y="52883"/>
+                        <a:pt x="179886" y="62427"/>
+                      </a:cubicBezTo>
+                      <a:cubicBezTo>
+                        <a:pt x="179944" y="72723"/>
+                        <a:pt x="179944" y="75846"/>
+                        <a:pt x="178902" y="101875"/>
+                      </a:cubicBezTo>
+                      <a:cubicBezTo>
+                        <a:pt x="177860" y="127962"/>
+                        <a:pt x="177629" y="131027"/>
+                        <a:pt x="176761" y="141323"/>
+                      </a:cubicBezTo>
+                      <a:cubicBezTo>
+                        <a:pt x="175951" y="150809"/>
+                        <a:pt x="174157" y="155957"/>
+                        <a:pt x="172652" y="159312"/>
+                      </a:cubicBezTo>
+                      <a:cubicBezTo>
+                        <a:pt x="170684" y="163824"/>
+                        <a:pt x="168427" y="166947"/>
+                        <a:pt x="164897" y="170244"/>
+                      </a:cubicBezTo>
+                      <a:cubicBezTo>
+                        <a:pt x="161366" y="173541"/>
+                        <a:pt x="158010" y="175508"/>
+                        <a:pt x="153380" y="177070"/>
+                      </a:cubicBezTo>
+                      <a:cubicBezTo>
+                        <a:pt x="149908" y="178284"/>
+                        <a:pt x="144641" y="179672"/>
+                        <a:pt x="135092" y="179730"/>
+                      </a:cubicBezTo>
+                      <a:cubicBezTo>
+                        <a:pt x="124790" y="179788"/>
+                        <a:pt x="121665" y="179788"/>
+                        <a:pt x="95622" y="178689"/>
+                      </a:cubicBezTo>
+                      <a:cubicBezTo>
+                        <a:pt x="69521" y="177648"/>
+                        <a:pt x="66454" y="177417"/>
+                        <a:pt x="56153" y="176549"/>
+                      </a:cubicBezTo>
+                      <a:cubicBezTo>
+                        <a:pt x="46661" y="175739"/>
+                        <a:pt x="41511" y="173946"/>
+                        <a:pt x="38154" y="172442"/>
+                      </a:cubicBezTo>
+                      <a:cubicBezTo>
+                        <a:pt x="33640" y="170476"/>
+                        <a:pt x="30515" y="168220"/>
+                        <a:pt x="27216" y="164691"/>
+                      </a:cubicBezTo>
+                      <a:cubicBezTo>
+                        <a:pt x="23917" y="161163"/>
+                        <a:pt x="21949" y="157808"/>
+                        <a:pt x="20387" y="153181"/>
+                      </a:cubicBezTo>
+                      <a:cubicBezTo>
+                        <a:pt x="19171" y="149710"/>
+                        <a:pt x="17783" y="144447"/>
+                        <a:pt x="17725" y="134903"/>
+                      </a:cubicBezTo>
+                      <a:cubicBezTo>
+                        <a:pt x="17667" y="124607"/>
+                        <a:pt x="17667" y="121483"/>
+                        <a:pt x="18709" y="95454"/>
+                      </a:cubicBezTo>
+                      <a:cubicBezTo>
+                        <a:pt x="19750" y="69368"/>
+                        <a:pt x="19982" y="66302"/>
+                        <a:pt x="20850" y="56007"/>
+                      </a:cubicBezTo>
+                      <a:cubicBezTo>
+                        <a:pt x="21660" y="46520"/>
+                        <a:pt x="23454" y="41372"/>
+                        <a:pt x="24959" y="38017"/>
+                      </a:cubicBezTo>
+                      <a:cubicBezTo>
+                        <a:pt x="26927" y="33506"/>
+                        <a:pt x="29184" y="30382"/>
+                        <a:pt x="32714" y="27086"/>
+                      </a:cubicBezTo>
+                      <a:cubicBezTo>
+                        <a:pt x="36244" y="23789"/>
+                        <a:pt x="39601" y="21822"/>
+                        <a:pt x="44231" y="20260"/>
+                      </a:cubicBezTo>
+                      <a:cubicBezTo>
+                        <a:pt x="47703" y="19045"/>
+                        <a:pt x="52970" y="17657"/>
+                        <a:pt x="62519" y="17599"/>
+                      </a:cubicBezTo>
+                      <a:cubicBezTo>
+                        <a:pt x="72820" y="17542"/>
+                        <a:pt x="75945" y="17599"/>
+                        <a:pt x="101988" y="18641"/>
+                      </a:cubicBezTo>
+                      <a:moveTo>
+                        <a:pt x="102683" y="1057"/>
+                      </a:moveTo>
+                      <a:cubicBezTo>
+                        <a:pt x="76177" y="15"/>
+                        <a:pt x="72820" y="-42"/>
+                        <a:pt x="62403" y="15"/>
+                      </a:cubicBezTo>
+                      <a:cubicBezTo>
+                        <a:pt x="51986" y="73"/>
+                        <a:pt x="44809" y="1461"/>
+                        <a:pt x="38501" y="3602"/>
+                      </a:cubicBezTo>
+                      <a:cubicBezTo>
+                        <a:pt x="31961" y="5857"/>
+                        <a:pt x="26406" y="8981"/>
+                        <a:pt x="20734" y="14187"/>
+                      </a:cubicBezTo>
+                      <a:cubicBezTo>
+                        <a:pt x="15062" y="19392"/>
+                        <a:pt x="11532" y="24714"/>
+                        <a:pt x="8754" y="31019"/>
+                      </a:cubicBezTo>
+                      <a:cubicBezTo>
+                        <a:pt x="6092" y="37150"/>
+                        <a:pt x="4124" y="44149"/>
+                        <a:pt x="3256" y="54561"/>
+                      </a:cubicBezTo>
+                      <a:cubicBezTo>
+                        <a:pt x="2388" y="64972"/>
+                        <a:pt x="2099" y="68269"/>
+                        <a:pt x="1057" y="94760"/>
+                      </a:cubicBezTo>
+                      <a:cubicBezTo>
+                        <a:pt x="15" y="121252"/>
+                        <a:pt x="-43" y="124607"/>
+                        <a:pt x="15" y="135019"/>
+                      </a:cubicBezTo>
+                      <a:cubicBezTo>
+                        <a:pt x="73" y="145430"/>
+                        <a:pt x="1462" y="152602"/>
+                        <a:pt x="3604" y="158907"/>
+                      </a:cubicBezTo>
+                      <a:cubicBezTo>
+                        <a:pt x="5861" y="165443"/>
+                        <a:pt x="8986" y="170996"/>
+                        <a:pt x="14194" y="176665"/>
+                      </a:cubicBezTo>
+                      <a:cubicBezTo>
+                        <a:pt x="19403" y="182333"/>
+                        <a:pt x="24727" y="185861"/>
+                        <a:pt x="31035" y="188638"/>
+                      </a:cubicBezTo>
+                      <a:cubicBezTo>
+                        <a:pt x="37170" y="191299"/>
+                        <a:pt x="44173" y="193207"/>
+                        <a:pt x="54590" y="194133"/>
+                      </a:cubicBezTo>
+                      <a:cubicBezTo>
+                        <a:pt x="65007" y="195001"/>
+                        <a:pt x="68306" y="195290"/>
+                        <a:pt x="94812" y="196331"/>
+                      </a:cubicBezTo>
+                      <a:cubicBezTo>
+                        <a:pt x="121318" y="197372"/>
+                        <a:pt x="124675" y="197430"/>
+                        <a:pt x="135092" y="197372"/>
+                      </a:cubicBezTo>
+                      <a:cubicBezTo>
+                        <a:pt x="145509" y="197314"/>
+                        <a:pt x="152685" y="195926"/>
+                        <a:pt x="158994" y="193786"/>
+                      </a:cubicBezTo>
+                      <a:cubicBezTo>
+                        <a:pt x="165533" y="191530"/>
+                        <a:pt x="171089" y="188407"/>
+                        <a:pt x="176761" y="183201"/>
+                      </a:cubicBezTo>
+                      <a:cubicBezTo>
+                        <a:pt x="182432" y="177995"/>
+                        <a:pt x="185963" y="172674"/>
+                        <a:pt x="188741" y="166369"/>
+                      </a:cubicBezTo>
+                      <a:cubicBezTo>
+                        <a:pt x="191403" y="160238"/>
+                        <a:pt x="193313" y="153239"/>
+                        <a:pt x="194239" y="142827"/>
+                      </a:cubicBezTo>
+                      <a:cubicBezTo>
+                        <a:pt x="195107" y="132416"/>
+                        <a:pt x="195396" y="129119"/>
+                        <a:pt x="196438" y="102627"/>
+                      </a:cubicBezTo>
+                      <a:cubicBezTo>
+                        <a:pt x="197479" y="76135"/>
+                        <a:pt x="197537" y="72781"/>
+                        <a:pt x="197479" y="62369"/>
+                      </a:cubicBezTo>
+                      <a:cubicBezTo>
+                        <a:pt x="197422" y="51958"/>
+                        <a:pt x="196033" y="44785"/>
+                        <a:pt x="193891" y="38480"/>
+                      </a:cubicBezTo>
+                      <a:cubicBezTo>
+                        <a:pt x="191634" y="31944"/>
+                        <a:pt x="188509" y="26391"/>
+                        <a:pt x="183300" y="20723"/>
+                      </a:cubicBezTo>
+                      <a:cubicBezTo>
+                        <a:pt x="178092" y="15054"/>
+                        <a:pt x="172767" y="11526"/>
+                        <a:pt x="166459" y="8749"/>
+                      </a:cubicBezTo>
+                      <a:cubicBezTo>
+                        <a:pt x="160325" y="6089"/>
+                        <a:pt x="153322" y="4180"/>
+                        <a:pt x="142905" y="3254"/>
+                      </a:cubicBezTo>
+                      <a:cubicBezTo>
+                        <a:pt x="132546" y="2329"/>
+                        <a:pt x="129247" y="2098"/>
+                        <a:pt x="102683" y="1057"/>
+                      </a:cubicBezTo>
+                    </a:path>
+                  </a:pathLst>
+                </a:custGeom>
+                <a:solidFill>
+                  <a:schemeClr val="lt1"/>
+                </a:solidFill>
+                <a:ln>
+                  <a:noFill/>
+                </a:ln>
+              </p:spPr>
+              <p:txBody>
+                <a:bodyPr spcFirstLastPara="1" wrap="square" lIns="91425" tIns="45700" rIns="91425" bIns="45700" anchor="ctr" anchorCtr="0">
+                  <a:noAutofit/>
+                </a:bodyPr>
+                <a:lstStyle/>
+                <a:p>
+                  <a:pPr marL="0" marR="0" lvl="0" indent="0" algn="l" rtl="0">
+                    <a:spcBef>
+                      <a:spcPts val="0"/>
+                    </a:spcBef>
+                    <a:spcAft>
+                      <a:spcPts val="0"/>
+                    </a:spcAft>
+                    <a:buNone/>
+                  </a:pPr>
+                  <a:endParaRPr sz="1800">
+                    <a:solidFill>
+                      <a:srgbClr val="000000"/>
+                    </a:solidFill>
+                    <a:latin typeface="Calibri"/>
+                    <a:ea typeface="Calibri"/>
+                    <a:cs typeface="Calibri"/>
+                    <a:sym typeface="Calibri"/>
+                  </a:endParaRPr>
+                </a:p>
+              </p:txBody>
+            </p:sp>
+            <p:sp>
+              <p:nvSpPr>
+                <p:cNvPr id="657" name="Google Shape;657;p35">
+                  <a:extLst>
+                    <a:ext uri="{FF2B5EF4-FFF2-40B4-BE49-F238E27FC236}">
+                      <a16:creationId xmlns:a16="http://schemas.microsoft.com/office/drawing/2014/main" id="{58F19CE8-62AA-54D2-A88B-E7124E6FC50A}"/>
+                    </a:ext>
+                  </a:extLst>
+                </p:cNvPr>
+                <p:cNvSpPr/>
+                <p:nvPr/>
+              </p:nvSpPr>
+              <p:spPr>
+                <a:xfrm>
+                  <a:off x="3333332" y="4866621"/>
+                  <a:ext cx="100375" cy="100320"/>
+                </a:xfrm>
+                <a:custGeom>
+                  <a:avLst/>
+                  <a:gdLst/>
+                  <a:ahLst/>
+                  <a:cxnLst/>
+                  <a:rect l="l" t="t" r="r" b="b"/>
+                  <a:pathLst>
+                    <a:path w="100375" h="100320" extrusionOk="0">
+                      <a:moveTo>
+                        <a:pt x="52184" y="40"/>
+                      </a:moveTo>
+                      <a:cubicBezTo>
+                        <a:pt x="24463" y="-1059"/>
+                        <a:pt x="1140" y="20459"/>
+                        <a:pt x="40" y="48165"/>
+                      </a:cubicBezTo>
+                      <a:cubicBezTo>
+                        <a:pt x="-1059" y="75871"/>
+                        <a:pt x="20470" y="99181"/>
+                        <a:pt x="48191" y="100280"/>
+                      </a:cubicBezTo>
+                      <a:cubicBezTo>
+                        <a:pt x="75912" y="101380"/>
+                        <a:pt x="99235" y="79862"/>
+                        <a:pt x="100335" y="52156"/>
+                      </a:cubicBezTo>
+                      <a:cubicBezTo>
+                        <a:pt x="101435" y="24450"/>
+                        <a:pt x="79848" y="1139"/>
+                        <a:pt x="52184" y="40"/>
+                      </a:cubicBezTo>
+                      <a:moveTo>
+                        <a:pt x="48828" y="82697"/>
+                      </a:moveTo>
+                      <a:cubicBezTo>
+                        <a:pt x="30829" y="82002"/>
+                        <a:pt x="16824" y="66848"/>
+                        <a:pt x="17576" y="48859"/>
+                      </a:cubicBezTo>
+                      <a:cubicBezTo>
+                        <a:pt x="18270" y="30870"/>
+                        <a:pt x="33433" y="16930"/>
+                        <a:pt x="51432" y="17624"/>
+                      </a:cubicBezTo>
+                      <a:cubicBezTo>
+                        <a:pt x="69431" y="18319"/>
+                        <a:pt x="83378" y="33473"/>
+                        <a:pt x="82684" y="51462"/>
+                      </a:cubicBezTo>
+                      <a:cubicBezTo>
+                        <a:pt x="81989" y="69451"/>
+                        <a:pt x="66826" y="83391"/>
+                        <a:pt x="48828" y="82697"/>
+                      </a:cubicBezTo>
+                    </a:path>
+                  </a:pathLst>
+                </a:custGeom>
+                <a:solidFill>
+                  <a:schemeClr val="lt1"/>
+                </a:solidFill>
+                <a:ln>
+                  <a:noFill/>
+                </a:ln>
+              </p:spPr>
+              <p:txBody>
+                <a:bodyPr spcFirstLastPara="1" wrap="square" lIns="91425" tIns="45700" rIns="91425" bIns="45700" anchor="ctr" anchorCtr="0">
+                  <a:noAutofit/>
+                </a:bodyPr>
+                <a:lstStyle/>
+                <a:p>
+                  <a:pPr marL="0" marR="0" lvl="0" indent="0" algn="l" rtl="0">
+                    <a:spcBef>
+                      <a:spcPts val="0"/>
+                    </a:spcBef>
+                    <a:spcAft>
+                      <a:spcPts val="0"/>
+                    </a:spcAft>
+                    <a:buNone/>
+                  </a:pPr>
+                  <a:endParaRPr sz="1800">
+                    <a:solidFill>
+                      <a:srgbClr val="000000"/>
+                    </a:solidFill>
+                    <a:latin typeface="Calibri"/>
+                    <a:ea typeface="Calibri"/>
+                    <a:cs typeface="Calibri"/>
+                    <a:sym typeface="Calibri"/>
+                  </a:endParaRPr>
+                </a:p>
+              </p:txBody>
+            </p:sp>
+            <p:sp>
+              <p:nvSpPr>
+                <p:cNvPr id="658" name="Google Shape;658;p35">
+                  <a:extLst>
+                    <a:ext uri="{FF2B5EF4-FFF2-40B4-BE49-F238E27FC236}">
+                      <a16:creationId xmlns:a16="http://schemas.microsoft.com/office/drawing/2014/main" id="{1EDD4D1C-EC8C-E3A3-2772-4DCDCC29DB2A}"/>
+                    </a:ext>
+                  </a:extLst>
+                </p:cNvPr>
+                <p:cNvSpPr/>
+                <p:nvPr/>
+              </p:nvSpPr>
+              <p:spPr>
+                <a:xfrm>
+                  <a:off x="3425958" y="4855023"/>
+                  <a:ext cx="23462" cy="23449"/>
+                </a:xfrm>
+                <a:custGeom>
+                  <a:avLst/>
+                  <a:gdLst/>
+                  <a:ahLst/>
+                  <a:cxnLst/>
+                  <a:rect l="l" t="t" r="r" b="b"/>
+                  <a:pathLst>
+                    <a:path w="23462" h="23449" extrusionOk="0">
+                      <a:moveTo>
+                        <a:pt x="23451" y="12217"/>
+                      </a:moveTo>
+                      <a:cubicBezTo>
+                        <a:pt x="23219" y="18695"/>
+                        <a:pt x="17721" y="23727"/>
+                        <a:pt x="11239" y="23438"/>
+                      </a:cubicBezTo>
+                      <a:cubicBezTo>
+                        <a:pt x="4758" y="23207"/>
+                        <a:pt x="-278" y="17711"/>
+                        <a:pt x="12" y="11233"/>
+                      </a:cubicBezTo>
+                      <a:cubicBezTo>
+                        <a:pt x="243" y="4755"/>
+                        <a:pt x="5741" y="-277"/>
+                        <a:pt x="12223" y="12"/>
+                      </a:cubicBezTo>
+                      <a:cubicBezTo>
+                        <a:pt x="18705" y="243"/>
+                        <a:pt x="23740" y="5739"/>
+                        <a:pt x="23451" y="12217"/>
+                      </a:cubicBezTo>
+                    </a:path>
+                  </a:pathLst>
+                </a:custGeom>
+                <a:solidFill>
+                  <a:schemeClr val="lt1"/>
+                </a:solidFill>
+                <a:ln>
+                  <a:noFill/>
+                </a:ln>
+              </p:spPr>
+              <p:txBody>
+                <a:bodyPr spcFirstLastPara="1" wrap="square" lIns="91425" tIns="45700" rIns="91425" bIns="45700" anchor="ctr" anchorCtr="0">
+                  <a:noAutofit/>
+                </a:bodyPr>
+                <a:lstStyle/>
+                <a:p>
+                  <a:pPr marL="0" marR="0" lvl="0" indent="0" algn="l" rtl="0">
+                    <a:spcBef>
+                      <a:spcPts val="0"/>
+                    </a:spcBef>
+                    <a:spcAft>
+                      <a:spcPts val="0"/>
+                    </a:spcAft>
+                    <a:buNone/>
+                  </a:pPr>
+                  <a:endParaRPr sz="1800">
+                    <a:solidFill>
+                      <a:srgbClr val="000000"/>
+                    </a:solidFill>
+                    <a:latin typeface="Calibri"/>
+                    <a:ea typeface="Calibri"/>
+                    <a:cs typeface="Calibri"/>
+                    <a:sym typeface="Calibri"/>
+                  </a:endParaRPr>
+                </a:p>
+              </p:txBody>
+            </p:sp>
+          </p:grpSp>
+        </p:grpSp>
+        <p:grpSp>
+          <p:nvGrpSpPr>
+            <p:cNvPr id="659" name="Google Shape;659;p35">
+              <a:extLst>
+                <a:ext uri="{FF2B5EF4-FFF2-40B4-BE49-F238E27FC236}">
+                  <a16:creationId xmlns:a16="http://schemas.microsoft.com/office/drawing/2014/main" id="{F5787A0D-B652-24EE-B081-1259B6CA512E}"/>
+                </a:ext>
+              </a:extLst>
+            </p:cNvPr>
+            <p:cNvGrpSpPr/>
+            <p:nvPr/>
+          </p:nvGrpSpPr>
+          <p:grpSpPr>
+            <a:xfrm>
+              <a:off x="7691163" y="4303844"/>
+              <a:ext cx="930759" cy="705256"/>
+              <a:chOff x="7755075" y="2724722"/>
+              <a:chExt cx="1009063" cy="764588"/>
+            </a:xfrm>
+          </p:grpSpPr>
+          <p:sp>
+            <p:nvSpPr>
+              <p:cNvPr id="660" name="Google Shape;660;p35">
+                <a:extLst>
+                  <a:ext uri="{FF2B5EF4-FFF2-40B4-BE49-F238E27FC236}">
+                    <a16:creationId xmlns:a16="http://schemas.microsoft.com/office/drawing/2014/main" id="{B21BEDFC-EBFD-197A-935C-8D20E104E456}"/>
+                  </a:ext>
+                </a:extLst>
+              </p:cNvPr>
+              <p:cNvSpPr/>
+              <p:nvPr/>
+            </p:nvSpPr>
+            <p:spPr>
+              <a:xfrm>
+                <a:off x="7926384" y="3310066"/>
+                <a:ext cx="177000" cy="177300"/>
+              </a:xfrm>
+              <a:prstGeom prst="ellipse">
+                <a:avLst/>
+              </a:prstGeom>
+              <a:solidFill>
+                <a:schemeClr val="lt2"/>
+              </a:solidFill>
+              <a:ln>
+                <a:noFill/>
+              </a:ln>
+            </p:spPr>
+            <p:txBody>
+              <a:bodyPr spcFirstLastPara="1" wrap="square" lIns="91425" tIns="91425" rIns="91425" bIns="91425" anchor="ctr" anchorCtr="0">
+                <a:noAutofit/>
+              </a:bodyPr>
+              <a:lstStyle/>
+              <a:p>
+                <a:pPr marL="0" lvl="0" indent="0" algn="ctr" rtl="0">
+                  <a:spcBef>
+                    <a:spcPts val="0"/>
+                  </a:spcBef>
+                  <a:spcAft>
+                    <a:spcPts val="0"/>
+                  </a:spcAft>
+                  <a:buNone/>
+                </a:pPr>
+                <a:endParaRPr>
+                  <a:latin typeface="Montserrat"/>
+                  <a:ea typeface="Montserrat"/>
+                  <a:cs typeface="Montserrat"/>
+                  <a:sym typeface="Montserrat"/>
+                </a:endParaRPr>
+              </a:p>
+            </p:txBody>
+          </p:sp>
+          <p:sp>
+            <p:nvSpPr>
+              <p:cNvPr id="661" name="Google Shape;661;p35">
+                <a:extLst>
+                  <a:ext uri="{FF2B5EF4-FFF2-40B4-BE49-F238E27FC236}">
+                    <a16:creationId xmlns:a16="http://schemas.microsoft.com/office/drawing/2014/main" id="{E89A803E-A2A6-423B-FA60-0E318B6759A7}"/>
+                  </a:ext>
+                </a:extLst>
+              </p:cNvPr>
+              <p:cNvSpPr/>
+              <p:nvPr/>
+            </p:nvSpPr>
+            <p:spPr>
+              <a:xfrm>
+                <a:off x="8356009" y="3310066"/>
+                <a:ext cx="177000" cy="177300"/>
+              </a:xfrm>
+              <a:prstGeom prst="ellipse">
+                <a:avLst/>
+              </a:prstGeom>
+              <a:solidFill>
+                <a:schemeClr val="lt2"/>
+              </a:solidFill>
+              <a:ln>
+                <a:noFill/>
+              </a:ln>
+            </p:spPr>
+            <p:txBody>
+              <a:bodyPr spcFirstLastPara="1" wrap="square" lIns="91425" tIns="91425" rIns="91425" bIns="91425" anchor="ctr" anchorCtr="0">
+                <a:noAutofit/>
+              </a:bodyPr>
+              <a:lstStyle/>
+              <a:p>
+                <a:pPr marL="0" lvl="0" indent="0" algn="ctr" rtl="0">
+                  <a:spcBef>
+                    <a:spcPts val="0"/>
+                  </a:spcBef>
+                  <a:spcAft>
+                    <a:spcPts val="0"/>
+                  </a:spcAft>
+                  <a:buNone/>
+                </a:pPr>
+                <a:endParaRPr>
+                  <a:latin typeface="Montserrat"/>
+                  <a:ea typeface="Montserrat"/>
+                  <a:cs typeface="Montserrat"/>
+                  <a:sym typeface="Montserrat"/>
+                </a:endParaRPr>
+              </a:p>
+            </p:txBody>
+          </p:sp>
+          <p:sp>
+            <p:nvSpPr>
+              <p:cNvPr id="662" name="Google Shape;662;p35">
+                <a:extLst>
+                  <a:ext uri="{FF2B5EF4-FFF2-40B4-BE49-F238E27FC236}">
+                    <a16:creationId xmlns:a16="http://schemas.microsoft.com/office/drawing/2014/main" id="{C15D554E-B591-F630-0A1D-FB98350748F5}"/>
+                  </a:ext>
+                </a:extLst>
+              </p:cNvPr>
+              <p:cNvSpPr/>
+              <p:nvPr/>
+            </p:nvSpPr>
+            <p:spPr>
+              <a:xfrm>
+                <a:off x="7755075" y="2857500"/>
+                <a:ext cx="867650" cy="358475"/>
+              </a:xfrm>
+              <a:custGeom>
+                <a:avLst/>
+                <a:gdLst/>
+                <a:ahLst/>
+                <a:cxnLst/>
+                <a:rect l="l" t="t" r="r" b="b"/>
+                <a:pathLst>
+                  <a:path w="34706" h="14339" extrusionOk="0">
+                    <a:moveTo>
+                      <a:pt x="0" y="0"/>
+                    </a:moveTo>
+                    <a:lnTo>
+                      <a:pt x="5819" y="14339"/>
+                    </a:lnTo>
+                    <a:lnTo>
+                      <a:pt x="31312" y="14339"/>
+                    </a:lnTo>
+                    <a:lnTo>
+                      <a:pt x="34706" y="0"/>
+                    </a:lnTo>
+                    <a:close/>
+                  </a:path>
+                </a:pathLst>
+              </a:custGeom>
+              <a:solidFill>
+                <a:schemeClr val="lt2"/>
+              </a:solidFill>
+              <a:ln w="9525" cap="flat" cmpd="sng">
+                <a:solidFill>
+                  <a:schemeClr val="dk2"/>
+                </a:solidFill>
+                <a:prstDash val="solid"/>
+                <a:round/>
+                <a:headEnd type="none" w="med" len="med"/>
+                <a:tailEnd type="none" w="med" len="med"/>
+              </a:ln>
+            </p:spPr>
+            <p:txBody>
+              <a:bodyPr/>
+              <a:lstStyle/>
+              <a:p>
+                <a:endParaRPr lang="es-EC"/>
+              </a:p>
+            </p:txBody>
+          </p:sp>
+          <p:grpSp>
+            <p:nvGrpSpPr>
+              <p:cNvPr id="663" name="Google Shape;663;p35">
+                <a:extLst>
+                  <a:ext uri="{FF2B5EF4-FFF2-40B4-BE49-F238E27FC236}">
+                    <a16:creationId xmlns:a16="http://schemas.microsoft.com/office/drawing/2014/main" id="{85BEEA66-7B54-5264-4F34-E62519F61B0A}"/>
+                  </a:ext>
+                </a:extLst>
+              </p:cNvPr>
+              <p:cNvGrpSpPr/>
+              <p:nvPr/>
+            </p:nvGrpSpPr>
+            <p:grpSpPr>
+              <a:xfrm>
+                <a:off x="7756044" y="2724722"/>
+                <a:ext cx="1008094" cy="764588"/>
+                <a:chOff x="8281496" y="3831788"/>
+                <a:chExt cx="839099" cy="636414"/>
+              </a:xfrm>
+            </p:grpSpPr>
+            <p:sp>
+              <p:nvSpPr>
+                <p:cNvPr id="664" name="Google Shape;664;p35">
+                  <a:extLst>
+                    <a:ext uri="{FF2B5EF4-FFF2-40B4-BE49-F238E27FC236}">
+                      <a16:creationId xmlns:a16="http://schemas.microsoft.com/office/drawing/2014/main" id="{5617F974-B7F1-FD08-95C4-8CDAD4296CA4}"/>
+                    </a:ext>
+                  </a:extLst>
+                </p:cNvPr>
+                <p:cNvSpPr/>
+                <p:nvPr/>
+              </p:nvSpPr>
+              <p:spPr>
+                <a:xfrm>
+                  <a:off x="8897248" y="3831788"/>
+                  <a:ext cx="223347" cy="501717"/>
+                </a:xfrm>
+                <a:custGeom>
+                  <a:avLst/>
+                  <a:gdLst/>
+                  <a:ahLst/>
+                  <a:cxnLst/>
+                  <a:rect l="l" t="t" r="r" b="b"/>
+                  <a:pathLst>
+                    <a:path w="223347" h="501717" extrusionOk="0">
+                      <a:moveTo>
+                        <a:pt x="0" y="501717"/>
+                      </a:moveTo>
+                      <a:cubicBezTo>
+                        <a:pt x="6186" y="495538"/>
+                        <a:pt x="133106" y="0"/>
+                        <a:pt x="133106" y="0"/>
+                      </a:cubicBezTo>
+                      <a:lnTo>
+                        <a:pt x="223347" y="0"/>
+                      </a:lnTo>
+                    </a:path>
+                  </a:pathLst>
+                </a:custGeom>
+                <a:noFill/>
+                <a:ln w="9525" cap="flat" cmpd="sng">
+                  <a:solidFill>
+                    <a:schemeClr val="dk1"/>
+                  </a:solidFill>
+                  <a:prstDash val="solid"/>
+                  <a:round/>
+                  <a:headEnd type="none" w="sm" len="sm"/>
+                  <a:tailEnd type="none" w="sm" len="sm"/>
+                </a:ln>
+              </p:spPr>
+              <p:txBody>
+                <a:bodyPr spcFirstLastPara="1" wrap="square" lIns="91425" tIns="45700" rIns="91425" bIns="45700" anchor="ctr" anchorCtr="0">
+                  <a:noAutofit/>
+                </a:bodyPr>
+                <a:lstStyle/>
+                <a:p>
+                  <a:pPr marL="0" marR="0" lvl="0" indent="0" algn="l" rtl="0">
+                    <a:spcBef>
+                      <a:spcPts val="0"/>
+                    </a:spcBef>
+                    <a:spcAft>
+                      <a:spcPts val="0"/>
+                    </a:spcAft>
+                    <a:buNone/>
+                  </a:pPr>
+                  <a:endParaRPr sz="1800">
+                    <a:solidFill>
+                      <a:srgbClr val="000000"/>
+                    </a:solidFill>
+                    <a:latin typeface="Calibri"/>
+                    <a:ea typeface="Calibri"/>
+                    <a:cs typeface="Calibri"/>
+                    <a:sym typeface="Calibri"/>
+                  </a:endParaRPr>
+                </a:p>
+              </p:txBody>
+            </p:sp>
+            <p:grpSp>
+              <p:nvGrpSpPr>
+                <p:cNvPr id="665" name="Google Shape;665;p35">
+                  <a:extLst>
+                    <a:ext uri="{FF2B5EF4-FFF2-40B4-BE49-F238E27FC236}">
+                      <a16:creationId xmlns:a16="http://schemas.microsoft.com/office/drawing/2014/main" id="{C8736C7C-CB09-5E9D-06F0-3F9895481E5E}"/>
+                    </a:ext>
+                  </a:extLst>
+                </p:cNvPr>
+                <p:cNvGrpSpPr/>
+                <p:nvPr/>
+              </p:nvGrpSpPr>
+              <p:grpSpPr>
+                <a:xfrm>
+                  <a:off x="8422316" y="4318458"/>
+                  <a:ext cx="504842" cy="149744"/>
+                  <a:chOff x="8422316" y="4318458"/>
+                  <a:chExt cx="504842" cy="149744"/>
+                </a:xfrm>
+              </p:grpSpPr>
+              <p:sp>
+                <p:nvSpPr>
+                  <p:cNvPr id="666" name="Google Shape;666;p35">
+                    <a:extLst>
+                      <a:ext uri="{FF2B5EF4-FFF2-40B4-BE49-F238E27FC236}">
+                        <a16:creationId xmlns:a16="http://schemas.microsoft.com/office/drawing/2014/main" id="{6413C46D-35E8-6570-A359-15B1D470E853}"/>
+                      </a:ext>
+                    </a:extLst>
+                  </p:cNvPr>
+                  <p:cNvSpPr/>
+                  <p:nvPr/>
+                </p:nvSpPr>
+                <p:spPr>
+                  <a:xfrm>
+                    <a:off x="8422316" y="4318458"/>
+                    <a:ext cx="149917" cy="149744"/>
+                  </a:xfrm>
+                  <a:custGeom>
+                    <a:avLst/>
+                    <a:gdLst/>
+                    <a:ahLst/>
+                    <a:cxnLst/>
+                    <a:rect l="l" t="t" r="r" b="b"/>
+                    <a:pathLst>
+                      <a:path w="149917" h="149744" extrusionOk="0">
+                        <a:moveTo>
+                          <a:pt x="149917" y="74872"/>
+                        </a:moveTo>
+                        <a:cubicBezTo>
+                          <a:pt x="149917" y="116223"/>
+                          <a:pt x="116357" y="149745"/>
+                          <a:pt x="74959" y="149745"/>
+                        </a:cubicBezTo>
+                        <a:cubicBezTo>
+                          <a:pt x="33560" y="149745"/>
+                          <a:pt x="0" y="116223"/>
+                          <a:pt x="0" y="74872"/>
+                        </a:cubicBezTo>
+                        <a:cubicBezTo>
+                          <a:pt x="0" y="33521"/>
+                          <a:pt x="33560" y="0"/>
+                          <a:pt x="74959" y="0"/>
+                        </a:cubicBezTo>
+                        <a:cubicBezTo>
+                          <a:pt x="116357" y="0"/>
+                          <a:pt x="149917" y="33521"/>
+                          <a:pt x="149917" y="74872"/>
+                        </a:cubicBezTo>
+                        <a:close/>
+                      </a:path>
+                    </a:pathLst>
+                  </a:custGeom>
+                  <a:solidFill>
+                    <a:schemeClr val="lt1"/>
+                  </a:solidFill>
+                  <a:ln w="9525" cap="flat" cmpd="sng">
+                    <a:solidFill>
+                      <a:schemeClr val="dk1"/>
+                    </a:solidFill>
+                    <a:prstDash val="solid"/>
+                    <a:round/>
+                    <a:headEnd type="none" w="sm" len="sm"/>
+                    <a:tailEnd type="none" w="sm" len="sm"/>
+                  </a:ln>
+                </p:spPr>
+                <p:txBody>
+                  <a:bodyPr spcFirstLastPara="1" wrap="square" lIns="91425" tIns="45700" rIns="91425" bIns="45700" anchor="ctr" anchorCtr="0">
+                    <a:noAutofit/>
+                  </a:bodyPr>
+                  <a:lstStyle/>
+                  <a:p>
+                    <a:pPr marL="0" marR="0" lvl="0" indent="0" algn="l" rtl="0">
+                      <a:spcBef>
+                        <a:spcPts val="0"/>
+                      </a:spcBef>
+                      <a:spcAft>
+                        <a:spcPts val="0"/>
+                      </a:spcAft>
+                      <a:buNone/>
+                    </a:pPr>
+                    <a:endParaRPr sz="1800">
+                      <a:solidFill>
+                        <a:srgbClr val="000000"/>
+                      </a:solidFill>
+                      <a:latin typeface="Calibri"/>
+                      <a:ea typeface="Calibri"/>
+                      <a:cs typeface="Calibri"/>
+                      <a:sym typeface="Calibri"/>
+                    </a:endParaRPr>
+                  </a:p>
+                </p:txBody>
+              </p:sp>
+              <p:sp>
+                <p:nvSpPr>
+                  <p:cNvPr id="667" name="Google Shape;667;p35">
+                    <a:extLst>
+                      <a:ext uri="{FF2B5EF4-FFF2-40B4-BE49-F238E27FC236}">
+                        <a16:creationId xmlns:a16="http://schemas.microsoft.com/office/drawing/2014/main" id="{2BFF6791-4EB1-35E2-D099-2F1430C57F9C}"/>
+                      </a:ext>
+                    </a:extLst>
+                  </p:cNvPr>
+                  <p:cNvSpPr/>
+                  <p:nvPr/>
+                </p:nvSpPr>
+                <p:spPr>
+                  <a:xfrm>
+                    <a:off x="8777241" y="4318458"/>
+                    <a:ext cx="149917" cy="149744"/>
+                  </a:xfrm>
+                  <a:custGeom>
+                    <a:avLst/>
+                    <a:gdLst/>
+                    <a:ahLst/>
+                    <a:cxnLst/>
+                    <a:rect l="l" t="t" r="r" b="b"/>
+                    <a:pathLst>
+                      <a:path w="149917" h="149744" extrusionOk="0">
+                        <a:moveTo>
+                          <a:pt x="149917" y="74872"/>
+                        </a:moveTo>
+                        <a:cubicBezTo>
+                          <a:pt x="149917" y="116223"/>
+                          <a:pt x="116357" y="149745"/>
+                          <a:pt x="74959" y="149745"/>
+                        </a:cubicBezTo>
+                        <a:cubicBezTo>
+                          <a:pt x="33560" y="149745"/>
+                          <a:pt x="0" y="116223"/>
+                          <a:pt x="0" y="74872"/>
+                        </a:cubicBezTo>
+                        <a:cubicBezTo>
+                          <a:pt x="0" y="33521"/>
+                          <a:pt x="33560" y="0"/>
+                          <a:pt x="74959" y="0"/>
+                        </a:cubicBezTo>
+                        <a:cubicBezTo>
+                          <a:pt x="116357" y="0"/>
+                          <a:pt x="149917" y="33521"/>
+                          <a:pt x="149917" y="74872"/>
+                        </a:cubicBezTo>
+                        <a:close/>
+                      </a:path>
+                    </a:pathLst>
+                  </a:custGeom>
+                  <a:solidFill>
+                    <a:schemeClr val="lt1"/>
+                  </a:solidFill>
+                  <a:ln w="9525" cap="flat" cmpd="sng">
+                    <a:solidFill>
+                      <a:schemeClr val="dk1"/>
+                    </a:solidFill>
+                    <a:prstDash val="solid"/>
+                    <a:round/>
+                    <a:headEnd type="none" w="sm" len="sm"/>
+                    <a:tailEnd type="none" w="sm" len="sm"/>
+                  </a:ln>
+                </p:spPr>
+                <p:txBody>
+                  <a:bodyPr spcFirstLastPara="1" wrap="square" lIns="91425" tIns="45700" rIns="91425" bIns="45700" anchor="ctr" anchorCtr="0">
+                    <a:noAutofit/>
+                  </a:bodyPr>
+                  <a:lstStyle/>
+                  <a:p>
+                    <a:pPr marL="0" marR="0" lvl="0" indent="0" algn="l" rtl="0">
+                      <a:spcBef>
+                        <a:spcPts val="0"/>
+                      </a:spcBef>
+                      <a:spcAft>
+                        <a:spcPts val="0"/>
+                      </a:spcAft>
+                      <a:buNone/>
+                    </a:pPr>
+                    <a:endParaRPr sz="1800">
+                      <a:solidFill>
+                        <a:srgbClr val="000000"/>
+                      </a:solidFill>
+                      <a:latin typeface="Calibri"/>
+                      <a:ea typeface="Calibri"/>
+                      <a:cs typeface="Calibri"/>
+                      <a:sym typeface="Calibri"/>
+                    </a:endParaRPr>
+                  </a:p>
+                </p:txBody>
+              </p:sp>
+            </p:grpSp>
+            <p:sp>
+              <p:nvSpPr>
+                <p:cNvPr id="668" name="Google Shape;668;p35">
+                  <a:extLst>
+                    <a:ext uri="{FF2B5EF4-FFF2-40B4-BE49-F238E27FC236}">
+                      <a16:creationId xmlns:a16="http://schemas.microsoft.com/office/drawing/2014/main" id="{0A98C33C-FCD2-1377-A560-238CD899D630}"/>
+                    </a:ext>
+                  </a:extLst>
+                </p:cNvPr>
+                <p:cNvSpPr/>
+                <p:nvPr/>
+              </p:nvSpPr>
+              <p:spPr>
+                <a:xfrm>
+                  <a:off x="8281496" y="3942424"/>
+                  <a:ext cx="713998" cy="297163"/>
+                </a:xfrm>
+                <a:custGeom>
+                  <a:avLst/>
+                  <a:gdLst/>
+                  <a:ahLst/>
+                  <a:cxnLst/>
+                  <a:rect l="l" t="t" r="r" b="b"/>
+                  <a:pathLst>
+                    <a:path w="713998" h="297163" extrusionOk="0">
+                      <a:moveTo>
+                        <a:pt x="645735" y="297163"/>
+                      </a:moveTo>
+                      <a:lnTo>
+                        <a:pt x="116950" y="297163"/>
+                      </a:lnTo>
+                      <a:lnTo>
+                        <a:pt x="0" y="0"/>
+                      </a:lnTo>
+                      <a:lnTo>
+                        <a:pt x="713998" y="0"/>
+                      </a:lnTo>
+                      <a:close/>
+                    </a:path>
+                  </a:pathLst>
+                </a:custGeom>
+                <a:noFill/>
+                <a:ln w="9525" cap="flat" cmpd="sng">
+                  <a:solidFill>
+                    <a:schemeClr val="dk1"/>
+                  </a:solidFill>
+                  <a:prstDash val="solid"/>
+                  <a:round/>
+                  <a:headEnd type="none" w="sm" len="sm"/>
+                  <a:tailEnd type="none" w="sm" len="sm"/>
+                </a:ln>
+              </p:spPr>
+              <p:txBody>
+                <a:bodyPr spcFirstLastPara="1" wrap="square" lIns="91425" tIns="45700" rIns="91425" bIns="45700" anchor="ctr" anchorCtr="0">
+                  <a:noAutofit/>
+                </a:bodyPr>
+                <a:lstStyle/>
+                <a:p>
+                  <a:pPr marL="0" marR="0" lvl="0" indent="0" algn="l" rtl="0">
+                    <a:spcBef>
+                      <a:spcPts val="0"/>
+                    </a:spcBef>
+                    <a:spcAft>
+                      <a:spcPts val="0"/>
+                    </a:spcAft>
+                    <a:buNone/>
+                  </a:pPr>
+                  <a:endParaRPr sz="1800">
+                    <a:solidFill>
+                      <a:srgbClr val="000000"/>
+                    </a:solidFill>
+                    <a:latin typeface="Calibri"/>
+                    <a:ea typeface="Calibri"/>
+                    <a:cs typeface="Calibri"/>
+                    <a:sym typeface="Calibri"/>
+                  </a:endParaRPr>
+                </a:p>
+              </p:txBody>
+            </p:sp>
+            <p:sp>
+              <p:nvSpPr>
+                <p:cNvPr id="669" name="Google Shape;669;p35">
+                  <a:extLst>
+                    <a:ext uri="{FF2B5EF4-FFF2-40B4-BE49-F238E27FC236}">
+                      <a16:creationId xmlns:a16="http://schemas.microsoft.com/office/drawing/2014/main" id="{DE76F4ED-526F-F208-8480-E338983C8C21}"/>
+                    </a:ext>
+                  </a:extLst>
+                </p:cNvPr>
+                <p:cNvSpPr/>
+                <p:nvPr/>
+              </p:nvSpPr>
+              <p:spPr>
+                <a:xfrm>
+                  <a:off x="8572306" y="4393330"/>
+                  <a:ext cx="204935" cy="7269"/>
+                </a:xfrm>
+                <a:custGeom>
+                  <a:avLst/>
+                  <a:gdLst/>
+                  <a:ahLst/>
+                  <a:cxnLst/>
+                  <a:rect l="l" t="t" r="r" b="b"/>
+                  <a:pathLst>
+                    <a:path w="204935" h="7269" extrusionOk="0">
+                      <a:moveTo>
+                        <a:pt x="0" y="0"/>
+                      </a:moveTo>
+                      <a:lnTo>
+                        <a:pt x="204935" y="0"/>
+                      </a:lnTo>
+                    </a:path>
+                  </a:pathLst>
+                </a:custGeom>
+                <a:noFill/>
+                <a:ln w="9525" cap="flat" cmpd="sng">
+                  <a:solidFill>
+                    <a:schemeClr val="dk1"/>
+                  </a:solidFill>
+                  <a:prstDash val="solid"/>
+                  <a:round/>
+                  <a:headEnd type="none" w="sm" len="sm"/>
+                  <a:tailEnd type="none" w="sm" len="sm"/>
+                </a:ln>
+              </p:spPr>
+              <p:txBody>
+                <a:bodyPr spcFirstLastPara="1" wrap="square" lIns="91425" tIns="45700" rIns="91425" bIns="45700" anchor="ctr" anchorCtr="0">
+                  <a:noAutofit/>
+                </a:bodyPr>
+                <a:lstStyle/>
+                <a:p>
+                  <a:pPr marL="0" marR="0" lvl="0" indent="0" algn="l" rtl="0">
+                    <a:spcBef>
+                      <a:spcPts val="0"/>
+                    </a:spcBef>
+                    <a:spcAft>
+                      <a:spcPts val="0"/>
+                    </a:spcAft>
+                    <a:buNone/>
+                  </a:pPr>
+                  <a:endParaRPr sz="1800">
+                    <a:solidFill>
+                      <a:srgbClr val="000000"/>
+                    </a:solidFill>
+                    <a:latin typeface="Calibri"/>
+                    <a:ea typeface="Calibri"/>
+                    <a:cs typeface="Calibri"/>
+                    <a:sym typeface="Calibri"/>
+                  </a:endParaRPr>
+                </a:p>
+              </p:txBody>
+            </p:sp>
+            <p:sp>
+              <p:nvSpPr>
+                <p:cNvPr id="670" name="Google Shape;670;p35">
+                  <a:extLst>
+                    <a:ext uri="{FF2B5EF4-FFF2-40B4-BE49-F238E27FC236}">
+                      <a16:creationId xmlns:a16="http://schemas.microsoft.com/office/drawing/2014/main" id="{A12A7C73-BF52-6D6F-B67D-02EC847C774F}"/>
+                    </a:ext>
+                  </a:extLst>
+                </p:cNvPr>
+                <p:cNvSpPr/>
+                <p:nvPr/>
+              </p:nvSpPr>
+              <p:spPr>
+                <a:xfrm>
+                  <a:off x="8495747" y="4059676"/>
+                  <a:ext cx="42209" cy="179911"/>
+                </a:xfrm>
+                <a:custGeom>
+                  <a:avLst/>
+                  <a:gdLst/>
+                  <a:ahLst/>
+                  <a:cxnLst/>
+                  <a:rect l="l" t="t" r="r" b="b"/>
+                  <a:pathLst>
+                    <a:path w="42209" h="179911" extrusionOk="0">
+                      <a:moveTo>
+                        <a:pt x="0" y="0"/>
+                      </a:moveTo>
+                      <a:lnTo>
+                        <a:pt x="42210" y="179911"/>
+                      </a:lnTo>
+                    </a:path>
+                  </a:pathLst>
+                </a:custGeom>
+                <a:noFill/>
+                <a:ln w="9525" cap="flat" cmpd="sng">
+                  <a:solidFill>
+                    <a:schemeClr val="dk1"/>
+                  </a:solidFill>
+                  <a:prstDash val="solid"/>
+                  <a:round/>
+                  <a:headEnd type="none" w="sm" len="sm"/>
+                  <a:tailEnd type="none" w="sm" len="sm"/>
+                </a:ln>
+              </p:spPr>
+              <p:txBody>
+                <a:bodyPr spcFirstLastPara="1" wrap="square" lIns="91425" tIns="45700" rIns="91425" bIns="45700" anchor="ctr" anchorCtr="0">
+                  <a:noAutofit/>
+                </a:bodyPr>
+                <a:lstStyle/>
+                <a:p>
+                  <a:pPr marL="0" marR="0" lvl="0" indent="0" algn="l" rtl="0">
+                    <a:spcBef>
+                      <a:spcPts val="0"/>
+                    </a:spcBef>
+                    <a:spcAft>
+                      <a:spcPts val="0"/>
+                    </a:spcAft>
+                    <a:buNone/>
+                  </a:pPr>
+                  <a:endParaRPr sz="1800">
+                    <a:solidFill>
+                      <a:srgbClr val="000000"/>
+                    </a:solidFill>
+                    <a:latin typeface="Calibri"/>
+                    <a:ea typeface="Calibri"/>
+                    <a:cs typeface="Calibri"/>
+                    <a:sym typeface="Calibri"/>
+                  </a:endParaRPr>
+                </a:p>
+              </p:txBody>
+            </p:sp>
+            <p:sp>
+              <p:nvSpPr>
+                <p:cNvPr id="671" name="Google Shape;671;p35">
+                  <a:extLst>
+                    <a:ext uri="{FF2B5EF4-FFF2-40B4-BE49-F238E27FC236}">
+                      <a16:creationId xmlns:a16="http://schemas.microsoft.com/office/drawing/2014/main" id="{EF3072D1-D18B-B018-FF56-CADD6F672BA7}"/>
+                    </a:ext>
+                  </a:extLst>
+                </p:cNvPr>
+                <p:cNvSpPr/>
+                <p:nvPr/>
+              </p:nvSpPr>
+              <p:spPr>
+                <a:xfrm>
+                  <a:off x="8468237" y="3942425"/>
+                  <a:ext cx="12590" cy="53646"/>
+                </a:xfrm>
+                <a:custGeom>
+                  <a:avLst/>
+                  <a:gdLst/>
+                  <a:ahLst/>
+                  <a:cxnLst/>
+                  <a:rect l="l" t="t" r="r" b="b"/>
+                  <a:pathLst>
+                    <a:path w="12590" h="53646" extrusionOk="0">
+                      <a:moveTo>
+                        <a:pt x="0" y="0"/>
+                      </a:moveTo>
+                      <a:lnTo>
+                        <a:pt x="12590" y="53646"/>
+                      </a:lnTo>
+                    </a:path>
+                  </a:pathLst>
+                </a:custGeom>
+                <a:noFill/>
+                <a:ln w="9525" cap="flat" cmpd="sng">
+                  <a:solidFill>
+                    <a:schemeClr val="dk1"/>
+                  </a:solidFill>
+                  <a:prstDash val="solid"/>
+                  <a:round/>
+                  <a:headEnd type="none" w="sm" len="sm"/>
+                  <a:tailEnd type="none" w="sm" len="sm"/>
+                </a:ln>
+              </p:spPr>
+              <p:txBody>
+                <a:bodyPr spcFirstLastPara="1" wrap="square" lIns="91425" tIns="45700" rIns="91425" bIns="45700" anchor="ctr" anchorCtr="0">
+                  <a:noAutofit/>
+                </a:bodyPr>
+                <a:lstStyle/>
+                <a:p>
+                  <a:pPr marL="0" marR="0" lvl="0" indent="0" algn="l" rtl="0">
+                    <a:spcBef>
+                      <a:spcPts val="0"/>
+                    </a:spcBef>
+                    <a:spcAft>
+                      <a:spcPts val="0"/>
+                    </a:spcAft>
+                    <a:buNone/>
+                  </a:pPr>
+                  <a:endParaRPr sz="1800">
+                    <a:solidFill>
+                      <a:srgbClr val="000000"/>
+                    </a:solidFill>
+                    <a:latin typeface="Calibri"/>
+                    <a:ea typeface="Calibri"/>
+                    <a:cs typeface="Calibri"/>
+                    <a:sym typeface="Calibri"/>
+                  </a:endParaRPr>
+                </a:p>
+              </p:txBody>
+            </p:sp>
+            <p:sp>
+              <p:nvSpPr>
+                <p:cNvPr id="672" name="Google Shape;672;p35">
+                  <a:extLst>
+                    <a:ext uri="{FF2B5EF4-FFF2-40B4-BE49-F238E27FC236}">
+                      <a16:creationId xmlns:a16="http://schemas.microsoft.com/office/drawing/2014/main" id="{D4E82CED-2246-0542-8FE0-F4249C22FFC2}"/>
+                    </a:ext>
+                  </a:extLst>
+                </p:cNvPr>
+                <p:cNvSpPr/>
+                <p:nvPr/>
+              </p:nvSpPr>
+              <p:spPr>
+                <a:xfrm>
+                  <a:off x="8755190" y="3942425"/>
+                  <a:ext cx="57710" cy="297162"/>
+                </a:xfrm>
+                <a:custGeom>
+                  <a:avLst/>
+                  <a:gdLst/>
+                  <a:ahLst/>
+                  <a:cxnLst/>
+                  <a:rect l="l" t="t" r="r" b="b"/>
+                  <a:pathLst>
+                    <a:path w="57710" h="297162" extrusionOk="0">
+                      <a:moveTo>
+                        <a:pt x="57711" y="0"/>
+                      </a:moveTo>
+                      <a:lnTo>
+                        <a:pt x="0" y="297163"/>
+                      </a:lnTo>
+                    </a:path>
+                  </a:pathLst>
+                </a:custGeom>
+                <a:noFill/>
+                <a:ln w="9525" cap="flat" cmpd="sng">
+                  <a:solidFill>
+                    <a:schemeClr val="dk1"/>
+                  </a:solidFill>
+                  <a:prstDash val="solid"/>
+                  <a:round/>
+                  <a:headEnd type="none" w="sm" len="sm"/>
+                  <a:tailEnd type="none" w="sm" len="sm"/>
+                </a:ln>
+              </p:spPr>
+              <p:txBody>
+                <a:bodyPr spcFirstLastPara="1" wrap="square" lIns="91425" tIns="45700" rIns="91425" bIns="45700" anchor="ctr" anchorCtr="0">
+                  <a:noAutofit/>
+                </a:bodyPr>
+                <a:lstStyle/>
+                <a:p>
+                  <a:pPr marL="0" marR="0" lvl="0" indent="0" algn="l" rtl="0">
+                    <a:spcBef>
+                      <a:spcPts val="0"/>
+                    </a:spcBef>
+                    <a:spcAft>
+                      <a:spcPts val="0"/>
+                    </a:spcAft>
+                    <a:buNone/>
+                  </a:pPr>
+                  <a:endParaRPr sz="1800">
+                    <a:solidFill>
+                      <a:srgbClr val="000000"/>
+                    </a:solidFill>
+                    <a:latin typeface="Calibri"/>
+                    <a:ea typeface="Calibri"/>
+                    <a:cs typeface="Calibri"/>
+                    <a:sym typeface="Calibri"/>
+                  </a:endParaRPr>
+                </a:p>
+              </p:txBody>
+            </p:sp>
+            <p:sp>
+              <p:nvSpPr>
+                <p:cNvPr id="673" name="Google Shape;673;p35">
+                  <a:extLst>
+                    <a:ext uri="{FF2B5EF4-FFF2-40B4-BE49-F238E27FC236}">
+                      <a16:creationId xmlns:a16="http://schemas.microsoft.com/office/drawing/2014/main" id="{59350476-E1ED-9941-758C-F27AB03F668D}"/>
+                    </a:ext>
+                  </a:extLst>
+                </p:cNvPr>
+                <p:cNvSpPr/>
+                <p:nvPr/>
+              </p:nvSpPr>
+              <p:spPr>
+                <a:xfrm>
+                  <a:off x="8346484" y="4107434"/>
+                  <a:ext cx="616188" cy="7269"/>
+                </a:xfrm>
+                <a:custGeom>
+                  <a:avLst/>
+                  <a:gdLst/>
+                  <a:ahLst/>
+                  <a:cxnLst/>
+                  <a:rect l="l" t="t" r="r" b="b"/>
+                  <a:pathLst>
+                    <a:path w="616188" h="7269" extrusionOk="0">
+                      <a:moveTo>
+                        <a:pt x="0" y="0"/>
+                      </a:moveTo>
+                      <a:lnTo>
+                        <a:pt x="616189" y="0"/>
+                      </a:lnTo>
+                    </a:path>
+                  </a:pathLst>
+                </a:custGeom>
+                <a:noFill/>
+                <a:ln w="9525" cap="flat" cmpd="sng">
+                  <a:solidFill>
+                    <a:schemeClr val="dk1"/>
+                  </a:solidFill>
+                  <a:prstDash val="solid"/>
+                  <a:round/>
+                  <a:headEnd type="none" w="sm" len="sm"/>
+                  <a:tailEnd type="none" w="sm" len="sm"/>
+                </a:ln>
+              </p:spPr>
+              <p:txBody>
+                <a:bodyPr spcFirstLastPara="1" wrap="square" lIns="91425" tIns="45700" rIns="91425" bIns="45700" anchor="ctr" anchorCtr="0">
+                  <a:noAutofit/>
+                </a:bodyPr>
+                <a:lstStyle/>
+                <a:p>
+                  <a:pPr marL="0" marR="0" lvl="0" indent="0" algn="l" rtl="0">
+                    <a:spcBef>
+                      <a:spcPts val="0"/>
+                    </a:spcBef>
+                    <a:spcAft>
+                      <a:spcPts val="0"/>
+                    </a:spcAft>
+                    <a:buNone/>
+                  </a:pPr>
+                  <a:endParaRPr sz="1800">
+                    <a:solidFill>
+                      <a:srgbClr val="000000"/>
+                    </a:solidFill>
+                    <a:latin typeface="Calibri"/>
+                    <a:ea typeface="Calibri"/>
+                    <a:cs typeface="Calibri"/>
+                    <a:sym typeface="Calibri"/>
+                  </a:endParaRPr>
+                </a:p>
+              </p:txBody>
+            </p:sp>
+          </p:grpSp>
+        </p:grpSp>
+      </p:grpSp>
+      <p:pic>
+        <p:nvPicPr>
           <p:cNvPr id="7" name="Imagen 6" descr="Gráfico, Gráfico de barras, Gráfico en cascada&#10;&#10;El contenido generado por IA puede ser incorrecto.">
             <a:extLst>
               <a:ext uri="{FF2B5EF4-FFF2-40B4-BE49-F238E27FC236}">
-                <a16:creationId xmlns:a16="http://schemas.microsoft.com/office/drawing/2014/main" id="{66C91FF3-FAC2-FFEA-5082-35E477F4967F}"/>
+                <a16:creationId xmlns:a16="http://schemas.microsoft.com/office/drawing/2014/main" id="{AEF9CE94-3F09-DEE3-F48E-5D31C62C9F66}"/>
               </a:ext>
             </a:extLst>
           </p:cNvPr>
@@ -21696,7 +27675,7 @@
           <p:cNvPr id="9" name="Imagen 8" descr="Gráfico, Gráfico de barras&#10;&#10;El contenido generado por IA puede ser incorrecto.">
             <a:extLst>
               <a:ext uri="{FF2B5EF4-FFF2-40B4-BE49-F238E27FC236}">
-                <a16:creationId xmlns:a16="http://schemas.microsoft.com/office/drawing/2014/main" id="{A73166DA-17DA-4FD6-33FF-AAC29DFAE050}"/>
+                <a16:creationId xmlns:a16="http://schemas.microsoft.com/office/drawing/2014/main" id="{6C125151-5107-45E4-032B-198348BD45BD}"/>
               </a:ext>
             </a:extLst>
           </p:cNvPr>
@@ -21722,6 +27701,11 @@
         </p:spPr>
       </p:pic>
     </p:spTree>
+    <p:extLst>
+      <p:ext uri="{BB962C8B-B14F-4D97-AF65-F5344CB8AC3E}">
+        <p14:creationId xmlns:p14="http://schemas.microsoft.com/office/powerpoint/2010/main" val="568304020"/>
+      </p:ext>
+    </p:extLst>
   </p:cSld>
   <p:clrMapOvr>
     <a:masterClrMapping/>
@@ -21729,7 +27713,7 @@
 </p:sld>
 </file>
 
-<file path=ppt/slides/slide3.xml><?xml version="1.0" encoding="utf-8"?>
+<file path=ppt/slides/slide4.xml><?xml version="1.0" encoding="utf-8"?>
 <p:sld xmlns:a="http://schemas.openxmlformats.org/drawingml/2006/main" xmlns:r="http://schemas.openxmlformats.org/officeDocument/2006/relationships" xmlns:p="http://schemas.openxmlformats.org/presentationml/2006/main">
   <p:cSld>
     <p:spTree>
@@ -24556,7 +30540,7 @@
 </p:sld>
 </file>
 
-<file path=ppt/slides/slide4.xml><?xml version="1.0" encoding="utf-8"?>
+<file path=ppt/slides/slide5.xml><?xml version="1.0" encoding="utf-8"?>
 <p:sld xmlns:a="http://schemas.openxmlformats.org/drawingml/2006/main" xmlns:r="http://schemas.openxmlformats.org/officeDocument/2006/relationships" xmlns:p="http://schemas.openxmlformats.org/presentationml/2006/main">
   <p:cSld>
     <p:spTree>
@@ -27568,7 +33552,7 @@
 </p:sld>
 </file>
 
-<file path=ppt/slides/slide5.xml><?xml version="1.0" encoding="utf-8"?>
+<file path=ppt/slides/slide6.xml><?xml version="1.0" encoding="utf-8"?>
 <p:sld xmlns:a="http://schemas.openxmlformats.org/drawingml/2006/main" xmlns:r="http://schemas.openxmlformats.org/officeDocument/2006/relationships" xmlns:p="http://schemas.openxmlformats.org/presentationml/2006/main">
   <p:cSld>
     <p:spTree>
@@ -30588,7 +36572,7 @@
 </p:sld>
 </file>
 
-<file path=ppt/slides/slide6.xml><?xml version="1.0" encoding="utf-8"?>
+<file path=ppt/slides/slide7.xml><?xml version="1.0" encoding="utf-8"?>
 <p:sld xmlns:a="http://schemas.openxmlformats.org/drawingml/2006/main" xmlns:r="http://schemas.openxmlformats.org/officeDocument/2006/relationships" xmlns:p="http://schemas.openxmlformats.org/presentationml/2006/main">
   <p:cSld>
     <p:spTree>
@@ -33592,7 +39576,7 @@
 </p:sld>
 </file>
 
-<file path=ppt/slides/slide7.xml><?xml version="1.0" encoding="utf-8"?>
+<file path=ppt/slides/slide8.xml><?xml version="1.0" encoding="utf-8"?>
 <p:sld xmlns:a="http://schemas.openxmlformats.org/drawingml/2006/main" xmlns:r="http://schemas.openxmlformats.org/officeDocument/2006/relationships" xmlns:p="http://schemas.openxmlformats.org/presentationml/2006/main">
   <p:cSld>
     <p:spTree>
@@ -36604,7 +42588,7 @@
 </p:sld>
 </file>
 
-<file path=ppt/slides/slide8.xml><?xml version="1.0" encoding="utf-8"?>
+<file path=ppt/slides/slide9.xml><?xml version="1.0" encoding="utf-8"?>
 <p:sld xmlns:a="http://schemas.openxmlformats.org/drawingml/2006/main" xmlns:r="http://schemas.openxmlformats.org/officeDocument/2006/relationships" xmlns:p="http://schemas.openxmlformats.org/presentationml/2006/main">
   <p:cSld>
     <p:spTree>
@@ -41536,3157 +47520,6 @@
 </p:sld>
 </file>
 
-<file path=ppt/slides/slide9.xml><?xml version="1.0" encoding="utf-8"?>
-<p:sld xmlns:a="http://schemas.openxmlformats.org/drawingml/2006/main" xmlns:r="http://schemas.openxmlformats.org/officeDocument/2006/relationships" xmlns:p="http://schemas.openxmlformats.org/presentationml/2006/main">
-  <p:cSld>
-    <p:spTree>
-      <p:nvGrpSpPr>
-        <p:cNvPr id="1" name="Shape 1746"/>
-        <p:cNvGrpSpPr/>
-        <p:nvPr/>
-      </p:nvGrpSpPr>
-      <p:grpSpPr>
-        <a:xfrm>
-          <a:off x="0" y="0"/>
-          <a:ext cx="0" cy="0"/>
-          <a:chOff x="0" y="0"/>
-          <a:chExt cx="0" cy="0"/>
-        </a:xfrm>
-      </p:grpSpPr>
-      <p:sp>
-        <p:nvSpPr>
-          <p:cNvPr id="1747" name="Google Shape;1747;p58"/>
-          <p:cNvSpPr txBox="1">
-            <a:spLocks noGrp="1"/>
-          </p:cNvSpPr>
-          <p:nvPr>
-            <p:ph type="title"/>
-          </p:nvPr>
-        </p:nvSpPr>
-        <p:spPr>
-          <a:xfrm>
-            <a:off x="720000" y="445025"/>
-            <a:ext cx="7704000" cy="572700"/>
-          </a:xfrm>
-          <a:prstGeom prst="rect">
-            <a:avLst/>
-          </a:prstGeom>
-        </p:spPr>
-        <p:txBody>
-          <a:bodyPr spcFirstLastPara="1" wrap="square" lIns="91425" tIns="91425" rIns="91425" bIns="91425" anchor="t" anchorCtr="0">
-            <a:noAutofit/>
-          </a:bodyPr>
-          <a:lstStyle/>
-          <a:p>
-            <a:pPr marL="0" lvl="0" indent="0" algn="r" rtl="0">
-              <a:spcBef>
-                <a:spcPts val="0"/>
-              </a:spcBef>
-              <a:spcAft>
-                <a:spcPts val="0"/>
-              </a:spcAft>
-              <a:buNone/>
-            </a:pPr>
-            <a:r>
-              <a:rPr lang="en" dirty="0"/>
-              <a:t>Próximos pasos</a:t>
-            </a:r>
-            <a:endParaRPr dirty="0"/>
-          </a:p>
-        </p:txBody>
-      </p:sp>
-      <p:sp>
-        <p:nvSpPr>
-          <p:cNvPr id="1748" name="Google Shape;1748;p58"/>
-          <p:cNvSpPr/>
-          <p:nvPr/>
-        </p:nvSpPr>
-        <p:spPr>
-          <a:xfrm>
-            <a:off x="138" y="4334400"/>
-            <a:ext cx="9144000" cy="809100"/>
-          </a:xfrm>
-          <a:prstGeom prst="rect">
-            <a:avLst/>
-          </a:prstGeom>
-          <a:solidFill>
-            <a:schemeClr val="dk2"/>
-          </a:solidFill>
-          <a:ln>
-            <a:noFill/>
-          </a:ln>
-        </p:spPr>
-        <p:txBody>
-          <a:bodyPr spcFirstLastPara="1" wrap="square" lIns="91425" tIns="91425" rIns="91425" bIns="91425" anchor="ctr" anchorCtr="0">
-            <a:noAutofit/>
-          </a:bodyPr>
-          <a:lstStyle/>
-          <a:p>
-            <a:pPr marL="0" lvl="0" indent="0" algn="ctr" rtl="0">
-              <a:spcBef>
-                <a:spcPts val="0"/>
-              </a:spcBef>
-              <a:spcAft>
-                <a:spcPts val="0"/>
-              </a:spcAft>
-              <a:buNone/>
-            </a:pPr>
-            <a:endParaRPr>
-              <a:latin typeface="Montserrat"/>
-              <a:ea typeface="Montserrat"/>
-              <a:cs typeface="Montserrat"/>
-              <a:sym typeface="Montserrat"/>
-            </a:endParaRPr>
-          </a:p>
-        </p:txBody>
-      </p:sp>
-      <p:sp>
-        <p:nvSpPr>
-          <p:cNvPr id="1749" name="Google Shape;1749;p58"/>
-          <p:cNvSpPr txBox="1"/>
-          <p:nvPr/>
-        </p:nvSpPr>
-        <p:spPr>
-          <a:xfrm flipH="1">
-            <a:off x="2835883" y="2466302"/>
-            <a:ext cx="1641300" cy="1581432"/>
-          </a:xfrm>
-          <a:prstGeom prst="rect">
-            <a:avLst/>
-          </a:prstGeom>
-          <a:solidFill>
-            <a:schemeClr val="accent1">
-              <a:lumMod val="40000"/>
-              <a:lumOff val="60000"/>
-            </a:schemeClr>
-          </a:solidFill>
-          <a:ln w="9525" cap="flat" cmpd="sng">
-            <a:solidFill>
-              <a:schemeClr val="dk1"/>
-            </a:solidFill>
-            <a:prstDash val="solid"/>
-            <a:round/>
-            <a:headEnd type="none" w="sm" len="sm"/>
-            <a:tailEnd type="none" w="sm" len="sm"/>
-          </a:ln>
-          <a:effectLst>
-            <a:outerShdw dist="47625" dir="3180000" algn="bl" rotWithShape="0">
-              <a:schemeClr val="dk1"/>
-            </a:outerShdw>
-          </a:effectLst>
-        </p:spPr>
-        <p:txBody>
-          <a:bodyPr spcFirstLastPara="1" wrap="square" lIns="91425" tIns="91425" rIns="91425" bIns="91425" anchor="b" anchorCtr="0">
-            <a:noAutofit/>
-          </a:bodyPr>
-          <a:lstStyle/>
-          <a:p>
-            <a:pPr marL="0" lvl="0" indent="0" algn="ctr" rtl="0">
-              <a:spcBef>
-                <a:spcPts val="0"/>
-              </a:spcBef>
-              <a:spcAft>
-                <a:spcPts val="0"/>
-              </a:spcAft>
-              <a:buNone/>
-            </a:pPr>
-            <a:r>
-              <a:rPr lang="en" sz="2000" b="1" dirty="0">
-                <a:solidFill>
-                  <a:schemeClr val="dk1"/>
-                </a:solidFill>
-                <a:latin typeface="Raleway"/>
-                <a:ea typeface="Raleway"/>
-                <a:cs typeface="Raleway"/>
-                <a:sym typeface="Raleway"/>
-              </a:rPr>
-              <a:t>Dashboard Interactivo de consulta de stock</a:t>
-            </a:r>
-            <a:endParaRPr sz="2000" b="1" dirty="0">
-              <a:solidFill>
-                <a:schemeClr val="dk1"/>
-              </a:solidFill>
-              <a:latin typeface="Raleway"/>
-              <a:ea typeface="Raleway"/>
-              <a:cs typeface="Raleway"/>
-              <a:sym typeface="Raleway"/>
-            </a:endParaRPr>
-          </a:p>
-        </p:txBody>
-      </p:sp>
-      <p:sp>
-        <p:nvSpPr>
-          <p:cNvPr id="1751" name="Google Shape;1751;p58"/>
-          <p:cNvSpPr txBox="1"/>
-          <p:nvPr/>
-        </p:nvSpPr>
-        <p:spPr>
-          <a:xfrm flipH="1">
-            <a:off x="6497750" y="2466301"/>
-            <a:ext cx="1641300" cy="1350661"/>
-          </a:xfrm>
-          <a:prstGeom prst="rect">
-            <a:avLst/>
-          </a:prstGeom>
-          <a:solidFill>
-            <a:schemeClr val="bg1">
-              <a:lumMod val="85000"/>
-            </a:schemeClr>
-          </a:solidFill>
-          <a:ln w="9525" cap="flat" cmpd="sng">
-            <a:solidFill>
-              <a:schemeClr val="dk1"/>
-            </a:solidFill>
-            <a:prstDash val="solid"/>
-            <a:round/>
-            <a:headEnd type="none" w="sm" len="sm"/>
-            <a:tailEnd type="none" w="sm" len="sm"/>
-          </a:ln>
-          <a:effectLst>
-            <a:outerShdw dist="47625" dir="3180000" algn="bl" rotWithShape="0">
-              <a:schemeClr val="dk1"/>
-            </a:outerShdw>
-          </a:effectLst>
-        </p:spPr>
-        <p:txBody>
-          <a:bodyPr spcFirstLastPara="1" wrap="square" lIns="91425" tIns="91425" rIns="91425" bIns="91425" anchor="b" anchorCtr="0">
-            <a:noAutofit/>
-          </a:bodyPr>
-          <a:lstStyle/>
-          <a:p>
-            <a:pPr marL="0" lvl="0" indent="0" algn="ctr" rtl="0">
-              <a:spcBef>
-                <a:spcPts val="0"/>
-              </a:spcBef>
-              <a:spcAft>
-                <a:spcPts val="0"/>
-              </a:spcAft>
-              <a:buNone/>
-            </a:pPr>
-            <a:r>
-              <a:rPr lang="en" sz="2000" b="1" dirty="0">
-                <a:solidFill>
-                  <a:schemeClr val="dk1"/>
-                </a:solidFill>
-                <a:latin typeface="Raleway"/>
-                <a:ea typeface="Raleway"/>
-                <a:cs typeface="Raleway"/>
-                <a:sym typeface="Raleway"/>
-              </a:rPr>
-              <a:t>Pase a producción y monitoreo</a:t>
-            </a:r>
-            <a:endParaRPr sz="2000" b="1" dirty="0">
-              <a:solidFill>
-                <a:schemeClr val="dk1"/>
-              </a:solidFill>
-              <a:latin typeface="Raleway"/>
-              <a:ea typeface="Raleway"/>
-              <a:cs typeface="Raleway"/>
-              <a:sym typeface="Raleway"/>
-            </a:endParaRPr>
-          </a:p>
-        </p:txBody>
-      </p:sp>
-      <p:sp>
-        <p:nvSpPr>
-          <p:cNvPr id="1753" name="Google Shape;1753;p58"/>
-          <p:cNvSpPr txBox="1"/>
-          <p:nvPr/>
-        </p:nvSpPr>
-        <p:spPr>
-          <a:xfrm flipH="1">
-            <a:off x="4606620" y="2466301"/>
-            <a:ext cx="1757053" cy="1620377"/>
-          </a:xfrm>
-          <a:prstGeom prst="rect">
-            <a:avLst/>
-          </a:prstGeom>
-          <a:solidFill>
-            <a:schemeClr val="bg2">
-              <a:lumMod val="90000"/>
-            </a:schemeClr>
-          </a:solidFill>
-          <a:ln w="9525" cap="flat" cmpd="sng">
-            <a:solidFill>
-              <a:schemeClr val="dk1"/>
-            </a:solidFill>
-            <a:prstDash val="solid"/>
-            <a:round/>
-            <a:headEnd type="none" w="sm" len="sm"/>
-            <a:tailEnd type="none" w="sm" len="sm"/>
-          </a:ln>
-          <a:effectLst>
-            <a:outerShdw dist="47625" dir="3180000" algn="bl" rotWithShape="0">
-              <a:schemeClr val="dk1"/>
-            </a:outerShdw>
-          </a:effectLst>
-        </p:spPr>
-        <p:txBody>
-          <a:bodyPr spcFirstLastPara="1" wrap="square" lIns="91425" tIns="91425" rIns="91425" bIns="91425" anchor="b" anchorCtr="0">
-            <a:noAutofit/>
-          </a:bodyPr>
-          <a:lstStyle/>
-          <a:p>
-            <a:pPr marL="0" lvl="0" indent="0" algn="ctr" rtl="0">
-              <a:spcBef>
-                <a:spcPts val="0"/>
-              </a:spcBef>
-              <a:spcAft>
-                <a:spcPts val="0"/>
-              </a:spcAft>
-              <a:buNone/>
-            </a:pPr>
-            <a:r>
-              <a:rPr lang="en" sz="2000" b="1" dirty="0">
-                <a:solidFill>
-                  <a:schemeClr val="dk1"/>
-                </a:solidFill>
-                <a:latin typeface="Raleway"/>
-                <a:ea typeface="Raleway"/>
-                <a:cs typeface="Raleway"/>
-                <a:sym typeface="Raleway"/>
-              </a:rPr>
-              <a:t>Servicios para compras a proveedores</a:t>
-            </a:r>
-            <a:endParaRPr sz="2000" b="1" dirty="0">
-              <a:solidFill>
-                <a:schemeClr val="dk1"/>
-              </a:solidFill>
-              <a:latin typeface="Raleway"/>
-              <a:ea typeface="Raleway"/>
-              <a:cs typeface="Raleway"/>
-              <a:sym typeface="Raleway"/>
-            </a:endParaRPr>
-          </a:p>
-        </p:txBody>
-      </p:sp>
-      <p:sp>
-        <p:nvSpPr>
-          <p:cNvPr id="1755" name="Google Shape;1755;p58"/>
-          <p:cNvSpPr txBox="1"/>
-          <p:nvPr/>
-        </p:nvSpPr>
-        <p:spPr>
-          <a:xfrm flipH="1">
-            <a:off x="1004950" y="2466302"/>
-            <a:ext cx="1641300" cy="1583232"/>
-          </a:xfrm>
-          <a:prstGeom prst="rect">
-            <a:avLst/>
-          </a:prstGeom>
-          <a:solidFill>
-            <a:schemeClr val="tx2">
-              <a:lumMod val="40000"/>
-              <a:lumOff val="60000"/>
-            </a:schemeClr>
-          </a:solidFill>
-          <a:ln w="9525" cap="flat" cmpd="sng">
-            <a:solidFill>
-              <a:schemeClr val="dk1"/>
-            </a:solidFill>
-            <a:prstDash val="solid"/>
-            <a:round/>
-            <a:headEnd type="none" w="sm" len="sm"/>
-            <a:tailEnd type="none" w="sm" len="sm"/>
-          </a:ln>
-          <a:effectLst>
-            <a:outerShdw dist="47625" dir="3180000" algn="bl" rotWithShape="0">
-              <a:schemeClr val="dk1"/>
-            </a:outerShdw>
-          </a:effectLst>
-        </p:spPr>
-        <p:txBody>
-          <a:bodyPr spcFirstLastPara="1" wrap="square" lIns="91425" tIns="91425" rIns="91425" bIns="91425" anchor="b" anchorCtr="0">
-            <a:noAutofit/>
-          </a:bodyPr>
-          <a:lstStyle/>
-          <a:p>
-            <a:pPr marL="0" lvl="0" indent="0" algn="ctr" rtl="0">
-              <a:spcBef>
-                <a:spcPts val="0"/>
-              </a:spcBef>
-              <a:spcAft>
-                <a:spcPts val="0"/>
-              </a:spcAft>
-              <a:buNone/>
-            </a:pPr>
-            <a:r>
-              <a:rPr lang="en" sz="2000" b="1" dirty="0">
-                <a:solidFill>
-                  <a:schemeClr val="dk1"/>
-                </a:solidFill>
-                <a:latin typeface="Raleway"/>
-                <a:ea typeface="Raleway"/>
-                <a:cs typeface="Raleway"/>
-                <a:sym typeface="Raleway"/>
-              </a:rPr>
-              <a:t>Análisis generalizado por todas las categorías</a:t>
-            </a:r>
-            <a:endParaRPr sz="2000" b="1" dirty="0">
-              <a:solidFill>
-                <a:schemeClr val="dk1"/>
-              </a:solidFill>
-              <a:latin typeface="Raleway"/>
-              <a:ea typeface="Raleway"/>
-              <a:cs typeface="Raleway"/>
-              <a:sym typeface="Raleway"/>
-            </a:endParaRPr>
-          </a:p>
-        </p:txBody>
-      </p:sp>
-      <p:sp>
-        <p:nvSpPr>
-          <p:cNvPr id="1757" name="Google Shape;1757;p58"/>
-          <p:cNvSpPr/>
-          <p:nvPr/>
-        </p:nvSpPr>
-        <p:spPr>
-          <a:xfrm>
-            <a:off x="1673200" y="1807625"/>
-            <a:ext cx="304800" cy="304800"/>
-          </a:xfrm>
-          <a:prstGeom prst="ellipse">
-            <a:avLst/>
-          </a:prstGeom>
-          <a:solidFill>
-            <a:schemeClr val="lt2"/>
-          </a:solidFill>
-          <a:ln w="9525" cap="flat" cmpd="sng">
-            <a:solidFill>
-              <a:schemeClr val="dk1"/>
-            </a:solidFill>
-            <a:prstDash val="solid"/>
-            <a:round/>
-            <a:headEnd type="none" w="sm" len="sm"/>
-            <a:tailEnd type="none" w="sm" len="sm"/>
-          </a:ln>
-        </p:spPr>
-        <p:txBody>
-          <a:bodyPr spcFirstLastPara="1" wrap="square" lIns="91425" tIns="91425" rIns="91425" bIns="91425" anchor="ctr" anchorCtr="0">
-            <a:noAutofit/>
-          </a:bodyPr>
-          <a:lstStyle/>
-          <a:p>
-            <a:pPr marL="0" lvl="0" indent="0" algn="ctr" rtl="0">
-              <a:spcBef>
-                <a:spcPts val="0"/>
-              </a:spcBef>
-              <a:spcAft>
-                <a:spcPts val="0"/>
-              </a:spcAft>
-              <a:buNone/>
-            </a:pPr>
-            <a:endParaRPr>
-              <a:latin typeface="Montserrat"/>
-              <a:ea typeface="Montserrat"/>
-              <a:cs typeface="Montserrat"/>
-              <a:sym typeface="Montserrat"/>
-            </a:endParaRPr>
-          </a:p>
-        </p:txBody>
-      </p:sp>
-      <p:sp>
-        <p:nvSpPr>
-          <p:cNvPr id="1758" name="Google Shape;1758;p58"/>
-          <p:cNvSpPr/>
-          <p:nvPr/>
-        </p:nvSpPr>
-        <p:spPr>
-          <a:xfrm>
-            <a:off x="3504133" y="1807625"/>
-            <a:ext cx="304800" cy="304800"/>
-          </a:xfrm>
-          <a:prstGeom prst="ellipse">
-            <a:avLst/>
-          </a:prstGeom>
-          <a:solidFill>
-            <a:schemeClr val="accent1"/>
-          </a:solidFill>
-          <a:ln w="9525" cap="flat" cmpd="sng">
-            <a:solidFill>
-              <a:schemeClr val="dk1"/>
-            </a:solidFill>
-            <a:prstDash val="solid"/>
-            <a:round/>
-            <a:headEnd type="none" w="sm" len="sm"/>
-            <a:tailEnd type="none" w="sm" len="sm"/>
-          </a:ln>
-        </p:spPr>
-        <p:txBody>
-          <a:bodyPr spcFirstLastPara="1" wrap="square" lIns="91425" tIns="91425" rIns="91425" bIns="91425" anchor="ctr" anchorCtr="0">
-            <a:noAutofit/>
-          </a:bodyPr>
-          <a:lstStyle/>
-          <a:p>
-            <a:pPr marL="0" lvl="0" indent="0" algn="ctr" rtl="0">
-              <a:spcBef>
-                <a:spcPts val="0"/>
-              </a:spcBef>
-              <a:spcAft>
-                <a:spcPts val="0"/>
-              </a:spcAft>
-              <a:buNone/>
-            </a:pPr>
-            <a:endParaRPr>
-              <a:latin typeface="Montserrat"/>
-              <a:ea typeface="Montserrat"/>
-              <a:cs typeface="Montserrat"/>
-              <a:sym typeface="Montserrat"/>
-            </a:endParaRPr>
-          </a:p>
-        </p:txBody>
-      </p:sp>
-      <p:sp>
-        <p:nvSpPr>
-          <p:cNvPr id="1759" name="Google Shape;1759;p58"/>
-          <p:cNvSpPr/>
-          <p:nvPr/>
-        </p:nvSpPr>
-        <p:spPr>
-          <a:xfrm>
-            <a:off x="5335067" y="1807625"/>
-            <a:ext cx="304800" cy="304800"/>
-          </a:xfrm>
-          <a:prstGeom prst="ellipse">
-            <a:avLst/>
-          </a:prstGeom>
-          <a:solidFill>
-            <a:schemeClr val="dk2"/>
-          </a:solidFill>
-          <a:ln w="9525" cap="flat" cmpd="sng">
-            <a:solidFill>
-              <a:schemeClr val="dk1"/>
-            </a:solidFill>
-            <a:prstDash val="solid"/>
-            <a:round/>
-            <a:headEnd type="none" w="sm" len="sm"/>
-            <a:tailEnd type="none" w="sm" len="sm"/>
-          </a:ln>
-        </p:spPr>
-        <p:txBody>
-          <a:bodyPr spcFirstLastPara="1" wrap="square" lIns="91425" tIns="91425" rIns="91425" bIns="91425" anchor="ctr" anchorCtr="0">
-            <a:noAutofit/>
-          </a:bodyPr>
-          <a:lstStyle/>
-          <a:p>
-            <a:pPr marL="0" lvl="0" indent="0" algn="ctr" rtl="0">
-              <a:spcBef>
-                <a:spcPts val="0"/>
-              </a:spcBef>
-              <a:spcAft>
-                <a:spcPts val="0"/>
-              </a:spcAft>
-              <a:buNone/>
-            </a:pPr>
-            <a:endParaRPr>
-              <a:latin typeface="Montserrat"/>
-              <a:ea typeface="Montserrat"/>
-              <a:cs typeface="Montserrat"/>
-              <a:sym typeface="Montserrat"/>
-            </a:endParaRPr>
-          </a:p>
-        </p:txBody>
-      </p:sp>
-      <p:sp>
-        <p:nvSpPr>
-          <p:cNvPr id="1760" name="Google Shape;1760;p58"/>
-          <p:cNvSpPr/>
-          <p:nvPr/>
-        </p:nvSpPr>
-        <p:spPr>
-          <a:xfrm>
-            <a:off x="7166000" y="1807625"/>
-            <a:ext cx="304800" cy="304800"/>
-          </a:xfrm>
-          <a:prstGeom prst="ellipse">
-            <a:avLst/>
-          </a:prstGeom>
-          <a:solidFill>
-            <a:schemeClr val="dk1"/>
-          </a:solidFill>
-          <a:ln w="9525" cap="flat" cmpd="sng">
-            <a:solidFill>
-              <a:schemeClr val="dk1"/>
-            </a:solidFill>
-            <a:prstDash val="solid"/>
-            <a:round/>
-            <a:headEnd type="none" w="sm" len="sm"/>
-            <a:tailEnd type="none" w="sm" len="sm"/>
-          </a:ln>
-        </p:spPr>
-        <p:txBody>
-          <a:bodyPr spcFirstLastPara="1" wrap="square" lIns="91425" tIns="91425" rIns="91425" bIns="91425" anchor="ctr" anchorCtr="0">
-            <a:noAutofit/>
-          </a:bodyPr>
-          <a:lstStyle/>
-          <a:p>
-            <a:pPr marL="0" lvl="0" indent="0" algn="ctr" rtl="0">
-              <a:spcBef>
-                <a:spcPts val="0"/>
-              </a:spcBef>
-              <a:spcAft>
-                <a:spcPts val="0"/>
-              </a:spcAft>
-              <a:buNone/>
-            </a:pPr>
-            <a:endParaRPr>
-              <a:latin typeface="Montserrat"/>
-              <a:ea typeface="Montserrat"/>
-              <a:cs typeface="Montserrat"/>
-              <a:sym typeface="Montserrat"/>
-            </a:endParaRPr>
-          </a:p>
-        </p:txBody>
-      </p:sp>
-      <p:cxnSp>
-        <p:nvCxnSpPr>
-          <p:cNvPr id="1761" name="Google Shape;1761;p58"/>
-          <p:cNvCxnSpPr>
-            <a:stCxn id="1757" idx="6"/>
-            <a:endCxn id="1758" idx="2"/>
-          </p:cNvCxnSpPr>
-          <p:nvPr/>
-        </p:nvCxnSpPr>
-        <p:spPr>
-          <a:xfrm>
-            <a:off x="1978000" y="1960025"/>
-            <a:ext cx="1526100" cy="600"/>
-          </a:xfrm>
-          <a:prstGeom prst="bentConnector3">
-            <a:avLst>
-              <a:gd name="adj1" fmla="val 50001"/>
-            </a:avLst>
-          </a:prstGeom>
-          <a:noFill/>
-          <a:ln w="9525" cap="flat" cmpd="sng">
-            <a:solidFill>
-              <a:schemeClr val="dk1"/>
-            </a:solidFill>
-            <a:prstDash val="dash"/>
-            <a:round/>
-            <a:headEnd type="none" w="med" len="med"/>
-            <a:tailEnd type="none" w="med" len="med"/>
-          </a:ln>
-        </p:spPr>
-      </p:cxnSp>
-      <p:cxnSp>
-        <p:nvCxnSpPr>
-          <p:cNvPr id="1762" name="Google Shape;1762;p58"/>
-          <p:cNvCxnSpPr>
-            <a:stCxn id="1758" idx="6"/>
-            <a:endCxn id="1759" idx="2"/>
-          </p:cNvCxnSpPr>
-          <p:nvPr/>
-        </p:nvCxnSpPr>
-        <p:spPr>
-          <a:xfrm>
-            <a:off x="3808933" y="1960025"/>
-            <a:ext cx="1526100" cy="0"/>
-          </a:xfrm>
-          <a:prstGeom prst="straightConnector1">
-            <a:avLst/>
-          </a:prstGeom>
-          <a:noFill/>
-          <a:ln w="9525" cap="flat" cmpd="sng">
-            <a:solidFill>
-              <a:schemeClr val="dk1"/>
-            </a:solidFill>
-            <a:prstDash val="dash"/>
-            <a:round/>
-            <a:headEnd type="none" w="med" len="med"/>
-            <a:tailEnd type="none" w="med" len="med"/>
-          </a:ln>
-        </p:spPr>
-      </p:cxnSp>
-      <p:cxnSp>
-        <p:nvCxnSpPr>
-          <p:cNvPr id="1763" name="Google Shape;1763;p58"/>
-          <p:cNvCxnSpPr>
-            <a:stCxn id="1759" idx="6"/>
-            <a:endCxn id="1760" idx="2"/>
-          </p:cNvCxnSpPr>
-          <p:nvPr/>
-        </p:nvCxnSpPr>
-        <p:spPr>
-          <a:xfrm>
-            <a:off x="5639867" y="1960025"/>
-            <a:ext cx="1526100" cy="0"/>
-          </a:xfrm>
-          <a:prstGeom prst="straightConnector1">
-            <a:avLst/>
-          </a:prstGeom>
-          <a:noFill/>
-          <a:ln w="9525" cap="flat" cmpd="sng">
-            <a:solidFill>
-              <a:schemeClr val="dk1"/>
-            </a:solidFill>
-            <a:prstDash val="dash"/>
-            <a:round/>
-            <a:headEnd type="none" w="med" len="med"/>
-            <a:tailEnd type="none" w="med" len="med"/>
-          </a:ln>
-        </p:spPr>
-      </p:cxnSp>
-      <p:cxnSp>
-        <p:nvCxnSpPr>
-          <p:cNvPr id="1764" name="Google Shape;1764;p58"/>
-          <p:cNvCxnSpPr>
-            <a:cxnSpLocks/>
-            <a:stCxn id="1757" idx="4"/>
-            <a:endCxn id="1755" idx="0"/>
-          </p:cNvCxnSpPr>
-          <p:nvPr/>
-        </p:nvCxnSpPr>
-        <p:spPr>
-          <a:xfrm>
-            <a:off x="1825600" y="2112425"/>
-            <a:ext cx="0" cy="353877"/>
-          </a:xfrm>
-          <a:prstGeom prst="straightConnector1">
-            <a:avLst/>
-          </a:prstGeom>
-          <a:noFill/>
-          <a:ln w="9525" cap="flat" cmpd="sng">
-            <a:solidFill>
-              <a:schemeClr val="dk1"/>
-            </a:solidFill>
-            <a:prstDash val="solid"/>
-            <a:round/>
-            <a:headEnd type="none" w="med" len="med"/>
-            <a:tailEnd type="diamond" w="med" len="med"/>
-          </a:ln>
-        </p:spPr>
-      </p:cxnSp>
-      <p:cxnSp>
-        <p:nvCxnSpPr>
-          <p:cNvPr id="1765" name="Google Shape;1765;p58"/>
-          <p:cNvCxnSpPr>
-            <a:cxnSpLocks/>
-            <a:stCxn id="1758" idx="4"/>
-            <a:endCxn id="1749" idx="0"/>
-          </p:cNvCxnSpPr>
-          <p:nvPr/>
-        </p:nvCxnSpPr>
-        <p:spPr>
-          <a:xfrm>
-            <a:off x="3656533" y="2112425"/>
-            <a:ext cx="0" cy="353877"/>
-          </a:xfrm>
-          <a:prstGeom prst="straightConnector1">
-            <a:avLst/>
-          </a:prstGeom>
-          <a:noFill/>
-          <a:ln w="9525" cap="flat" cmpd="sng">
-            <a:solidFill>
-              <a:schemeClr val="dk1"/>
-            </a:solidFill>
-            <a:prstDash val="solid"/>
-            <a:round/>
-            <a:headEnd type="none" w="med" len="med"/>
-            <a:tailEnd type="diamond" w="med" len="med"/>
-          </a:ln>
-        </p:spPr>
-      </p:cxnSp>
-      <p:cxnSp>
-        <p:nvCxnSpPr>
-          <p:cNvPr id="1766" name="Google Shape;1766;p58"/>
-          <p:cNvCxnSpPr>
-            <a:cxnSpLocks/>
-            <a:stCxn id="1759" idx="4"/>
-            <a:endCxn id="1753" idx="0"/>
-          </p:cNvCxnSpPr>
-          <p:nvPr/>
-        </p:nvCxnSpPr>
-        <p:spPr>
-          <a:xfrm flipH="1">
-            <a:off x="5485146" y="2112425"/>
-            <a:ext cx="2321" cy="353876"/>
-          </a:xfrm>
-          <a:prstGeom prst="straightConnector1">
-            <a:avLst/>
-          </a:prstGeom>
-          <a:noFill/>
-          <a:ln w="9525" cap="flat" cmpd="sng">
-            <a:solidFill>
-              <a:schemeClr val="dk1"/>
-            </a:solidFill>
-            <a:prstDash val="solid"/>
-            <a:round/>
-            <a:headEnd type="none" w="med" len="med"/>
-            <a:tailEnd type="diamond" w="med" len="med"/>
-          </a:ln>
-        </p:spPr>
-      </p:cxnSp>
-      <p:cxnSp>
-        <p:nvCxnSpPr>
-          <p:cNvPr id="1767" name="Google Shape;1767;p58"/>
-          <p:cNvCxnSpPr>
-            <a:cxnSpLocks/>
-            <a:stCxn id="1760" idx="4"/>
-            <a:endCxn id="1751" idx="0"/>
-          </p:cNvCxnSpPr>
-          <p:nvPr/>
-        </p:nvCxnSpPr>
-        <p:spPr>
-          <a:xfrm>
-            <a:off x="7318400" y="2112425"/>
-            <a:ext cx="0" cy="353876"/>
-          </a:xfrm>
-          <a:prstGeom prst="straightConnector1">
-            <a:avLst/>
-          </a:prstGeom>
-          <a:noFill/>
-          <a:ln w="9525" cap="flat" cmpd="sng">
-            <a:solidFill>
-              <a:schemeClr val="dk1"/>
-            </a:solidFill>
-            <a:prstDash val="solid"/>
-            <a:round/>
-            <a:headEnd type="none" w="med" len="med"/>
-            <a:tailEnd type="diamond" w="med" len="med"/>
-          </a:ln>
-        </p:spPr>
-      </p:cxnSp>
-      <p:grpSp>
-        <p:nvGrpSpPr>
-          <p:cNvPr id="1768" name="Google Shape;1768;p58"/>
-          <p:cNvGrpSpPr/>
-          <p:nvPr/>
-        </p:nvGrpSpPr>
-        <p:grpSpPr>
-          <a:xfrm>
-            <a:off x="7646258" y="3883756"/>
-            <a:ext cx="1319000" cy="1093729"/>
-            <a:chOff x="7646258" y="3883756"/>
-            <a:chExt cx="1319000" cy="1093729"/>
-          </a:xfrm>
-        </p:grpSpPr>
-        <p:grpSp>
-          <p:nvGrpSpPr>
-            <p:cNvPr id="1769" name="Google Shape;1769;p58"/>
-            <p:cNvGrpSpPr/>
-            <p:nvPr/>
-          </p:nvGrpSpPr>
-          <p:grpSpPr>
-            <a:xfrm>
-              <a:off x="8287140" y="3938917"/>
-              <a:ext cx="678118" cy="1038569"/>
-              <a:chOff x="6917978" y="1848472"/>
-              <a:chExt cx="967911" cy="1482399"/>
-            </a:xfrm>
-          </p:grpSpPr>
-          <p:grpSp>
-            <p:nvGrpSpPr>
-              <p:cNvPr id="1770" name="Google Shape;1770;p58"/>
-              <p:cNvGrpSpPr/>
-              <p:nvPr/>
-            </p:nvGrpSpPr>
-            <p:grpSpPr>
-              <a:xfrm>
-                <a:off x="6917978" y="1848472"/>
-                <a:ext cx="967911" cy="1482399"/>
-                <a:chOff x="6917978" y="1848472"/>
-                <a:chExt cx="967911" cy="1482399"/>
-              </a:xfrm>
-            </p:grpSpPr>
-            <p:sp>
-              <p:nvSpPr>
-                <p:cNvPr id="1771" name="Google Shape;1771;p58"/>
-                <p:cNvSpPr/>
-                <p:nvPr/>
-              </p:nvSpPr>
-              <p:spPr>
-                <a:xfrm>
-                  <a:off x="7243211" y="1848472"/>
-                  <a:ext cx="317591" cy="307703"/>
-                </a:xfrm>
-                <a:custGeom>
-                  <a:avLst/>
-                  <a:gdLst/>
-                  <a:ahLst/>
-                  <a:cxnLst/>
-                  <a:rect l="l" t="t" r="r" b="b"/>
-                  <a:pathLst>
-                    <a:path w="317591" h="307703" extrusionOk="0">
-                      <a:moveTo>
-                        <a:pt x="317519" y="307703"/>
-                      </a:moveTo>
-                      <a:lnTo>
-                        <a:pt x="0" y="307703"/>
-                      </a:lnTo>
-                      <a:lnTo>
-                        <a:pt x="0" y="83959"/>
-                      </a:lnTo>
-                      <a:cubicBezTo>
-                        <a:pt x="0" y="37582"/>
-                        <a:pt x="37625" y="0"/>
-                        <a:pt x="84055" y="0"/>
-                      </a:cubicBezTo>
-                      <a:lnTo>
-                        <a:pt x="233536" y="0"/>
-                      </a:lnTo>
-                      <a:cubicBezTo>
-                        <a:pt x="279966" y="0"/>
-                        <a:pt x="317591" y="37582"/>
-                        <a:pt x="317591" y="83959"/>
-                      </a:cubicBezTo>
-                      <a:lnTo>
-                        <a:pt x="317591" y="307703"/>
-                      </a:lnTo>
-                      <a:close/>
-                    </a:path>
-                  </a:pathLst>
-                </a:custGeom>
-                <a:solidFill>
-                  <a:schemeClr val="lt1"/>
-                </a:solidFill>
-                <a:ln w="9525" cap="flat" cmpd="sng">
-                  <a:solidFill>
-                    <a:schemeClr val="dk1"/>
-                  </a:solidFill>
-                  <a:prstDash val="solid"/>
-                  <a:miter lim="8000"/>
-                  <a:headEnd type="none" w="sm" len="sm"/>
-                  <a:tailEnd type="none" w="sm" len="sm"/>
-                </a:ln>
-              </p:spPr>
-              <p:txBody>
-                <a:bodyPr spcFirstLastPara="1" wrap="square" lIns="91425" tIns="45700" rIns="91425" bIns="45700" anchor="ctr" anchorCtr="0">
-                  <a:noAutofit/>
-                </a:bodyPr>
-                <a:lstStyle/>
-                <a:p>
-                  <a:pPr marL="0" marR="0" lvl="0" indent="0" algn="l" rtl="0">
-                    <a:spcBef>
-                      <a:spcPts val="0"/>
-                    </a:spcBef>
-                    <a:spcAft>
-                      <a:spcPts val="0"/>
-                    </a:spcAft>
-                    <a:buNone/>
-                  </a:pPr>
-                  <a:endParaRPr sz="1800">
-                    <a:solidFill>
-                      <a:srgbClr val="000000"/>
-                    </a:solidFill>
-                    <a:latin typeface="Calibri"/>
-                    <a:ea typeface="Calibri"/>
-                    <a:cs typeface="Calibri"/>
-                    <a:sym typeface="Calibri"/>
-                  </a:endParaRPr>
-                </a:p>
-              </p:txBody>
-            </p:sp>
-            <p:sp>
-              <p:nvSpPr>
-                <p:cNvPr id="1772" name="Google Shape;1772;p58"/>
-                <p:cNvSpPr/>
-                <p:nvPr/>
-              </p:nvSpPr>
-              <p:spPr>
-                <a:xfrm>
-                  <a:off x="6917978" y="2157193"/>
-                  <a:ext cx="967911" cy="1173677"/>
-                </a:xfrm>
-                <a:custGeom>
-                  <a:avLst/>
-                  <a:gdLst/>
-                  <a:ahLst/>
-                  <a:cxnLst/>
-                  <a:rect l="l" t="t" r="r" b="b"/>
-                  <a:pathLst>
-                    <a:path w="967911" h="1173677" extrusionOk="0">
-                      <a:moveTo>
-                        <a:pt x="967911" y="1173677"/>
-                      </a:moveTo>
-                      <a:lnTo>
-                        <a:pt x="0" y="1173677"/>
-                      </a:lnTo>
-                      <a:lnTo>
-                        <a:pt x="69355" y="0"/>
-                      </a:lnTo>
-                      <a:lnTo>
-                        <a:pt x="882182" y="0"/>
-                      </a:lnTo>
-                      <a:close/>
-                    </a:path>
-                  </a:pathLst>
-                </a:custGeom>
-                <a:solidFill>
-                  <a:schemeClr val="lt1"/>
-                </a:solidFill>
-                <a:ln w="9525" cap="flat" cmpd="sng">
-                  <a:solidFill>
-                    <a:schemeClr val="dk1"/>
-                  </a:solidFill>
-                  <a:prstDash val="solid"/>
-                  <a:miter lim="8000"/>
-                  <a:headEnd type="none" w="sm" len="sm"/>
-                  <a:tailEnd type="none" w="sm" len="sm"/>
-                </a:ln>
-              </p:spPr>
-              <p:txBody>
-                <a:bodyPr spcFirstLastPara="1" wrap="square" lIns="91425" tIns="45700" rIns="91425" bIns="45700" anchor="ctr" anchorCtr="0">
-                  <a:noAutofit/>
-                </a:bodyPr>
-                <a:lstStyle/>
-                <a:p>
-                  <a:pPr marL="0" marR="0" lvl="0" indent="0" algn="l" rtl="0">
-                    <a:spcBef>
-                      <a:spcPts val="0"/>
-                    </a:spcBef>
-                    <a:spcAft>
-                      <a:spcPts val="0"/>
-                    </a:spcAft>
-                    <a:buNone/>
-                  </a:pPr>
-                  <a:endParaRPr sz="1800">
-                    <a:solidFill>
-                      <a:srgbClr val="000000"/>
-                    </a:solidFill>
-                    <a:latin typeface="Calibri"/>
-                    <a:ea typeface="Calibri"/>
-                    <a:cs typeface="Calibri"/>
-                    <a:sym typeface="Calibri"/>
-                  </a:endParaRPr>
-                </a:p>
-              </p:txBody>
-            </p:sp>
-            <p:sp>
-              <p:nvSpPr>
-                <p:cNvPr id="1773" name="Google Shape;1773;p58"/>
-                <p:cNvSpPr/>
-                <p:nvPr/>
-              </p:nvSpPr>
-              <p:spPr>
-                <a:xfrm>
-                  <a:off x="7222252" y="2161991"/>
-                  <a:ext cx="256387" cy="179330"/>
-                </a:xfrm>
-                <a:custGeom>
-                  <a:avLst/>
-                  <a:gdLst/>
-                  <a:ahLst/>
-                  <a:cxnLst/>
-                  <a:rect l="l" t="t" r="r" b="b"/>
-                  <a:pathLst>
-                    <a:path w="256387" h="179330" extrusionOk="0">
-                      <a:moveTo>
-                        <a:pt x="0" y="179330"/>
-                      </a:moveTo>
-                      <a:lnTo>
-                        <a:pt x="256387" y="0"/>
-                      </a:lnTo>
-                    </a:path>
-                  </a:pathLst>
-                </a:custGeom>
-                <a:solidFill>
-                  <a:schemeClr val="lt1"/>
-                </a:solidFill>
-                <a:ln w="9525" cap="flat" cmpd="sng">
-                  <a:solidFill>
-                    <a:schemeClr val="dk1"/>
-                  </a:solidFill>
-                  <a:prstDash val="solid"/>
-                  <a:miter lim="8000"/>
-                  <a:headEnd type="none" w="sm" len="sm"/>
-                  <a:tailEnd type="none" w="sm" len="sm"/>
-                </a:ln>
-              </p:spPr>
-              <p:txBody>
-                <a:bodyPr spcFirstLastPara="1" wrap="square" lIns="91425" tIns="45700" rIns="91425" bIns="45700" anchor="ctr" anchorCtr="0">
-                  <a:noAutofit/>
-                </a:bodyPr>
-                <a:lstStyle/>
-                <a:p>
-                  <a:pPr marL="0" marR="0" lvl="0" indent="0" algn="l" rtl="0">
-                    <a:spcBef>
-                      <a:spcPts val="0"/>
-                    </a:spcBef>
-                    <a:spcAft>
-                      <a:spcPts val="0"/>
-                    </a:spcAft>
-                    <a:buNone/>
-                  </a:pPr>
-                  <a:endParaRPr sz="1800">
-                    <a:solidFill>
-                      <a:srgbClr val="000000"/>
-                    </a:solidFill>
-                    <a:latin typeface="Calibri"/>
-                    <a:ea typeface="Calibri"/>
-                    <a:cs typeface="Calibri"/>
-                    <a:sym typeface="Calibri"/>
-                  </a:endParaRPr>
-                </a:p>
-              </p:txBody>
-            </p:sp>
-            <p:sp>
-              <p:nvSpPr>
-                <p:cNvPr id="1774" name="Google Shape;1774;p58"/>
-                <p:cNvSpPr/>
-                <p:nvPr/>
-              </p:nvSpPr>
-              <p:spPr>
-                <a:xfrm>
-                  <a:off x="7073499" y="2392932"/>
-                  <a:ext cx="75031" cy="52483"/>
-                </a:xfrm>
-                <a:custGeom>
-                  <a:avLst/>
-                  <a:gdLst/>
-                  <a:ahLst/>
-                  <a:cxnLst/>
-                  <a:rect l="l" t="t" r="r" b="b"/>
-                  <a:pathLst>
-                    <a:path w="75031" h="52483" extrusionOk="0">
-                      <a:moveTo>
-                        <a:pt x="0" y="52483"/>
-                      </a:moveTo>
-                      <a:lnTo>
-                        <a:pt x="75031" y="0"/>
-                      </a:lnTo>
-                    </a:path>
-                  </a:pathLst>
-                </a:custGeom>
-                <a:solidFill>
-                  <a:schemeClr val="lt1"/>
-                </a:solidFill>
-                <a:ln w="9525" cap="flat" cmpd="sng">
-                  <a:solidFill>
-                    <a:schemeClr val="dk1"/>
-                  </a:solidFill>
-                  <a:prstDash val="solid"/>
-                  <a:miter lim="8000"/>
-                  <a:headEnd type="none" w="sm" len="sm"/>
-                  <a:tailEnd type="none" w="sm" len="sm"/>
-                </a:ln>
-              </p:spPr>
-              <p:txBody>
-                <a:bodyPr spcFirstLastPara="1" wrap="square" lIns="91425" tIns="45700" rIns="91425" bIns="45700" anchor="ctr" anchorCtr="0">
-                  <a:noAutofit/>
-                </a:bodyPr>
-                <a:lstStyle/>
-                <a:p>
-                  <a:pPr marL="0" marR="0" lvl="0" indent="0" algn="l" rtl="0">
-                    <a:spcBef>
-                      <a:spcPts val="0"/>
-                    </a:spcBef>
-                    <a:spcAft>
-                      <a:spcPts val="0"/>
-                    </a:spcAft>
-                    <a:buNone/>
-                  </a:pPr>
-                  <a:endParaRPr sz="1800">
-                    <a:solidFill>
-                      <a:srgbClr val="000000"/>
-                    </a:solidFill>
-                    <a:latin typeface="Calibri"/>
-                    <a:ea typeface="Calibri"/>
-                    <a:cs typeface="Calibri"/>
-                    <a:sym typeface="Calibri"/>
-                  </a:endParaRPr>
-                </a:p>
-              </p:txBody>
-            </p:sp>
-            <p:sp>
-              <p:nvSpPr>
-                <p:cNvPr id="1775" name="Google Shape;1775;p58"/>
-                <p:cNvSpPr/>
-                <p:nvPr/>
-              </p:nvSpPr>
-              <p:spPr>
-                <a:xfrm>
-                  <a:off x="6965865" y="2445415"/>
-                  <a:ext cx="107634" cy="75308"/>
-                </a:xfrm>
-                <a:custGeom>
-                  <a:avLst/>
-                  <a:gdLst/>
-                  <a:ahLst/>
-                  <a:cxnLst/>
-                  <a:rect l="l" t="t" r="r" b="b"/>
-                  <a:pathLst>
-                    <a:path w="107634" h="75308" extrusionOk="0">
-                      <a:moveTo>
-                        <a:pt x="0" y="75308"/>
-                      </a:moveTo>
-                      <a:lnTo>
-                        <a:pt x="107635" y="0"/>
-                      </a:lnTo>
-                    </a:path>
-                  </a:pathLst>
-                </a:custGeom>
-                <a:solidFill>
-                  <a:schemeClr val="lt1"/>
-                </a:solidFill>
-                <a:ln w="9525" cap="flat" cmpd="sng">
-                  <a:solidFill>
-                    <a:schemeClr val="dk1"/>
-                  </a:solidFill>
-                  <a:prstDash val="solid"/>
-                  <a:miter lim="8000"/>
-                  <a:headEnd type="none" w="sm" len="sm"/>
-                  <a:tailEnd type="none" w="sm" len="sm"/>
-                </a:ln>
-              </p:spPr>
-              <p:txBody>
-                <a:bodyPr spcFirstLastPara="1" wrap="square" lIns="91425" tIns="45700" rIns="91425" bIns="45700" anchor="ctr" anchorCtr="0">
-                  <a:noAutofit/>
-                </a:bodyPr>
-                <a:lstStyle/>
-                <a:p>
-                  <a:pPr marL="0" marR="0" lvl="0" indent="0" algn="l" rtl="0">
-                    <a:spcBef>
-                      <a:spcPts val="0"/>
-                    </a:spcBef>
-                    <a:spcAft>
-                      <a:spcPts val="0"/>
-                    </a:spcAft>
-                    <a:buNone/>
-                  </a:pPr>
-                  <a:endParaRPr sz="1800">
-                    <a:solidFill>
-                      <a:srgbClr val="000000"/>
-                    </a:solidFill>
-                    <a:latin typeface="Calibri"/>
-                    <a:ea typeface="Calibri"/>
-                    <a:cs typeface="Calibri"/>
-                    <a:sym typeface="Calibri"/>
-                  </a:endParaRPr>
-                </a:p>
-              </p:txBody>
-            </p:sp>
-            <p:sp>
-              <p:nvSpPr>
-                <p:cNvPr id="1776" name="Google Shape;1776;p58"/>
-                <p:cNvSpPr/>
-                <p:nvPr/>
-              </p:nvSpPr>
-              <p:spPr>
-                <a:xfrm>
-                  <a:off x="6946943" y="2209967"/>
-                  <a:ext cx="852416" cy="631107"/>
-                </a:xfrm>
-                <a:custGeom>
-                  <a:avLst/>
-                  <a:gdLst/>
-                  <a:ahLst/>
-                  <a:cxnLst/>
-                  <a:rect l="l" t="t" r="r" b="b"/>
-                  <a:pathLst>
-                    <a:path w="852416" h="631107" extrusionOk="0">
-                      <a:moveTo>
-                        <a:pt x="0" y="631108"/>
-                      </a:moveTo>
-                      <a:lnTo>
-                        <a:pt x="852417" y="0"/>
-                      </a:lnTo>
-                    </a:path>
-                  </a:pathLst>
-                </a:custGeom>
-                <a:solidFill>
-                  <a:schemeClr val="lt1"/>
-                </a:solidFill>
-                <a:ln w="9525" cap="flat" cmpd="sng">
-                  <a:solidFill>
-                    <a:schemeClr val="dk1"/>
-                  </a:solidFill>
-                  <a:prstDash val="solid"/>
-                  <a:miter lim="8000"/>
-                  <a:headEnd type="none" w="sm" len="sm"/>
-                  <a:tailEnd type="none" w="sm" len="sm"/>
-                </a:ln>
-              </p:spPr>
-              <p:txBody>
-                <a:bodyPr spcFirstLastPara="1" wrap="square" lIns="91425" tIns="45700" rIns="91425" bIns="45700" anchor="ctr" anchorCtr="0">
-                  <a:noAutofit/>
-                </a:bodyPr>
-                <a:lstStyle/>
-                <a:p>
-                  <a:pPr marL="0" marR="0" lvl="0" indent="0" algn="l" rtl="0">
-                    <a:spcBef>
-                      <a:spcPts val="0"/>
-                    </a:spcBef>
-                    <a:spcAft>
-                      <a:spcPts val="0"/>
-                    </a:spcAft>
-                    <a:buNone/>
-                  </a:pPr>
-                  <a:endParaRPr sz="1800">
-                    <a:solidFill>
-                      <a:srgbClr val="000000"/>
-                    </a:solidFill>
-                    <a:latin typeface="Calibri"/>
-                    <a:ea typeface="Calibri"/>
-                    <a:cs typeface="Calibri"/>
-                    <a:sym typeface="Calibri"/>
-                  </a:endParaRPr>
-                </a:p>
-              </p:txBody>
-            </p:sp>
-            <p:sp>
-              <p:nvSpPr>
-                <p:cNvPr id="1777" name="Google Shape;1777;p58"/>
-                <p:cNvSpPr/>
-                <p:nvPr/>
-              </p:nvSpPr>
-              <p:spPr>
-                <a:xfrm>
-                  <a:off x="6932242" y="2465987"/>
-                  <a:ext cx="890478" cy="622893"/>
-                </a:xfrm>
-                <a:custGeom>
-                  <a:avLst/>
-                  <a:gdLst/>
-                  <a:ahLst/>
-                  <a:cxnLst/>
-                  <a:rect l="l" t="t" r="r" b="b"/>
-                  <a:pathLst>
-                    <a:path w="890478" h="622893" extrusionOk="0">
-                      <a:moveTo>
-                        <a:pt x="0" y="622894"/>
-                      </a:moveTo>
-                      <a:lnTo>
-                        <a:pt x="890478" y="0"/>
-                      </a:lnTo>
-                    </a:path>
-                  </a:pathLst>
-                </a:custGeom>
-                <a:solidFill>
-                  <a:schemeClr val="lt1"/>
-                </a:solidFill>
-                <a:ln w="9525" cap="flat" cmpd="sng">
-                  <a:solidFill>
-                    <a:schemeClr val="dk1"/>
-                  </a:solidFill>
-                  <a:prstDash val="solid"/>
-                  <a:miter lim="8000"/>
-                  <a:headEnd type="none" w="sm" len="sm"/>
-                  <a:tailEnd type="none" w="sm" len="sm"/>
-                </a:ln>
-              </p:spPr>
-              <p:txBody>
-                <a:bodyPr spcFirstLastPara="1" wrap="square" lIns="91425" tIns="45700" rIns="91425" bIns="45700" anchor="ctr" anchorCtr="0">
-                  <a:noAutofit/>
-                </a:bodyPr>
-                <a:lstStyle/>
-                <a:p>
-                  <a:pPr marL="0" marR="0" lvl="0" indent="0" algn="l" rtl="0">
-                    <a:spcBef>
-                      <a:spcPts val="0"/>
-                    </a:spcBef>
-                    <a:spcAft>
-                      <a:spcPts val="0"/>
-                    </a:spcAft>
-                    <a:buNone/>
-                  </a:pPr>
-                  <a:endParaRPr sz="1800">
-                    <a:solidFill>
-                      <a:srgbClr val="000000"/>
-                    </a:solidFill>
-                    <a:latin typeface="Calibri"/>
-                    <a:ea typeface="Calibri"/>
-                    <a:cs typeface="Calibri"/>
-                    <a:sym typeface="Calibri"/>
-                  </a:endParaRPr>
-                </a:p>
-              </p:txBody>
-            </p:sp>
-            <p:sp>
-              <p:nvSpPr>
-                <p:cNvPr id="1778" name="Google Shape;1778;p58"/>
-                <p:cNvSpPr/>
-                <p:nvPr/>
-              </p:nvSpPr>
-              <p:spPr>
-                <a:xfrm>
-                  <a:off x="6917978" y="2720771"/>
-                  <a:ext cx="923299" cy="610100"/>
-                </a:xfrm>
-                <a:custGeom>
-                  <a:avLst/>
-                  <a:gdLst/>
-                  <a:ahLst/>
-                  <a:cxnLst/>
-                  <a:rect l="l" t="t" r="r" b="b"/>
-                  <a:pathLst>
-                    <a:path w="923299" h="610100" extrusionOk="0">
-                      <a:moveTo>
-                        <a:pt x="0" y="610100"/>
-                      </a:moveTo>
-                      <a:lnTo>
-                        <a:pt x="923300" y="0"/>
-                      </a:lnTo>
-                    </a:path>
-                  </a:pathLst>
-                </a:custGeom>
-                <a:solidFill>
-                  <a:schemeClr val="lt1"/>
-                </a:solidFill>
-                <a:ln w="9525" cap="flat" cmpd="sng">
-                  <a:solidFill>
-                    <a:schemeClr val="dk1"/>
-                  </a:solidFill>
-                  <a:prstDash val="solid"/>
-                  <a:miter lim="8000"/>
-                  <a:headEnd type="none" w="sm" len="sm"/>
-                  <a:tailEnd type="none" w="sm" len="sm"/>
-                </a:ln>
-              </p:spPr>
-              <p:txBody>
-                <a:bodyPr spcFirstLastPara="1" wrap="square" lIns="91425" tIns="45700" rIns="91425" bIns="45700" anchor="ctr" anchorCtr="0">
-                  <a:noAutofit/>
-                </a:bodyPr>
-                <a:lstStyle/>
-                <a:p>
-                  <a:pPr marL="0" marR="0" lvl="0" indent="0" algn="l" rtl="0">
-                    <a:spcBef>
-                      <a:spcPts val="0"/>
-                    </a:spcBef>
-                    <a:spcAft>
-                      <a:spcPts val="0"/>
-                    </a:spcAft>
-                    <a:buNone/>
-                  </a:pPr>
-                  <a:endParaRPr sz="1800">
-                    <a:solidFill>
-                      <a:srgbClr val="000000"/>
-                    </a:solidFill>
-                    <a:latin typeface="Calibri"/>
-                    <a:ea typeface="Calibri"/>
-                    <a:cs typeface="Calibri"/>
-                    <a:sym typeface="Calibri"/>
-                  </a:endParaRPr>
-                </a:p>
-              </p:txBody>
-            </p:sp>
-            <p:sp>
-              <p:nvSpPr>
-                <p:cNvPr id="1779" name="Google Shape;1779;p58"/>
-                <p:cNvSpPr/>
-                <p:nvPr/>
-              </p:nvSpPr>
-              <p:spPr>
-                <a:xfrm>
-                  <a:off x="7617494" y="2979262"/>
-                  <a:ext cx="242705" cy="164937"/>
-                </a:xfrm>
-                <a:custGeom>
-                  <a:avLst/>
-                  <a:gdLst/>
-                  <a:ahLst/>
-                  <a:cxnLst/>
-                  <a:rect l="l" t="t" r="r" b="b"/>
-                  <a:pathLst>
-                    <a:path w="242705" h="164937" extrusionOk="0">
-                      <a:moveTo>
-                        <a:pt x="0" y="164937"/>
-                      </a:moveTo>
-                      <a:lnTo>
-                        <a:pt x="242705" y="0"/>
-                      </a:lnTo>
-                    </a:path>
-                  </a:pathLst>
-                </a:custGeom>
-                <a:solidFill>
-                  <a:schemeClr val="lt1"/>
-                </a:solidFill>
-                <a:ln w="9525" cap="flat" cmpd="sng">
-                  <a:solidFill>
-                    <a:schemeClr val="dk1"/>
-                  </a:solidFill>
-                  <a:prstDash val="solid"/>
-                  <a:miter lim="8000"/>
-                  <a:headEnd type="none" w="sm" len="sm"/>
-                  <a:tailEnd type="none" w="sm" len="sm"/>
-                </a:ln>
-              </p:spPr>
-              <p:txBody>
-                <a:bodyPr spcFirstLastPara="1" wrap="square" lIns="91425" tIns="45700" rIns="91425" bIns="45700" anchor="ctr" anchorCtr="0">
-                  <a:noAutofit/>
-                </a:bodyPr>
-                <a:lstStyle/>
-                <a:p>
-                  <a:pPr marL="0" marR="0" lvl="0" indent="0" algn="l" rtl="0">
-                    <a:spcBef>
-                      <a:spcPts val="0"/>
-                    </a:spcBef>
-                    <a:spcAft>
-                      <a:spcPts val="0"/>
-                    </a:spcAft>
-                    <a:buNone/>
-                  </a:pPr>
-                  <a:endParaRPr sz="1800">
-                    <a:solidFill>
-                      <a:srgbClr val="000000"/>
-                    </a:solidFill>
-                    <a:latin typeface="Calibri"/>
-                    <a:ea typeface="Calibri"/>
-                    <a:cs typeface="Calibri"/>
-                    <a:sym typeface="Calibri"/>
-                  </a:endParaRPr>
-                </a:p>
-              </p:txBody>
-            </p:sp>
-            <p:sp>
-              <p:nvSpPr>
-                <p:cNvPr id="1780" name="Google Shape;1780;p58"/>
-                <p:cNvSpPr/>
-                <p:nvPr/>
-              </p:nvSpPr>
-              <p:spPr>
-                <a:xfrm>
-                  <a:off x="7342768" y="3203006"/>
-                  <a:ext cx="188196" cy="127864"/>
-                </a:xfrm>
-                <a:custGeom>
-                  <a:avLst/>
-                  <a:gdLst/>
-                  <a:ahLst/>
-                  <a:cxnLst/>
-                  <a:rect l="l" t="t" r="r" b="b"/>
-                  <a:pathLst>
-                    <a:path w="188196" h="127864" extrusionOk="0">
-                      <a:moveTo>
-                        <a:pt x="0" y="127864"/>
-                      </a:moveTo>
-                      <a:lnTo>
-                        <a:pt x="188197" y="0"/>
-                      </a:lnTo>
-                    </a:path>
-                  </a:pathLst>
-                </a:custGeom>
-                <a:solidFill>
-                  <a:schemeClr val="lt1"/>
-                </a:solidFill>
-                <a:ln w="9525" cap="flat" cmpd="sng">
-                  <a:solidFill>
-                    <a:schemeClr val="dk1"/>
-                  </a:solidFill>
-                  <a:prstDash val="solid"/>
-                  <a:miter lim="8000"/>
-                  <a:headEnd type="none" w="sm" len="sm"/>
-                  <a:tailEnd type="none" w="sm" len="sm"/>
-                </a:ln>
-              </p:spPr>
-              <p:txBody>
-                <a:bodyPr spcFirstLastPara="1" wrap="square" lIns="91425" tIns="45700" rIns="91425" bIns="45700" anchor="ctr" anchorCtr="0">
-                  <a:noAutofit/>
-                </a:bodyPr>
-                <a:lstStyle/>
-                <a:p>
-                  <a:pPr marL="0" marR="0" lvl="0" indent="0" algn="l" rtl="0">
-                    <a:spcBef>
-                      <a:spcPts val="0"/>
-                    </a:spcBef>
-                    <a:spcAft>
-                      <a:spcPts val="0"/>
-                    </a:spcAft>
-                    <a:buNone/>
-                  </a:pPr>
-                  <a:endParaRPr sz="1800">
-                    <a:solidFill>
-                      <a:srgbClr val="000000"/>
-                    </a:solidFill>
-                    <a:latin typeface="Calibri"/>
-                    <a:ea typeface="Calibri"/>
-                    <a:cs typeface="Calibri"/>
-                    <a:sym typeface="Calibri"/>
-                  </a:endParaRPr>
-                </a:p>
-              </p:txBody>
-            </p:sp>
-            <p:sp>
-              <p:nvSpPr>
-                <p:cNvPr id="1781" name="Google Shape;1781;p58"/>
-                <p:cNvSpPr/>
-                <p:nvPr/>
-              </p:nvSpPr>
-              <p:spPr>
-                <a:xfrm>
-                  <a:off x="7754385" y="3243350"/>
-                  <a:ext cx="125100" cy="87520"/>
-                </a:xfrm>
-                <a:custGeom>
-                  <a:avLst/>
-                  <a:gdLst/>
-                  <a:ahLst/>
-                  <a:cxnLst/>
-                  <a:rect l="l" t="t" r="r" b="b"/>
-                  <a:pathLst>
-                    <a:path w="125100" h="87520" extrusionOk="0">
-                      <a:moveTo>
-                        <a:pt x="0" y="87521"/>
-                      </a:moveTo>
-                      <a:lnTo>
-                        <a:pt x="125101" y="0"/>
-                      </a:lnTo>
-                    </a:path>
-                  </a:pathLst>
-                </a:custGeom>
-                <a:solidFill>
-                  <a:schemeClr val="lt1"/>
-                </a:solidFill>
-                <a:ln w="9525" cap="flat" cmpd="sng">
-                  <a:solidFill>
-                    <a:schemeClr val="dk1"/>
-                  </a:solidFill>
-                  <a:prstDash val="solid"/>
-                  <a:miter lim="8000"/>
-                  <a:headEnd type="none" w="sm" len="sm"/>
-                  <a:tailEnd type="none" w="sm" len="sm"/>
-                </a:ln>
-              </p:spPr>
-              <p:txBody>
-                <a:bodyPr spcFirstLastPara="1" wrap="square" lIns="91425" tIns="45700" rIns="91425" bIns="45700" anchor="ctr" anchorCtr="0">
-                  <a:noAutofit/>
-                </a:bodyPr>
-                <a:lstStyle/>
-                <a:p>
-                  <a:pPr marL="0" marR="0" lvl="0" indent="0" algn="l" rtl="0">
-                    <a:spcBef>
-                      <a:spcPts val="0"/>
-                    </a:spcBef>
-                    <a:spcAft>
-                      <a:spcPts val="0"/>
-                    </a:spcAft>
-                    <a:buNone/>
-                  </a:pPr>
-                  <a:endParaRPr sz="1800">
-                    <a:solidFill>
-                      <a:srgbClr val="000000"/>
-                    </a:solidFill>
-                    <a:latin typeface="Calibri"/>
-                    <a:ea typeface="Calibri"/>
-                    <a:cs typeface="Calibri"/>
-                    <a:sym typeface="Calibri"/>
-                  </a:endParaRPr>
-                </a:p>
-              </p:txBody>
-            </p:sp>
-            <p:sp>
-              <p:nvSpPr>
-                <p:cNvPr id="1782" name="Google Shape;1782;p58"/>
-                <p:cNvSpPr/>
-                <p:nvPr/>
-              </p:nvSpPr>
-              <p:spPr>
-                <a:xfrm>
-                  <a:off x="6977145" y="2157193"/>
-                  <a:ext cx="125100" cy="87520"/>
-                </a:xfrm>
-                <a:custGeom>
-                  <a:avLst/>
-                  <a:gdLst/>
-                  <a:ahLst/>
-                  <a:cxnLst/>
-                  <a:rect l="l" t="t" r="r" b="b"/>
-                  <a:pathLst>
-                    <a:path w="125100" h="87520" extrusionOk="0">
-                      <a:moveTo>
-                        <a:pt x="0" y="87521"/>
-                      </a:moveTo>
-                      <a:lnTo>
-                        <a:pt x="125101" y="0"/>
-                      </a:lnTo>
-                    </a:path>
-                  </a:pathLst>
-                </a:custGeom>
-                <a:solidFill>
-                  <a:schemeClr val="lt1"/>
-                </a:solidFill>
-                <a:ln w="9525" cap="flat" cmpd="sng">
-                  <a:solidFill>
-                    <a:schemeClr val="dk1"/>
-                  </a:solidFill>
-                  <a:prstDash val="solid"/>
-                  <a:miter lim="8000"/>
-                  <a:headEnd type="none" w="sm" len="sm"/>
-                  <a:tailEnd type="none" w="sm" len="sm"/>
-                </a:ln>
-              </p:spPr>
-              <p:txBody>
-                <a:bodyPr spcFirstLastPara="1" wrap="square" lIns="91425" tIns="45700" rIns="91425" bIns="45700" anchor="ctr" anchorCtr="0">
-                  <a:noAutofit/>
-                </a:bodyPr>
-                <a:lstStyle/>
-                <a:p>
-                  <a:pPr marL="0" marR="0" lvl="0" indent="0" algn="l" rtl="0">
-                    <a:spcBef>
-                      <a:spcPts val="0"/>
-                    </a:spcBef>
-                    <a:spcAft>
-                      <a:spcPts val="0"/>
-                    </a:spcAft>
-                    <a:buNone/>
-                  </a:pPr>
-                  <a:endParaRPr sz="1800">
-                    <a:solidFill>
-                      <a:srgbClr val="000000"/>
-                    </a:solidFill>
-                    <a:latin typeface="Calibri"/>
-                    <a:ea typeface="Calibri"/>
-                    <a:cs typeface="Calibri"/>
-                    <a:sym typeface="Calibri"/>
-                  </a:endParaRPr>
-                </a:p>
-              </p:txBody>
-            </p:sp>
-          </p:grpSp>
-          <p:sp>
-            <p:nvSpPr>
-              <p:cNvPr id="1783" name="Google Shape;1783;p58"/>
-              <p:cNvSpPr/>
-              <p:nvPr/>
-            </p:nvSpPr>
-            <p:spPr>
-              <a:xfrm>
-                <a:off x="7178951" y="2498044"/>
-                <a:ext cx="445894" cy="445381"/>
-              </a:xfrm>
-              <a:custGeom>
-                <a:avLst/>
-                <a:gdLst/>
-                <a:ahLst/>
-                <a:cxnLst/>
-                <a:rect l="l" t="t" r="r" b="b"/>
-                <a:pathLst>
-                  <a:path w="445894" h="445381" extrusionOk="0">
-                    <a:moveTo>
-                      <a:pt x="0" y="0"/>
-                    </a:moveTo>
-                    <a:lnTo>
-                      <a:pt x="445894" y="0"/>
-                    </a:lnTo>
-                    <a:lnTo>
-                      <a:pt x="445894" y="445381"/>
-                    </a:lnTo>
-                    <a:lnTo>
-                      <a:pt x="0" y="445381"/>
-                    </a:lnTo>
-                    <a:close/>
-                  </a:path>
-                </a:pathLst>
-              </a:custGeom>
-              <a:solidFill>
-                <a:schemeClr val="lt1"/>
-              </a:solidFill>
-              <a:ln w="9525" cap="flat" cmpd="sng">
-                <a:solidFill>
-                  <a:schemeClr val="dk1"/>
-                </a:solidFill>
-                <a:prstDash val="solid"/>
-                <a:round/>
-                <a:headEnd type="none" w="sm" len="sm"/>
-                <a:tailEnd type="none" w="sm" len="sm"/>
-              </a:ln>
-            </p:spPr>
-            <p:txBody>
-              <a:bodyPr spcFirstLastPara="1" wrap="square" lIns="91425" tIns="45700" rIns="91425" bIns="45700" anchor="ctr" anchorCtr="0">
-                <a:noAutofit/>
-              </a:bodyPr>
-              <a:lstStyle/>
-              <a:p>
-                <a:pPr marL="0" marR="0" lvl="0" indent="0" algn="l" rtl="0">
-                  <a:spcBef>
-                    <a:spcPts val="0"/>
-                  </a:spcBef>
-                  <a:spcAft>
-                    <a:spcPts val="0"/>
-                  </a:spcAft>
-                  <a:buNone/>
-                </a:pPr>
-                <a:endParaRPr sz="1800">
-                  <a:solidFill>
-                    <a:srgbClr val="000000"/>
-                  </a:solidFill>
-                  <a:latin typeface="Calibri"/>
-                  <a:ea typeface="Calibri"/>
-                  <a:cs typeface="Calibri"/>
-                  <a:sym typeface="Calibri"/>
-                </a:endParaRPr>
-              </a:p>
-            </p:txBody>
-          </p:sp>
-        </p:grpSp>
-        <p:grpSp>
-          <p:nvGrpSpPr>
-            <p:cNvPr id="1784" name="Google Shape;1784;p58"/>
-            <p:cNvGrpSpPr/>
-            <p:nvPr/>
-          </p:nvGrpSpPr>
-          <p:grpSpPr>
-            <a:xfrm rot="-1414743">
-              <a:off x="7962395" y="3947718"/>
-              <a:ext cx="438225" cy="566921"/>
-              <a:chOff x="883275" y="3327479"/>
-              <a:chExt cx="569698" cy="737055"/>
-            </a:xfrm>
-          </p:grpSpPr>
-          <p:grpSp>
-            <p:nvGrpSpPr>
-              <p:cNvPr id="1785" name="Google Shape;1785;p58"/>
-              <p:cNvGrpSpPr/>
-              <p:nvPr/>
-            </p:nvGrpSpPr>
-            <p:grpSpPr>
-              <a:xfrm>
-                <a:off x="938325" y="3437254"/>
-                <a:ext cx="93204" cy="133331"/>
-                <a:chOff x="4306871" y="1436218"/>
-                <a:chExt cx="138655" cy="198350"/>
-              </a:xfrm>
-            </p:grpSpPr>
-            <p:sp>
-              <p:nvSpPr>
-                <p:cNvPr id="1786" name="Google Shape;1786;p58"/>
-                <p:cNvSpPr/>
-                <p:nvPr/>
-              </p:nvSpPr>
-              <p:spPr>
-                <a:xfrm>
-                  <a:off x="4306871" y="1436218"/>
-                  <a:ext cx="138655" cy="198350"/>
-                </a:xfrm>
-                <a:custGeom>
-                  <a:avLst/>
-                  <a:gdLst/>
-                  <a:ahLst/>
-                  <a:cxnLst/>
-                  <a:rect l="l" t="t" r="r" b="b"/>
-                  <a:pathLst>
-                    <a:path w="138655" h="198350" extrusionOk="0">
-                      <a:moveTo>
-                        <a:pt x="138655" y="143517"/>
-                      </a:moveTo>
-                      <a:lnTo>
-                        <a:pt x="18799" y="198351"/>
-                      </a:lnTo>
-                      <a:lnTo>
-                        <a:pt x="743" y="77114"/>
-                      </a:lnTo>
-                      <a:cubicBezTo>
-                        <a:pt x="-4813" y="39806"/>
-                        <a:pt x="21404" y="5217"/>
-                        <a:pt x="58848" y="532"/>
-                      </a:cubicBezTo>
-                      <a:lnTo>
-                        <a:pt x="58848" y="532"/>
-                      </a:lnTo>
-                      <a:cubicBezTo>
-                        <a:pt x="97623" y="-4327"/>
-                        <a:pt x="132405" y="24709"/>
-                        <a:pt x="134430" y="63695"/>
-                      </a:cubicBezTo>
-                      <a:lnTo>
-                        <a:pt x="138655" y="143517"/>
-                      </a:lnTo>
-                      <a:close/>
-                    </a:path>
-                  </a:pathLst>
-                </a:custGeom>
-                <a:solidFill>
-                  <a:schemeClr val="lt2"/>
-                </a:solidFill>
-                <a:ln w="9525" cap="flat" cmpd="sng">
-                  <a:solidFill>
-                    <a:schemeClr val="dk1"/>
-                  </a:solidFill>
-                  <a:prstDash val="solid"/>
-                  <a:round/>
-                  <a:headEnd type="none" w="sm" len="sm"/>
-                  <a:tailEnd type="none" w="sm" len="sm"/>
-                </a:ln>
-              </p:spPr>
-              <p:txBody>
-                <a:bodyPr spcFirstLastPara="1" wrap="square" lIns="91425" tIns="45700" rIns="91425" bIns="45700" anchor="ctr" anchorCtr="0">
-                  <a:noAutofit/>
-                </a:bodyPr>
-                <a:lstStyle/>
-                <a:p>
-                  <a:pPr marL="0" marR="0" lvl="0" indent="0" algn="l" rtl="0">
-                    <a:spcBef>
-                      <a:spcPts val="0"/>
-                    </a:spcBef>
-                    <a:spcAft>
-                      <a:spcPts val="0"/>
-                    </a:spcAft>
-                    <a:buNone/>
-                  </a:pPr>
-                  <a:endParaRPr sz="1800">
-                    <a:solidFill>
-                      <a:srgbClr val="000000"/>
-                    </a:solidFill>
-                    <a:latin typeface="Calibri"/>
-                    <a:ea typeface="Calibri"/>
-                    <a:cs typeface="Calibri"/>
-                    <a:sym typeface="Calibri"/>
-                  </a:endParaRPr>
-                </a:p>
-              </p:txBody>
-            </p:sp>
-            <p:sp>
-              <p:nvSpPr>
-                <p:cNvPr id="1787" name="Google Shape;1787;p58"/>
-                <p:cNvSpPr/>
-                <p:nvPr/>
-              </p:nvSpPr>
-              <p:spPr>
-                <a:xfrm>
-                  <a:off x="4306871" y="1436218"/>
-                  <a:ext cx="138655" cy="198350"/>
-                </a:xfrm>
-                <a:custGeom>
-                  <a:avLst/>
-                  <a:gdLst/>
-                  <a:ahLst/>
-                  <a:cxnLst/>
-                  <a:rect l="l" t="t" r="r" b="b"/>
-                  <a:pathLst>
-                    <a:path w="138655" h="198350" extrusionOk="0">
-                      <a:moveTo>
-                        <a:pt x="138655" y="143517"/>
-                      </a:moveTo>
-                      <a:lnTo>
-                        <a:pt x="18799" y="198351"/>
-                      </a:lnTo>
-                      <a:lnTo>
-                        <a:pt x="743" y="77114"/>
-                      </a:lnTo>
-                      <a:cubicBezTo>
-                        <a:pt x="-4813" y="39806"/>
-                        <a:pt x="21404" y="5217"/>
-                        <a:pt x="58848" y="532"/>
-                      </a:cubicBezTo>
-                      <a:lnTo>
-                        <a:pt x="58848" y="532"/>
-                      </a:lnTo>
-                      <a:cubicBezTo>
-                        <a:pt x="97623" y="-4327"/>
-                        <a:pt x="132405" y="24709"/>
-                        <a:pt x="134430" y="63695"/>
-                      </a:cubicBezTo>
-                      <a:lnTo>
-                        <a:pt x="138655" y="143517"/>
-                      </a:lnTo>
-                      <a:close/>
-                    </a:path>
-                  </a:pathLst>
-                </a:custGeom>
-                <a:solidFill>
-                  <a:schemeClr val="lt2"/>
-                </a:solidFill>
-                <a:ln w="9525" cap="flat" cmpd="sng">
-                  <a:solidFill>
-                    <a:schemeClr val="dk1"/>
-                  </a:solidFill>
-                  <a:prstDash val="solid"/>
-                  <a:miter lim="8000"/>
-                  <a:headEnd type="none" w="sm" len="sm"/>
-                  <a:tailEnd type="none" w="sm" len="sm"/>
-                </a:ln>
-              </p:spPr>
-              <p:txBody>
-                <a:bodyPr spcFirstLastPara="1" wrap="square" lIns="91425" tIns="45700" rIns="91425" bIns="45700" anchor="ctr" anchorCtr="0">
-                  <a:noAutofit/>
-                </a:bodyPr>
-                <a:lstStyle/>
-                <a:p>
-                  <a:pPr marL="0" marR="0" lvl="0" indent="0" algn="l" rtl="0">
-                    <a:spcBef>
-                      <a:spcPts val="0"/>
-                    </a:spcBef>
-                    <a:spcAft>
-                      <a:spcPts val="0"/>
-                    </a:spcAft>
-                    <a:buNone/>
-                  </a:pPr>
-                  <a:endParaRPr sz="1800">
-                    <a:solidFill>
-                      <a:srgbClr val="000000"/>
-                    </a:solidFill>
-                    <a:latin typeface="Calibri"/>
-                    <a:ea typeface="Calibri"/>
-                    <a:cs typeface="Calibri"/>
-                    <a:sym typeface="Calibri"/>
-                  </a:endParaRPr>
-                </a:p>
-              </p:txBody>
-            </p:sp>
-          </p:grpSp>
-          <p:grpSp>
-            <p:nvGrpSpPr>
-              <p:cNvPr id="1788" name="Google Shape;1788;p58"/>
-              <p:cNvGrpSpPr/>
-              <p:nvPr/>
-            </p:nvGrpSpPr>
-            <p:grpSpPr>
-              <a:xfrm>
-                <a:off x="955747" y="3694111"/>
-                <a:ext cx="139621" cy="370423"/>
-                <a:chOff x="4332789" y="1818333"/>
-                <a:chExt cx="207707" cy="551060"/>
-              </a:xfrm>
-            </p:grpSpPr>
-            <p:sp>
-              <p:nvSpPr>
-                <p:cNvPr id="1789" name="Google Shape;1789;p58"/>
-                <p:cNvSpPr/>
-                <p:nvPr/>
-              </p:nvSpPr>
-              <p:spPr>
-                <a:xfrm>
-                  <a:off x="4332789" y="1818333"/>
-                  <a:ext cx="207707" cy="551060"/>
-                </a:xfrm>
-                <a:custGeom>
-                  <a:avLst/>
-                  <a:gdLst/>
-                  <a:ahLst/>
-                  <a:cxnLst/>
-                  <a:rect l="l" t="t" r="r" b="b"/>
-                  <a:pathLst>
-                    <a:path w="207707" h="551060" extrusionOk="0">
-                      <a:moveTo>
-                        <a:pt x="207708" y="535096"/>
-                      </a:moveTo>
-                      <a:lnTo>
-                        <a:pt x="59263" y="551060"/>
-                      </a:lnTo>
-                      <a:lnTo>
-                        <a:pt x="0" y="0"/>
-                      </a:lnTo>
-                      <a:lnTo>
-                        <a:pt x="164766" y="135755"/>
-                      </a:lnTo>
-                      <a:close/>
-                    </a:path>
-                  </a:pathLst>
-                </a:custGeom>
-                <a:solidFill>
-                  <a:schemeClr val="lt2"/>
-                </a:solidFill>
-                <a:ln w="9525" cap="flat" cmpd="sng">
-                  <a:solidFill>
-                    <a:schemeClr val="dk1"/>
-                  </a:solidFill>
-                  <a:prstDash val="solid"/>
-                  <a:round/>
-                  <a:headEnd type="none" w="sm" len="sm"/>
-                  <a:tailEnd type="none" w="sm" len="sm"/>
-                </a:ln>
-              </p:spPr>
-              <p:txBody>
-                <a:bodyPr spcFirstLastPara="1" wrap="square" lIns="91425" tIns="45700" rIns="91425" bIns="45700" anchor="ctr" anchorCtr="0">
-                  <a:noAutofit/>
-                </a:bodyPr>
-                <a:lstStyle/>
-                <a:p>
-                  <a:pPr marL="0" marR="0" lvl="0" indent="0" algn="l" rtl="0">
-                    <a:spcBef>
-                      <a:spcPts val="0"/>
-                    </a:spcBef>
-                    <a:spcAft>
-                      <a:spcPts val="0"/>
-                    </a:spcAft>
-                    <a:buNone/>
-                  </a:pPr>
-                  <a:endParaRPr sz="1800">
-                    <a:solidFill>
-                      <a:srgbClr val="000000"/>
-                    </a:solidFill>
-                    <a:latin typeface="Calibri"/>
-                    <a:ea typeface="Calibri"/>
-                    <a:cs typeface="Calibri"/>
-                    <a:sym typeface="Calibri"/>
-                  </a:endParaRPr>
-                </a:p>
-              </p:txBody>
-            </p:sp>
-            <p:sp>
-              <p:nvSpPr>
-                <p:cNvPr id="1790" name="Google Shape;1790;p58"/>
-                <p:cNvSpPr/>
-                <p:nvPr/>
-              </p:nvSpPr>
-              <p:spPr>
-                <a:xfrm>
-                  <a:off x="4332789" y="1818333"/>
-                  <a:ext cx="207707" cy="551060"/>
-                </a:xfrm>
-                <a:custGeom>
-                  <a:avLst/>
-                  <a:gdLst/>
-                  <a:ahLst/>
-                  <a:cxnLst/>
-                  <a:rect l="l" t="t" r="r" b="b"/>
-                  <a:pathLst>
-                    <a:path w="207707" h="551060" extrusionOk="0">
-                      <a:moveTo>
-                        <a:pt x="207708" y="535096"/>
-                      </a:moveTo>
-                      <a:lnTo>
-                        <a:pt x="59263" y="551060"/>
-                      </a:lnTo>
-                      <a:lnTo>
-                        <a:pt x="0" y="0"/>
-                      </a:lnTo>
-                      <a:lnTo>
-                        <a:pt x="164766" y="135755"/>
-                      </a:lnTo>
-                      <a:close/>
-                    </a:path>
-                  </a:pathLst>
-                </a:custGeom>
-                <a:solidFill>
-                  <a:schemeClr val="lt2"/>
-                </a:solidFill>
-                <a:ln w="9525" cap="flat" cmpd="sng">
-                  <a:solidFill>
-                    <a:schemeClr val="dk1"/>
-                  </a:solidFill>
-                  <a:prstDash val="solid"/>
-                  <a:miter lim="8000"/>
-                  <a:headEnd type="none" w="sm" len="sm"/>
-                  <a:tailEnd type="none" w="sm" len="sm"/>
-                </a:ln>
-              </p:spPr>
-              <p:txBody>
-                <a:bodyPr spcFirstLastPara="1" wrap="square" lIns="91425" tIns="45700" rIns="91425" bIns="45700" anchor="ctr" anchorCtr="0">
-                  <a:noAutofit/>
-                </a:bodyPr>
-                <a:lstStyle/>
-                <a:p>
-                  <a:pPr marL="0" marR="0" lvl="0" indent="0" algn="l" rtl="0">
-                    <a:spcBef>
-                      <a:spcPts val="0"/>
-                    </a:spcBef>
-                    <a:spcAft>
-                      <a:spcPts val="0"/>
-                    </a:spcAft>
-                    <a:buNone/>
-                  </a:pPr>
-                  <a:endParaRPr sz="1800">
-                    <a:solidFill>
-                      <a:srgbClr val="000000"/>
-                    </a:solidFill>
-                    <a:latin typeface="Calibri"/>
-                    <a:ea typeface="Calibri"/>
-                    <a:cs typeface="Calibri"/>
-                    <a:sym typeface="Calibri"/>
-                  </a:endParaRPr>
-                </a:p>
-              </p:txBody>
-            </p:sp>
-          </p:grpSp>
-          <p:grpSp>
-            <p:nvGrpSpPr>
-              <p:cNvPr id="1791" name="Google Shape;1791;p58"/>
-              <p:cNvGrpSpPr/>
-              <p:nvPr/>
-            </p:nvGrpSpPr>
-            <p:grpSpPr>
-              <a:xfrm>
-                <a:off x="1080779" y="3327479"/>
-                <a:ext cx="372194" cy="533019"/>
-                <a:chOff x="4518794" y="1272912"/>
-                <a:chExt cx="553695" cy="792947"/>
-              </a:xfrm>
-            </p:grpSpPr>
-            <p:sp>
-              <p:nvSpPr>
-                <p:cNvPr id="1792" name="Google Shape;1792;p58"/>
-                <p:cNvSpPr/>
-                <p:nvPr/>
-              </p:nvSpPr>
-              <p:spPr>
-                <a:xfrm>
-                  <a:off x="4518794" y="1272912"/>
-                  <a:ext cx="553695" cy="792947"/>
-                </a:xfrm>
-                <a:custGeom>
-                  <a:avLst/>
-                  <a:gdLst/>
-                  <a:ahLst/>
-                  <a:cxnLst/>
-                  <a:rect l="l" t="t" r="r" b="b"/>
-                  <a:pathLst>
-                    <a:path w="553695" h="792947" extrusionOk="0">
-                      <a:moveTo>
-                        <a:pt x="505698" y="351188"/>
-                      </a:moveTo>
-                      <a:cubicBezTo>
-                        <a:pt x="491345" y="223878"/>
-                        <a:pt x="467096" y="6508"/>
-                        <a:pt x="468485" y="261"/>
-                      </a:cubicBezTo>
-                      <a:cubicBezTo>
-                        <a:pt x="470453" y="-8531"/>
-                        <a:pt x="0" y="208029"/>
-                        <a:pt x="0" y="208029"/>
-                      </a:cubicBezTo>
-                      <a:lnTo>
-                        <a:pt x="51739" y="689043"/>
-                      </a:lnTo>
-                      <a:cubicBezTo>
-                        <a:pt x="51739" y="689043"/>
-                        <a:pt x="557437" y="800678"/>
-                        <a:pt x="553675" y="792522"/>
-                      </a:cubicBezTo>
-                      <a:cubicBezTo>
-                        <a:pt x="551013" y="786738"/>
-                        <a:pt x="528442" y="569194"/>
-                        <a:pt x="515421" y="441710"/>
-                      </a:cubicBezTo>
-                      <a:lnTo>
-                        <a:pt x="515941" y="441653"/>
-                      </a:lnTo>
-                      <a:cubicBezTo>
-                        <a:pt x="515941" y="441653"/>
-                        <a:pt x="513974" y="424242"/>
-                        <a:pt x="510791" y="396420"/>
-                      </a:cubicBezTo>
-                      <a:cubicBezTo>
-                        <a:pt x="507955" y="368540"/>
-                        <a:pt x="506219" y="351130"/>
-                        <a:pt x="506219" y="351130"/>
-                      </a:cubicBezTo>
-                      <a:lnTo>
-                        <a:pt x="505698" y="351188"/>
-                      </a:lnTo>
-                      <a:close/>
-                    </a:path>
-                  </a:pathLst>
-                </a:custGeom>
-                <a:solidFill>
-                  <a:schemeClr val="lt2"/>
-                </a:solidFill>
-                <a:ln w="9525" cap="flat" cmpd="sng">
-                  <a:solidFill>
-                    <a:schemeClr val="dk1"/>
-                  </a:solidFill>
-                  <a:prstDash val="solid"/>
-                  <a:round/>
-                  <a:headEnd type="none" w="sm" len="sm"/>
-                  <a:tailEnd type="none" w="sm" len="sm"/>
-                </a:ln>
-              </p:spPr>
-              <p:txBody>
-                <a:bodyPr spcFirstLastPara="1" wrap="square" lIns="91425" tIns="45700" rIns="91425" bIns="45700" anchor="ctr" anchorCtr="0">
-                  <a:noAutofit/>
-                </a:bodyPr>
-                <a:lstStyle/>
-                <a:p>
-                  <a:pPr marL="0" marR="0" lvl="0" indent="0" algn="l" rtl="0">
-                    <a:spcBef>
-                      <a:spcPts val="0"/>
-                    </a:spcBef>
-                    <a:spcAft>
-                      <a:spcPts val="0"/>
-                    </a:spcAft>
-                    <a:buNone/>
-                  </a:pPr>
-                  <a:endParaRPr sz="1800">
-                    <a:solidFill>
-                      <a:srgbClr val="000000"/>
-                    </a:solidFill>
-                    <a:latin typeface="Calibri"/>
-                    <a:ea typeface="Calibri"/>
-                    <a:cs typeface="Calibri"/>
-                    <a:sym typeface="Calibri"/>
-                  </a:endParaRPr>
-                </a:p>
-              </p:txBody>
-            </p:sp>
-            <p:sp>
-              <p:nvSpPr>
-                <p:cNvPr id="1793" name="Google Shape;1793;p58"/>
-                <p:cNvSpPr/>
-                <p:nvPr/>
-              </p:nvSpPr>
-              <p:spPr>
-                <a:xfrm>
-                  <a:off x="4518794" y="1272912"/>
-                  <a:ext cx="553695" cy="792947"/>
-                </a:xfrm>
-                <a:custGeom>
-                  <a:avLst/>
-                  <a:gdLst/>
-                  <a:ahLst/>
-                  <a:cxnLst/>
-                  <a:rect l="l" t="t" r="r" b="b"/>
-                  <a:pathLst>
-                    <a:path w="553695" h="792947" extrusionOk="0">
-                      <a:moveTo>
-                        <a:pt x="505698" y="351188"/>
-                      </a:moveTo>
-                      <a:cubicBezTo>
-                        <a:pt x="491345" y="223878"/>
-                        <a:pt x="467096" y="6508"/>
-                        <a:pt x="468485" y="261"/>
-                      </a:cubicBezTo>
-                      <a:cubicBezTo>
-                        <a:pt x="470453" y="-8531"/>
-                        <a:pt x="0" y="208029"/>
-                        <a:pt x="0" y="208029"/>
-                      </a:cubicBezTo>
-                      <a:lnTo>
-                        <a:pt x="51739" y="689043"/>
-                      </a:lnTo>
-                      <a:cubicBezTo>
-                        <a:pt x="51739" y="689043"/>
-                        <a:pt x="557437" y="800678"/>
-                        <a:pt x="553675" y="792522"/>
-                      </a:cubicBezTo>
-                      <a:cubicBezTo>
-                        <a:pt x="551013" y="786738"/>
-                        <a:pt x="528442" y="569194"/>
-                        <a:pt x="515421" y="441710"/>
-                      </a:cubicBezTo>
-                      <a:lnTo>
-                        <a:pt x="515941" y="441653"/>
-                      </a:lnTo>
-                      <a:cubicBezTo>
-                        <a:pt x="515941" y="441653"/>
-                        <a:pt x="513974" y="424242"/>
-                        <a:pt x="510791" y="396420"/>
-                      </a:cubicBezTo>
-                      <a:cubicBezTo>
-                        <a:pt x="507955" y="368540"/>
-                        <a:pt x="506219" y="351130"/>
-                        <a:pt x="506219" y="351130"/>
-                      </a:cubicBezTo>
-                      <a:lnTo>
-                        <a:pt x="505698" y="351188"/>
-                      </a:lnTo>
-                      <a:close/>
-                    </a:path>
-                  </a:pathLst>
-                </a:custGeom>
-                <a:solidFill>
-                  <a:schemeClr val="lt2"/>
-                </a:solidFill>
-                <a:ln w="9525" cap="flat" cmpd="sng">
-                  <a:solidFill>
-                    <a:schemeClr val="dk1"/>
-                  </a:solidFill>
-                  <a:prstDash val="solid"/>
-                  <a:miter lim="8000"/>
-                  <a:headEnd type="none" w="sm" len="sm"/>
-                  <a:tailEnd type="none" w="sm" len="sm"/>
-                </a:ln>
-              </p:spPr>
-              <p:txBody>
-                <a:bodyPr spcFirstLastPara="1" wrap="square" lIns="91425" tIns="45700" rIns="91425" bIns="45700" anchor="ctr" anchorCtr="0">
-                  <a:noAutofit/>
-                </a:bodyPr>
-                <a:lstStyle/>
-                <a:p>
-                  <a:pPr marL="0" marR="0" lvl="0" indent="0" algn="l" rtl="0">
-                    <a:spcBef>
-                      <a:spcPts val="0"/>
-                    </a:spcBef>
-                    <a:spcAft>
-                      <a:spcPts val="0"/>
-                    </a:spcAft>
-                    <a:buNone/>
-                  </a:pPr>
-                  <a:endParaRPr sz="1800">
-                    <a:solidFill>
-                      <a:srgbClr val="000000"/>
-                    </a:solidFill>
-                    <a:latin typeface="Calibri"/>
-                    <a:ea typeface="Calibri"/>
-                    <a:cs typeface="Calibri"/>
-                    <a:sym typeface="Calibri"/>
-                  </a:endParaRPr>
-                </a:p>
-              </p:txBody>
-            </p:sp>
-          </p:grpSp>
-          <p:sp>
-            <p:nvSpPr>
-              <p:cNvPr id="1794" name="Google Shape;1794;p58"/>
-              <p:cNvSpPr/>
-              <p:nvPr/>
-            </p:nvSpPr>
-            <p:spPr>
-              <a:xfrm>
-                <a:off x="883275" y="3468453"/>
-                <a:ext cx="233122" cy="339150"/>
-              </a:xfrm>
-              <a:custGeom>
-                <a:avLst/>
-                <a:gdLst/>
-                <a:ahLst/>
-                <a:cxnLst/>
-                <a:rect l="l" t="t" r="r" b="b"/>
-                <a:pathLst>
-                  <a:path w="346650" h="504312" extrusionOk="0">
-                    <a:moveTo>
-                      <a:pt x="103177" y="503977"/>
-                    </a:moveTo>
-                    <a:lnTo>
-                      <a:pt x="346650" y="477832"/>
-                    </a:lnTo>
-                    <a:lnTo>
-                      <a:pt x="295259" y="0"/>
-                    </a:lnTo>
-                    <a:lnTo>
-                      <a:pt x="51785" y="26145"/>
-                    </a:lnTo>
-                    <a:cubicBezTo>
-                      <a:pt x="19955" y="29557"/>
-                      <a:pt x="-3079" y="58131"/>
-                      <a:pt x="336" y="89944"/>
-                    </a:cubicBezTo>
-                    <a:lnTo>
-                      <a:pt x="39342" y="452498"/>
-                    </a:lnTo>
-                    <a:cubicBezTo>
-                      <a:pt x="42757" y="484368"/>
-                      <a:pt x="71346" y="507390"/>
-                      <a:pt x="103177" y="503977"/>
-                    </a:cubicBezTo>
-                    <a:close/>
-                  </a:path>
-                </a:pathLst>
-              </a:custGeom>
-              <a:solidFill>
-                <a:schemeClr val="lt1"/>
-              </a:solidFill>
-              <a:ln w="9525" cap="flat" cmpd="sng">
-                <a:solidFill>
-                  <a:schemeClr val="dk1"/>
-                </a:solidFill>
-                <a:prstDash val="solid"/>
-                <a:miter lim="8000"/>
-                <a:headEnd type="none" w="sm" len="sm"/>
-                <a:tailEnd type="none" w="sm" len="sm"/>
-              </a:ln>
-            </p:spPr>
-            <p:txBody>
-              <a:bodyPr spcFirstLastPara="1" wrap="square" lIns="91425" tIns="45700" rIns="91425" bIns="45700" anchor="ctr" anchorCtr="0">
-                <a:noAutofit/>
-              </a:bodyPr>
-              <a:lstStyle/>
-              <a:p>
-                <a:pPr marL="0" marR="0" lvl="0" indent="0" algn="l" rtl="0">
-                  <a:spcBef>
-                    <a:spcPts val="0"/>
-                  </a:spcBef>
-                  <a:spcAft>
-                    <a:spcPts val="0"/>
-                  </a:spcAft>
-                  <a:buNone/>
-                </a:pPr>
-                <a:endParaRPr sz="1800">
-                  <a:solidFill>
-                    <a:srgbClr val="000000"/>
-                  </a:solidFill>
-                  <a:latin typeface="Calibri"/>
-                  <a:ea typeface="Calibri"/>
-                  <a:cs typeface="Calibri"/>
-                  <a:sym typeface="Calibri"/>
-                </a:endParaRPr>
-              </a:p>
-            </p:txBody>
-          </p:sp>
-        </p:grpSp>
-        <p:grpSp>
-          <p:nvGrpSpPr>
-            <p:cNvPr id="1795" name="Google Shape;1795;p58"/>
-            <p:cNvGrpSpPr/>
-            <p:nvPr/>
-          </p:nvGrpSpPr>
-          <p:grpSpPr>
-            <a:xfrm>
-              <a:off x="7646258" y="3998698"/>
-              <a:ext cx="261965" cy="261822"/>
-              <a:chOff x="7694183" y="3964323"/>
-              <a:chExt cx="261965" cy="261822"/>
-            </a:xfrm>
-          </p:grpSpPr>
-          <p:sp>
-            <p:nvSpPr>
-              <p:cNvPr id="1796" name="Google Shape;1796;p58"/>
-              <p:cNvSpPr/>
-              <p:nvPr/>
-            </p:nvSpPr>
-            <p:spPr>
-              <a:xfrm>
-                <a:off x="7694183" y="3964323"/>
-                <a:ext cx="261965" cy="261822"/>
-              </a:xfrm>
-              <a:custGeom>
-                <a:avLst/>
-                <a:gdLst/>
-                <a:ahLst/>
-                <a:cxnLst/>
-                <a:rect l="l" t="t" r="r" b="b"/>
-                <a:pathLst>
-                  <a:path w="321429" h="321254" extrusionOk="0">
-                    <a:moveTo>
-                      <a:pt x="160714" y="321254"/>
-                    </a:moveTo>
-                    <a:lnTo>
-                      <a:pt x="160714" y="321254"/>
-                    </a:lnTo>
-                    <a:cubicBezTo>
-                      <a:pt x="71937" y="321254"/>
-                      <a:pt x="0" y="249357"/>
-                      <a:pt x="0" y="160627"/>
-                    </a:cubicBezTo>
-                    <a:lnTo>
-                      <a:pt x="0" y="160627"/>
-                    </a:lnTo>
-                    <a:cubicBezTo>
-                      <a:pt x="0" y="71898"/>
-                      <a:pt x="71937" y="0"/>
-                      <a:pt x="160714" y="0"/>
-                    </a:cubicBezTo>
-                    <a:lnTo>
-                      <a:pt x="160714" y="0"/>
-                    </a:lnTo>
-                    <a:cubicBezTo>
-                      <a:pt x="249492" y="0"/>
-                      <a:pt x="321429" y="71898"/>
-                      <a:pt x="321429" y="160627"/>
-                    </a:cubicBezTo>
-                    <a:lnTo>
-                      <a:pt x="321429" y="160627"/>
-                    </a:lnTo>
-                    <a:cubicBezTo>
-                      <a:pt x="321429" y="249357"/>
-                      <a:pt x="249492" y="321254"/>
-                      <a:pt x="160714" y="321254"/>
-                    </a:cubicBezTo>
-                    <a:close/>
-                  </a:path>
-                </a:pathLst>
-              </a:custGeom>
-              <a:solidFill>
-                <a:schemeClr val="accent1"/>
-              </a:solidFill>
-              <a:ln w="9525" cap="flat" cmpd="sng">
-                <a:solidFill>
-                  <a:schemeClr val="dk1"/>
-                </a:solidFill>
-                <a:prstDash val="solid"/>
-                <a:round/>
-                <a:headEnd type="none" w="sm" len="sm"/>
-                <a:tailEnd type="none" w="sm" len="sm"/>
-              </a:ln>
-            </p:spPr>
-            <p:txBody>
-              <a:bodyPr spcFirstLastPara="1" wrap="square" lIns="91425" tIns="45700" rIns="91425" bIns="45700" anchor="ctr" anchorCtr="0">
-                <a:noAutofit/>
-              </a:bodyPr>
-              <a:lstStyle/>
-              <a:p>
-                <a:pPr marL="0" marR="0" lvl="0" indent="0" algn="l" rtl="0">
-                  <a:spcBef>
-                    <a:spcPts val="0"/>
-                  </a:spcBef>
-                  <a:spcAft>
-                    <a:spcPts val="0"/>
-                  </a:spcAft>
-                  <a:buNone/>
-                </a:pPr>
-                <a:endParaRPr sz="1800">
-                  <a:solidFill>
-                    <a:srgbClr val="000000"/>
-                  </a:solidFill>
-                  <a:latin typeface="Calibri"/>
-                  <a:ea typeface="Calibri"/>
-                  <a:cs typeface="Calibri"/>
-                  <a:sym typeface="Calibri"/>
-                </a:endParaRPr>
-              </a:p>
-            </p:txBody>
-          </p:sp>
-          <p:sp>
-            <p:nvSpPr>
-              <p:cNvPr id="1797" name="Google Shape;1797;p58"/>
-              <p:cNvSpPr/>
-              <p:nvPr/>
-            </p:nvSpPr>
-            <p:spPr>
-              <a:xfrm>
-                <a:off x="7765060" y="4017559"/>
-                <a:ext cx="120416" cy="155476"/>
-              </a:xfrm>
-              <a:custGeom>
-                <a:avLst/>
-                <a:gdLst/>
-                <a:ahLst/>
-                <a:cxnLst/>
-                <a:rect l="l" t="t" r="r" b="b"/>
-                <a:pathLst>
-                  <a:path w="147750" h="190768" extrusionOk="0">
-                    <a:moveTo>
-                      <a:pt x="22397" y="110305"/>
-                    </a:moveTo>
-                    <a:cubicBezTo>
-                      <a:pt x="24885" y="111346"/>
-                      <a:pt x="27143" y="110363"/>
-                      <a:pt x="27895" y="107586"/>
-                    </a:cubicBezTo>
-                    <a:cubicBezTo>
-                      <a:pt x="28416" y="105677"/>
-                      <a:pt x="29573" y="100818"/>
-                      <a:pt x="30152" y="98794"/>
-                    </a:cubicBezTo>
-                    <a:cubicBezTo>
-                      <a:pt x="30904" y="96018"/>
-                      <a:pt x="30615" y="95092"/>
-                      <a:pt x="28589" y="92663"/>
-                    </a:cubicBezTo>
-                    <a:cubicBezTo>
-                      <a:pt x="24191" y="87457"/>
-                      <a:pt x="21355" y="80690"/>
-                      <a:pt x="21355" y="71146"/>
-                    </a:cubicBezTo>
-                    <a:cubicBezTo>
-                      <a:pt x="21355" y="43439"/>
-                      <a:pt x="42074" y="18683"/>
-                      <a:pt x="75351" y="18683"/>
-                    </a:cubicBezTo>
-                    <a:cubicBezTo>
-                      <a:pt x="104809" y="18683"/>
-                      <a:pt x="120955" y="36672"/>
-                      <a:pt x="120955" y="60677"/>
-                    </a:cubicBezTo>
-                    <a:cubicBezTo>
-                      <a:pt x="120955" y="92258"/>
-                      <a:pt x="106950" y="118923"/>
-                      <a:pt x="86173" y="118923"/>
-                    </a:cubicBezTo>
-                    <a:cubicBezTo>
-                      <a:pt x="74715" y="118923"/>
-                      <a:pt x="66149" y="109437"/>
-                      <a:pt x="68869" y="97811"/>
-                    </a:cubicBezTo>
-                    <a:cubicBezTo>
-                      <a:pt x="72168" y="83929"/>
-                      <a:pt x="78534" y="68948"/>
-                      <a:pt x="78534" y="58941"/>
-                    </a:cubicBezTo>
-                    <a:cubicBezTo>
-                      <a:pt x="78534" y="49976"/>
-                      <a:pt x="73731" y="42514"/>
-                      <a:pt x="63776" y="42514"/>
-                    </a:cubicBezTo>
-                    <a:cubicBezTo>
-                      <a:pt x="52028" y="42514"/>
-                      <a:pt x="42653" y="54661"/>
-                      <a:pt x="42653" y="70856"/>
-                    </a:cubicBezTo>
-                    <a:cubicBezTo>
-                      <a:pt x="42653" y="81210"/>
-                      <a:pt x="46183" y="88209"/>
-                      <a:pt x="46183" y="88209"/>
-                    </a:cubicBezTo>
-                    <a:cubicBezTo>
-                      <a:pt x="46183" y="88209"/>
-                      <a:pt x="34203" y="138994"/>
-                      <a:pt x="32062" y="147902"/>
-                    </a:cubicBezTo>
-                    <a:cubicBezTo>
-                      <a:pt x="27895" y="165602"/>
-                      <a:pt x="31425" y="187350"/>
-                      <a:pt x="31715" y="189548"/>
-                    </a:cubicBezTo>
-                    <a:cubicBezTo>
-                      <a:pt x="31888" y="190878"/>
-                      <a:pt x="33567" y="191168"/>
-                      <a:pt x="34319" y="190184"/>
-                    </a:cubicBezTo>
-                    <a:cubicBezTo>
-                      <a:pt x="35419" y="188796"/>
-                      <a:pt x="49366" y="171559"/>
-                      <a:pt x="54112" y="154322"/>
-                    </a:cubicBezTo>
-                    <a:cubicBezTo>
-                      <a:pt x="55443" y="149464"/>
-                      <a:pt x="61809" y="124187"/>
-                      <a:pt x="61809" y="124187"/>
-                    </a:cubicBezTo>
-                    <a:cubicBezTo>
-                      <a:pt x="65628" y="131475"/>
-                      <a:pt x="76740" y="137837"/>
-                      <a:pt x="88604" y="137837"/>
-                    </a:cubicBezTo>
-                    <a:cubicBezTo>
-                      <a:pt x="123849" y="137837"/>
-                      <a:pt x="147751" y="105735"/>
-                      <a:pt x="147751" y="62759"/>
-                    </a:cubicBezTo>
-                    <a:cubicBezTo>
-                      <a:pt x="147751" y="30252"/>
-                      <a:pt x="120203" y="0"/>
-                      <a:pt x="78360" y="0"/>
-                    </a:cubicBezTo>
-                    <a:cubicBezTo>
-                      <a:pt x="26274" y="0"/>
-                      <a:pt x="0" y="37308"/>
-                      <a:pt x="0" y="68427"/>
-                    </a:cubicBezTo>
-                    <a:cubicBezTo>
-                      <a:pt x="0" y="87284"/>
-                      <a:pt x="7118" y="104058"/>
-                      <a:pt x="22397" y="110305"/>
-                    </a:cubicBezTo>
-                    <a:close/>
-                  </a:path>
-                </a:pathLst>
-              </a:custGeom>
-              <a:solidFill>
-                <a:srgbClr val="FFFFFF"/>
-              </a:solidFill>
-              <a:ln>
-                <a:noFill/>
-              </a:ln>
-            </p:spPr>
-            <p:txBody>
-              <a:bodyPr spcFirstLastPara="1" wrap="square" lIns="91425" tIns="45700" rIns="91425" bIns="45700" anchor="ctr" anchorCtr="0">
-                <a:noAutofit/>
-              </a:bodyPr>
-              <a:lstStyle/>
-              <a:p>
-                <a:pPr marL="0" marR="0" lvl="0" indent="0" algn="l" rtl="0">
-                  <a:spcBef>
-                    <a:spcPts val="0"/>
-                  </a:spcBef>
-                  <a:spcAft>
-                    <a:spcPts val="0"/>
-                  </a:spcAft>
-                  <a:buNone/>
-                </a:pPr>
-                <a:endParaRPr sz="1800">
-                  <a:solidFill>
-                    <a:srgbClr val="000000"/>
-                  </a:solidFill>
-                  <a:latin typeface="Calibri"/>
-                  <a:ea typeface="Calibri"/>
-                  <a:cs typeface="Calibri"/>
-                  <a:sym typeface="Calibri"/>
-                </a:endParaRPr>
-              </a:p>
-            </p:txBody>
-          </p:sp>
-        </p:grpSp>
-        <p:grpSp>
-          <p:nvGrpSpPr>
-            <p:cNvPr id="1798" name="Google Shape;1798;p58"/>
-            <p:cNvGrpSpPr/>
-            <p:nvPr/>
-          </p:nvGrpSpPr>
-          <p:grpSpPr>
-            <a:xfrm>
-              <a:off x="7729418" y="4327291"/>
-              <a:ext cx="261769" cy="261627"/>
-              <a:chOff x="7573543" y="4207628"/>
-              <a:chExt cx="261769" cy="261627"/>
-            </a:xfrm>
-          </p:grpSpPr>
-          <p:sp>
-            <p:nvSpPr>
-              <p:cNvPr id="1799" name="Google Shape;1799;p58"/>
-              <p:cNvSpPr/>
-              <p:nvPr/>
-            </p:nvSpPr>
-            <p:spPr>
-              <a:xfrm>
-                <a:off x="7573543" y="4207628"/>
-                <a:ext cx="261769" cy="261627"/>
-              </a:xfrm>
-              <a:custGeom>
-                <a:avLst/>
-                <a:gdLst/>
-                <a:ahLst/>
-                <a:cxnLst/>
-                <a:rect l="l" t="t" r="r" b="b"/>
-                <a:pathLst>
-                  <a:path w="441805" h="441565" extrusionOk="0">
-                    <a:moveTo>
-                      <a:pt x="220903" y="441566"/>
-                    </a:moveTo>
-                    <a:lnTo>
-                      <a:pt x="220903" y="441566"/>
-                    </a:lnTo>
-                    <a:cubicBezTo>
-                      <a:pt x="98906" y="441566"/>
-                      <a:pt x="0" y="342714"/>
-                      <a:pt x="0" y="220783"/>
-                    </a:cubicBezTo>
-                    <a:lnTo>
-                      <a:pt x="0" y="220783"/>
-                    </a:lnTo>
-                    <a:cubicBezTo>
-                      <a:pt x="0" y="98852"/>
-                      <a:pt x="98906" y="0"/>
-                      <a:pt x="220903" y="0"/>
-                    </a:cubicBezTo>
-                    <a:lnTo>
-                      <a:pt x="220903" y="0"/>
-                    </a:lnTo>
-                    <a:cubicBezTo>
-                      <a:pt x="342900" y="0"/>
-                      <a:pt x="441806" y="98852"/>
-                      <a:pt x="441806" y="220783"/>
-                    </a:cubicBezTo>
-                    <a:lnTo>
-                      <a:pt x="441806" y="220783"/>
-                    </a:lnTo>
-                    <a:cubicBezTo>
-                      <a:pt x="441806" y="342714"/>
-                      <a:pt x="342900" y="441566"/>
-                      <a:pt x="220903" y="441566"/>
-                    </a:cubicBezTo>
-                    <a:close/>
-                  </a:path>
-                </a:pathLst>
-              </a:custGeom>
-              <a:solidFill>
-                <a:schemeClr val="dk1"/>
-              </a:solidFill>
-              <a:ln w="9525" cap="flat" cmpd="sng">
-                <a:solidFill>
-                  <a:schemeClr val="dk1"/>
-                </a:solidFill>
-                <a:prstDash val="solid"/>
-                <a:round/>
-                <a:headEnd type="none" w="sm" len="sm"/>
-                <a:tailEnd type="none" w="sm" len="sm"/>
-              </a:ln>
-            </p:spPr>
-            <p:txBody>
-              <a:bodyPr spcFirstLastPara="1" wrap="square" lIns="91425" tIns="45700" rIns="91425" bIns="45700" anchor="ctr" anchorCtr="0">
-                <a:noAutofit/>
-              </a:bodyPr>
-              <a:lstStyle/>
-              <a:p>
-                <a:pPr marL="0" marR="0" lvl="0" indent="0" algn="l" rtl="0">
-                  <a:spcBef>
-                    <a:spcPts val="0"/>
-                  </a:spcBef>
-                  <a:spcAft>
-                    <a:spcPts val="0"/>
-                  </a:spcAft>
-                  <a:buNone/>
-                </a:pPr>
-                <a:endParaRPr sz="1800">
-                  <a:solidFill>
-                    <a:srgbClr val="000000"/>
-                  </a:solidFill>
-                  <a:latin typeface="Calibri"/>
-                  <a:ea typeface="Calibri"/>
-                  <a:cs typeface="Calibri"/>
-                  <a:sym typeface="Calibri"/>
-                </a:endParaRPr>
-              </a:p>
-            </p:txBody>
-          </p:sp>
-          <p:grpSp>
-            <p:nvGrpSpPr>
-              <p:cNvPr id="1800" name="Google Shape;1800;p58"/>
-              <p:cNvGrpSpPr/>
-              <p:nvPr/>
-            </p:nvGrpSpPr>
-            <p:grpSpPr>
-              <a:xfrm>
-                <a:off x="7643005" y="4265974"/>
-                <a:ext cx="131646" cy="131712"/>
-                <a:chOff x="3756254" y="4892401"/>
-                <a:chExt cx="221365" cy="221476"/>
-              </a:xfrm>
-            </p:grpSpPr>
-            <p:grpSp>
-              <p:nvGrpSpPr>
-                <p:cNvPr id="1801" name="Google Shape;1801;p58"/>
-                <p:cNvGrpSpPr/>
-                <p:nvPr/>
-              </p:nvGrpSpPr>
-              <p:grpSpPr>
-                <a:xfrm>
-                  <a:off x="3756254" y="4892401"/>
-                  <a:ext cx="54053" cy="221418"/>
-                  <a:chOff x="3756254" y="4892401"/>
-                  <a:chExt cx="54053" cy="221418"/>
-                </a:xfrm>
-              </p:grpSpPr>
-              <p:sp>
-                <p:nvSpPr>
-                  <p:cNvPr id="1802" name="Google Shape;1802;p58"/>
-                  <p:cNvSpPr/>
-                  <p:nvPr/>
-                </p:nvSpPr>
-                <p:spPr>
-                  <a:xfrm>
-                    <a:off x="3760594" y="4966207"/>
-                    <a:ext cx="45719" cy="147612"/>
-                  </a:xfrm>
-                  <a:custGeom>
-                    <a:avLst/>
-                    <a:gdLst/>
-                    <a:ahLst/>
-                    <a:cxnLst/>
-                    <a:rect l="l" t="t" r="r" b="b"/>
-                    <a:pathLst>
-                      <a:path w="45719" h="147612" extrusionOk="0">
-                        <a:moveTo>
-                          <a:pt x="0" y="0"/>
-                        </a:moveTo>
-                        <a:lnTo>
-                          <a:pt x="45720" y="0"/>
-                        </a:lnTo>
-                        <a:lnTo>
-                          <a:pt x="45720" y="147613"/>
-                        </a:lnTo>
-                        <a:lnTo>
-                          <a:pt x="0" y="147613"/>
-                        </a:lnTo>
-                        <a:close/>
-                      </a:path>
-                    </a:pathLst>
-                  </a:custGeom>
-                  <a:solidFill>
-                    <a:schemeClr val="lt1"/>
-                  </a:solidFill>
-                  <a:ln>
-                    <a:noFill/>
-                  </a:ln>
-                </p:spPr>
-                <p:txBody>
-                  <a:bodyPr spcFirstLastPara="1" wrap="square" lIns="91425" tIns="45700" rIns="91425" bIns="45700" anchor="ctr" anchorCtr="0">
-                    <a:noAutofit/>
-                  </a:bodyPr>
-                  <a:lstStyle/>
-                  <a:p>
-                    <a:pPr marL="0" marR="0" lvl="0" indent="0" algn="l" rtl="0">
-                      <a:spcBef>
-                        <a:spcPts val="0"/>
-                      </a:spcBef>
-                      <a:spcAft>
-                        <a:spcPts val="0"/>
-                      </a:spcAft>
-                      <a:buNone/>
-                    </a:pPr>
-                    <a:endParaRPr sz="1800">
-                      <a:solidFill>
-                        <a:srgbClr val="000000"/>
-                      </a:solidFill>
-                      <a:latin typeface="Calibri"/>
-                      <a:ea typeface="Calibri"/>
-                      <a:cs typeface="Calibri"/>
-                      <a:sym typeface="Calibri"/>
-                    </a:endParaRPr>
-                  </a:p>
-                </p:txBody>
-              </p:sp>
-              <p:sp>
-                <p:nvSpPr>
-                  <p:cNvPr id="1803" name="Google Shape;1803;p58"/>
-                  <p:cNvSpPr/>
-                  <p:nvPr/>
-                </p:nvSpPr>
-                <p:spPr>
-                  <a:xfrm>
-                    <a:off x="3756254" y="4892401"/>
-                    <a:ext cx="54053" cy="54487"/>
-                  </a:xfrm>
-                  <a:custGeom>
-                    <a:avLst/>
-                    <a:gdLst/>
-                    <a:ahLst/>
-                    <a:cxnLst/>
-                    <a:rect l="l" t="t" r="r" b="b"/>
-                    <a:pathLst>
-                      <a:path w="54053" h="54487" extrusionOk="0">
-                        <a:moveTo>
-                          <a:pt x="27027" y="54487"/>
-                        </a:moveTo>
-                        <a:cubicBezTo>
-                          <a:pt x="41958" y="54487"/>
-                          <a:pt x="54054" y="42282"/>
-                          <a:pt x="54054" y="27244"/>
-                        </a:cubicBezTo>
-                        <a:cubicBezTo>
-                          <a:pt x="54054" y="12205"/>
-                          <a:pt x="41958" y="0"/>
-                          <a:pt x="27027" y="0"/>
-                        </a:cubicBezTo>
-                        <a:cubicBezTo>
-                          <a:pt x="12096" y="0"/>
-                          <a:pt x="0" y="12205"/>
-                          <a:pt x="0" y="27244"/>
-                        </a:cubicBezTo>
-                        <a:cubicBezTo>
-                          <a:pt x="-58" y="42282"/>
-                          <a:pt x="12096" y="54487"/>
-                          <a:pt x="27027" y="54487"/>
-                        </a:cubicBezTo>
-                        <a:close/>
-                      </a:path>
-                    </a:pathLst>
-                  </a:custGeom>
-                  <a:solidFill>
-                    <a:schemeClr val="lt1"/>
-                  </a:solidFill>
-                  <a:ln>
-                    <a:noFill/>
-                  </a:ln>
-                </p:spPr>
-                <p:txBody>
-                  <a:bodyPr spcFirstLastPara="1" wrap="square" lIns="91425" tIns="45700" rIns="91425" bIns="45700" anchor="ctr" anchorCtr="0">
-                    <a:noAutofit/>
-                  </a:bodyPr>
-                  <a:lstStyle/>
-                  <a:p>
-                    <a:pPr marL="0" marR="0" lvl="0" indent="0" algn="l" rtl="0">
-                      <a:spcBef>
-                        <a:spcPts val="0"/>
-                      </a:spcBef>
-                      <a:spcAft>
-                        <a:spcPts val="0"/>
-                      </a:spcAft>
-                      <a:buNone/>
-                    </a:pPr>
-                    <a:endParaRPr sz="1800">
-                      <a:solidFill>
-                        <a:srgbClr val="000000"/>
-                      </a:solidFill>
-                      <a:latin typeface="Calibri"/>
-                      <a:ea typeface="Calibri"/>
-                      <a:cs typeface="Calibri"/>
-                      <a:sym typeface="Calibri"/>
-                    </a:endParaRPr>
-                  </a:p>
-                </p:txBody>
-              </p:sp>
-            </p:grpSp>
-            <p:sp>
-              <p:nvSpPr>
-                <p:cNvPr id="1804" name="Google Shape;1804;p58"/>
-                <p:cNvSpPr/>
-                <p:nvPr/>
-              </p:nvSpPr>
-              <p:spPr>
-                <a:xfrm>
-                  <a:off x="3835540" y="4961753"/>
-                  <a:ext cx="142079" cy="152124"/>
-                </a:xfrm>
-                <a:custGeom>
-                  <a:avLst/>
-                  <a:gdLst/>
-                  <a:ahLst/>
-                  <a:cxnLst/>
-                  <a:rect l="l" t="t" r="r" b="b"/>
-                  <a:pathLst>
-                    <a:path w="142079" h="152124" extrusionOk="0">
-                      <a:moveTo>
-                        <a:pt x="43868" y="74616"/>
-                      </a:moveTo>
-                      <a:cubicBezTo>
-                        <a:pt x="43868" y="53851"/>
-                        <a:pt x="53417" y="41530"/>
-                        <a:pt x="71705" y="41530"/>
-                      </a:cubicBezTo>
-                      <a:cubicBezTo>
-                        <a:pt x="88489" y="41530"/>
-                        <a:pt x="96591" y="53388"/>
-                        <a:pt x="96591" y="74616"/>
-                      </a:cubicBezTo>
-                      <a:cubicBezTo>
-                        <a:pt x="96591" y="95902"/>
-                        <a:pt x="96591" y="152124"/>
-                        <a:pt x="96591" y="152124"/>
-                      </a:cubicBezTo>
-                      <a:lnTo>
-                        <a:pt x="142079" y="152124"/>
-                      </a:lnTo>
-                      <a:cubicBezTo>
-                        <a:pt x="142079" y="152124"/>
-                        <a:pt x="142079" y="98216"/>
-                        <a:pt x="142079" y="58652"/>
-                      </a:cubicBezTo>
-                      <a:cubicBezTo>
-                        <a:pt x="142079" y="19088"/>
-                        <a:pt x="119682" y="0"/>
-                        <a:pt x="88373" y="0"/>
-                      </a:cubicBezTo>
-                      <a:cubicBezTo>
-                        <a:pt x="57063" y="0"/>
-                        <a:pt x="43868" y="24409"/>
-                        <a:pt x="43868" y="24409"/>
-                      </a:cubicBezTo>
-                      <a:lnTo>
-                        <a:pt x="43868" y="4512"/>
-                      </a:lnTo>
-                      <a:lnTo>
-                        <a:pt x="0" y="4512"/>
-                      </a:lnTo>
-                      <a:lnTo>
-                        <a:pt x="0" y="152124"/>
-                      </a:lnTo>
-                      <a:lnTo>
-                        <a:pt x="43868" y="152124"/>
-                      </a:lnTo>
-                      <a:cubicBezTo>
-                        <a:pt x="43868" y="152067"/>
-                        <a:pt x="43868" y="97348"/>
-                        <a:pt x="43868" y="74616"/>
-                      </a:cubicBezTo>
-                      <a:close/>
-                    </a:path>
-                  </a:pathLst>
-                </a:custGeom>
-                <a:solidFill>
-                  <a:schemeClr val="lt1"/>
-                </a:solidFill>
-                <a:ln>
-                  <a:noFill/>
-                </a:ln>
-              </p:spPr>
-              <p:txBody>
-                <a:bodyPr spcFirstLastPara="1" wrap="square" lIns="91425" tIns="45700" rIns="91425" bIns="45700" anchor="ctr" anchorCtr="0">
-                  <a:noAutofit/>
-                </a:bodyPr>
-                <a:lstStyle/>
-                <a:p>
-                  <a:pPr marL="0" marR="0" lvl="0" indent="0" algn="l" rtl="0">
-                    <a:spcBef>
-                      <a:spcPts val="0"/>
-                    </a:spcBef>
-                    <a:spcAft>
-                      <a:spcPts val="0"/>
-                    </a:spcAft>
-                    <a:buNone/>
-                  </a:pPr>
-                  <a:endParaRPr sz="1800">
-                    <a:solidFill>
-                      <a:srgbClr val="000000"/>
-                    </a:solidFill>
-                    <a:latin typeface="Calibri"/>
-                    <a:ea typeface="Calibri"/>
-                    <a:cs typeface="Calibri"/>
-                    <a:sym typeface="Calibri"/>
-                  </a:endParaRPr>
-                </a:p>
-              </p:txBody>
-            </p:sp>
-          </p:grpSp>
-        </p:grpSp>
-      </p:grpSp>
-    </p:spTree>
-  </p:cSld>
-  <p:clrMapOvr>
-    <a:masterClrMapping/>
-  </p:clrMapOvr>
-</p:sld>
-</file>
-
 <file path=ppt/theme/theme1.xml><?xml version="1.0" encoding="utf-8"?>
 <a:theme xmlns:a="http://schemas.openxmlformats.org/drawingml/2006/main" name="Understanding Consumer Behavior in Marketing by Slidesgo">
   <a:themeElements>
